--- a/Presentations/presentation_chapter1.pptx
+++ b/Presentations/presentation_chapter1.pptx
@@ -15,6 +15,21 @@
     <p:sldId id="263" r:id="rId9"/>
     <p:sldId id="264" r:id="rId10"/>
     <p:sldId id="258" r:id="rId11"/>
+    <p:sldId id="267" r:id="rId12"/>
+    <p:sldId id="266" r:id="rId13"/>
+    <p:sldId id="269" r:id="rId14"/>
+    <p:sldId id="271" r:id="rId15"/>
+    <p:sldId id="272" r:id="rId16"/>
+    <p:sldId id="275" r:id="rId17"/>
+    <p:sldId id="276" r:id="rId18"/>
+    <p:sldId id="274" r:id="rId19"/>
+    <p:sldId id="281" r:id="rId20"/>
+    <p:sldId id="282" r:id="rId21"/>
+    <p:sldId id="283" r:id="rId22"/>
+    <p:sldId id="278" r:id="rId23"/>
+    <p:sldId id="279" r:id="rId24"/>
+    <p:sldId id="280" r:id="rId25"/>
+    <p:sldId id="284" r:id="rId26"/>
   </p:sldIdLst>
   <p:sldSz cx="12192000" cy="6858000"/>
   <p:notesSz cx="6858000" cy="9144000"/>
@@ -9210,6 +9225,4488 @@
 </p:sld>
 </file>
 
+<file path=ppt/slides/slide11.xml><?xml version="1.0" encoding="utf-8"?>
+<p:sld xmlns:a="http://schemas.openxmlformats.org/drawingml/2006/main" xmlns:r="http://schemas.openxmlformats.org/officeDocument/2006/relationships" xmlns:p="http://schemas.openxmlformats.org/presentationml/2006/main">
+  <p:cSld>
+    <p:spTree>
+      <p:nvGrpSpPr>
+        <p:cNvPr id="1" name=""/>
+        <p:cNvGrpSpPr/>
+        <p:nvPr/>
+      </p:nvGrpSpPr>
+      <p:grpSpPr>
+        <a:xfrm>
+          <a:off x="0" y="0"/>
+          <a:ext cx="0" cy="0"/>
+          <a:chOff x="0" y="0"/>
+          <a:chExt cx="0" cy="0"/>
+        </a:xfrm>
+      </p:grpSpPr>
+    </p:spTree>
+    <p:extLst>
+      <p:ext uri="{BB962C8B-B14F-4D97-AF65-F5344CB8AC3E}">
+        <p14:creationId xmlns:p14="http://schemas.microsoft.com/office/powerpoint/2010/main" val="1619824324"/>
+      </p:ext>
+    </p:extLst>
+  </p:cSld>
+  <p:clrMapOvr>
+    <a:masterClrMapping/>
+  </p:clrMapOvr>
+  <p:timing>
+    <p:tnLst>
+      <p:par>
+        <p:cTn id="1" dur="indefinite" restart="never" nodeType="tmRoot"/>
+      </p:par>
+    </p:tnLst>
+  </p:timing>
+</p:sld>
+</file>
+
+<file path=ppt/slides/slide12.xml><?xml version="1.0" encoding="utf-8"?>
+<p:sld xmlns:a="http://schemas.openxmlformats.org/drawingml/2006/main" xmlns:r="http://schemas.openxmlformats.org/officeDocument/2006/relationships" xmlns:p="http://schemas.openxmlformats.org/presentationml/2006/main">
+  <p:cSld>
+    <p:spTree>
+      <p:nvGrpSpPr>
+        <p:cNvPr id="1" name=""/>
+        <p:cNvGrpSpPr/>
+        <p:nvPr/>
+      </p:nvGrpSpPr>
+      <p:grpSpPr>
+        <a:xfrm>
+          <a:off x="0" y="0"/>
+          <a:ext cx="0" cy="0"/>
+          <a:chOff x="0" y="0"/>
+          <a:chExt cx="0" cy="0"/>
+        </a:xfrm>
+      </p:grpSpPr>
+      <p:sp>
+        <p:nvSpPr>
+          <p:cNvPr id="2" name="Title 1"/>
+          <p:cNvSpPr>
+            <a:spLocks noGrp="1"/>
+          </p:cNvSpPr>
+          <p:nvPr>
+            <p:ph type="title"/>
+          </p:nvPr>
+        </p:nvSpPr>
+        <p:spPr/>
+        <p:txBody>
+          <a:bodyPr/>
+          <a:lstStyle/>
+          <a:p>
+            <a:r>
+              <a:rPr lang="en-US" dirty="0" smtClean="0"/>
+              <a:t>Chapter 2: </a:t>
+            </a:r>
+            <a:r>
+              <a:rPr lang="en-US" dirty="0"/>
+              <a:t>Optimizing a Network with Backpropagation</a:t>
+            </a:r>
+            <a:endParaRPr lang="en-US" dirty="0"/>
+          </a:p>
+        </p:txBody>
+      </p:sp>
+      <p:sp>
+        <p:nvSpPr>
+          <p:cNvPr id="3" name="Content Placeholder 2"/>
+          <p:cNvSpPr>
+            <a:spLocks noGrp="1"/>
+          </p:cNvSpPr>
+          <p:nvPr>
+            <p:ph idx="1"/>
+          </p:nvPr>
+        </p:nvSpPr>
+        <p:spPr/>
+        <p:txBody>
+          <a:bodyPr/>
+          <a:lstStyle/>
+          <a:p>
+            <a:r>
+              <a:rPr lang="en-US" dirty="0"/>
+              <a:t>Optimizing a Network with Backpropagation</a:t>
+            </a:r>
+            <a:endParaRPr lang="en-US" dirty="0"/>
+          </a:p>
+          <a:p>
+            <a:pPr fontAlgn="base"/>
+            <a:r>
+              <a:rPr lang="en-US" dirty="0"/>
+              <a:t>Calculating Predictive </a:t>
+            </a:r>
+            <a:r>
+              <a:rPr lang="en-US" dirty="0" smtClean="0"/>
+              <a:t>Error (Loss Functions)</a:t>
+            </a:r>
+            <a:endParaRPr lang="en-US" dirty="0"/>
+          </a:p>
+          <a:p>
+            <a:pPr fontAlgn="base"/>
+            <a:r>
+              <a:rPr lang="en-US" dirty="0" smtClean="0"/>
+              <a:t>Gradient </a:t>
+            </a:r>
+            <a:r>
+              <a:rPr lang="en-US" dirty="0"/>
+              <a:t>Descent</a:t>
+            </a:r>
+          </a:p>
+          <a:p>
+            <a:pPr fontAlgn="base"/>
+            <a:r>
+              <a:rPr lang="en-US" dirty="0"/>
+              <a:t>Calculating slopes</a:t>
+            </a:r>
+          </a:p>
+          <a:p>
+            <a:pPr fontAlgn="base"/>
+            <a:r>
+              <a:rPr lang="en-US" dirty="0"/>
+              <a:t>Backpropagation</a:t>
+            </a:r>
+          </a:p>
+          <a:p>
+            <a:pPr fontAlgn="base"/>
+            <a:r>
+              <a:rPr lang="en-US" dirty="0"/>
+              <a:t>Problems with </a:t>
+            </a:r>
+            <a:r>
+              <a:rPr lang="en-US" dirty="0" smtClean="0"/>
+              <a:t>backpropagation</a:t>
+            </a:r>
+            <a:endParaRPr lang="en-US" dirty="0"/>
+          </a:p>
+        </p:txBody>
+      </p:sp>
+    </p:spTree>
+    <p:extLst>
+      <p:ext uri="{BB962C8B-B14F-4D97-AF65-F5344CB8AC3E}">
+        <p14:creationId xmlns:p14="http://schemas.microsoft.com/office/powerpoint/2010/main" val="179128829"/>
+      </p:ext>
+    </p:extLst>
+  </p:cSld>
+  <p:clrMapOvr>
+    <a:masterClrMapping/>
+  </p:clrMapOvr>
+  <p:timing>
+    <p:tnLst>
+      <p:par>
+        <p:cTn id="1" dur="indefinite" restart="never" nodeType="tmRoot"/>
+      </p:par>
+    </p:tnLst>
+  </p:timing>
+</p:sld>
+</file>
+
+<file path=ppt/slides/slide13.xml><?xml version="1.0" encoding="utf-8"?>
+<p:sld xmlns:a="http://schemas.openxmlformats.org/drawingml/2006/main" xmlns:r="http://schemas.openxmlformats.org/officeDocument/2006/relationships" xmlns:p="http://schemas.openxmlformats.org/presentationml/2006/main">
+  <p:cSld>
+    <p:spTree>
+      <p:nvGrpSpPr>
+        <p:cNvPr id="1" name=""/>
+        <p:cNvGrpSpPr/>
+        <p:nvPr/>
+      </p:nvGrpSpPr>
+      <p:grpSpPr>
+        <a:xfrm>
+          <a:off x="0" y="0"/>
+          <a:ext cx="0" cy="0"/>
+          <a:chOff x="0" y="0"/>
+          <a:chExt cx="0" cy="0"/>
+        </a:xfrm>
+      </p:grpSpPr>
+      <p:sp>
+        <p:nvSpPr>
+          <p:cNvPr id="2" name="Title 1"/>
+          <p:cNvSpPr>
+            <a:spLocks noGrp="1"/>
+          </p:cNvSpPr>
+          <p:nvPr>
+            <p:ph type="title"/>
+          </p:nvPr>
+        </p:nvSpPr>
+        <p:spPr/>
+        <p:txBody>
+          <a:bodyPr>
+            <a:normAutofit fontScale="90000"/>
+          </a:bodyPr>
+          <a:lstStyle/>
+          <a:p>
+            <a:r>
+              <a:rPr lang="en-US" dirty="0"/>
+              <a:t>Calculating </a:t>
+            </a:r>
+            <a:r>
+              <a:rPr lang="en-US" dirty="0" smtClean="0"/>
+              <a:t>Error In the prediction (Loss/Cost </a:t>
+            </a:r>
+            <a:r>
+              <a:rPr lang="en-US" dirty="0"/>
+              <a:t>Functions)</a:t>
+            </a:r>
+            <a:br>
+              <a:rPr lang="en-US" dirty="0"/>
+            </a:br>
+            <a:endParaRPr lang="en-US" dirty="0"/>
+          </a:p>
+        </p:txBody>
+      </p:sp>
+      <mc:AlternateContent xmlns:mc="http://schemas.openxmlformats.org/markup-compatibility/2006">
+        <mc:Choice xmlns:a14="http://schemas.microsoft.com/office/drawing/2010/main" Requires="a14">
+          <p:sp>
+            <p:nvSpPr>
+              <p:cNvPr id="3" name="Content Placeholder 2"/>
+              <p:cNvSpPr>
+                <a:spLocks noGrp="1"/>
+              </p:cNvSpPr>
+              <p:nvPr>
+                <p:ph idx="1"/>
+              </p:nvPr>
+            </p:nvSpPr>
+            <p:spPr/>
+            <p:txBody>
+              <a:bodyPr/>
+              <a:lstStyle/>
+              <a:p>
+                <a:r>
+                  <a:rPr lang="en-US" dirty="0" smtClean="0"/>
+                  <a:t>Common Loss Functions: MSE (for regression), Logistic Loss and  Cross Entropy Loss (for classification)</a:t>
+                </a:r>
+              </a:p>
+              <a:p>
+                <a:r>
+                  <a:rPr lang="en-US" dirty="0" smtClean="0"/>
+                  <a:t>Gets applied to the output layer</a:t>
+                </a:r>
+              </a:p>
+              <a:p>
+                <a:r>
+                  <a:rPr lang="en-US" dirty="0" smtClean="0"/>
+                  <a:t>The way for your model to access its accuracy, AKA how far off it was.</a:t>
+                </a:r>
+              </a:p>
+              <a:p>
+                <a:r>
+                  <a:rPr lang="en-US" dirty="0" smtClean="0"/>
+                  <a:t>Simplest lost is just </a:t>
+                </a:r>
+                <a14:m>
+                  <m:oMath xmlns:m="http://schemas.openxmlformats.org/officeDocument/2006/math">
+                    <m:r>
+                      <a:rPr lang="en-US" i="1">
+                        <a:latin typeface="Cambria Math" charset="0"/>
+                      </a:rPr>
+                      <m:t>𝑝𝑟𝑒𝑑𝑖𝑐𝑡𝑒𝑑</m:t>
+                    </m:r>
+                    <m:r>
+                      <a:rPr lang="en-US" b="0" i="1" smtClean="0">
+                        <a:latin typeface="Cambria Math" charset="0"/>
+                      </a:rPr>
+                      <m:t>−</m:t>
+                    </m:r>
+                    <m:r>
+                      <a:rPr lang="en-US" b="0" i="1" smtClean="0">
+                        <a:latin typeface="Cambria Math" charset="0"/>
+                      </a:rPr>
+                      <m:t>𝑒𝑥𝑝𝑒𝑐𝑡𝑒𝑑</m:t>
+                    </m:r>
+                    <m:r>
+                      <a:rPr lang="en-US" b="0" i="1" smtClean="0">
+                        <a:latin typeface="Cambria Math" charset="0"/>
+                      </a:rPr>
+                      <m:t> </m:t>
+                    </m:r>
+                  </m:oMath>
+                </a14:m>
+                <a:r>
+                  <a:rPr lang="en-US" dirty="0" smtClean="0"/>
+                  <a:t>(why not use this?)</a:t>
+                </a:r>
+              </a:p>
+              <a:p>
+                <a:endParaRPr lang="en-US" dirty="0" smtClean="0"/>
+              </a:p>
+              <a:p>
+                <a:r>
+                  <a:rPr lang="en-US" dirty="0" smtClean="0"/>
+                  <a:t>Why mean? Because individual data has error associated to it and trying to adjust for each data point would cause too much moving in different directions rather than converging </a:t>
+                </a:r>
+              </a:p>
+              <a:p>
+                <a:r>
+                  <a:rPr lang="en-US" dirty="0" smtClean="0"/>
+                  <a:t>Finding the perfect weights: remember </a:t>
+                </a:r>
+                <a:r>
+                  <a:rPr lang="en-US" dirty="0"/>
+                  <a:t>trying to play around with the weights in chapter </a:t>
+                </a:r>
+                <a:r>
+                  <a:rPr lang="en-US" dirty="0" smtClean="0"/>
+                  <a:t>1?</a:t>
+                </a:r>
+                <a:endParaRPr lang="en-US" dirty="0"/>
+              </a:p>
+            </p:txBody>
+          </p:sp>
+        </mc:Choice>
+        <mc:Fallback>
+          <p:sp>
+            <p:nvSpPr>
+              <p:cNvPr id="3" name="Content Placeholder 2"/>
+              <p:cNvSpPr>
+                <a:spLocks noGrp="1" noRot="1" noChangeAspect="1" noMove="1" noResize="1" noEditPoints="1" noAdjustHandles="1" noChangeArrowheads="1" noChangeShapeType="1" noTextEdit="1"/>
+              </p:cNvSpPr>
+              <p:nvPr>
+                <p:ph idx="1"/>
+              </p:nvPr>
+            </p:nvSpPr>
+            <p:spPr>
+              <a:blipFill rotWithShape="0">
+                <a:blip r:embed="rId2"/>
+                <a:stretch>
+                  <a:fillRect l="-421"/>
+                </a:stretch>
+              </a:blipFill>
+            </p:spPr>
+            <p:txBody>
+              <a:bodyPr/>
+              <a:lstStyle/>
+              <a:p>
+                <a:r>
+                  <a:rPr lang="en-US">
+                    <a:noFill/>
+                  </a:rPr>
+                  <a:t> </a:t>
+                </a:r>
+              </a:p>
+            </p:txBody>
+          </p:sp>
+        </mc:Fallback>
+      </mc:AlternateContent>
+      <p:sp>
+        <p:nvSpPr>
+          <p:cNvPr id="5" name="Rectangle 4"/>
+          <p:cNvSpPr/>
+          <p:nvPr/>
+        </p:nvSpPr>
+        <p:spPr>
+          <a:xfrm>
+            <a:off x="7967855" y="3308815"/>
+            <a:ext cx="2564781" cy="1089618"/>
+          </a:xfrm>
+          <a:prstGeom prst="rect">
+            <a:avLst/>
+          </a:prstGeom>
+        </p:spPr>
+        <p:style>
+          <a:lnRef idx="2">
+            <a:schemeClr val="accent6"/>
+          </a:lnRef>
+          <a:fillRef idx="1">
+            <a:schemeClr val="lt1"/>
+          </a:fillRef>
+          <a:effectRef idx="0">
+            <a:schemeClr val="accent6"/>
+          </a:effectRef>
+          <a:fontRef idx="minor">
+            <a:schemeClr val="dk1"/>
+          </a:fontRef>
+        </p:style>
+        <p:txBody>
+          <a:bodyPr rtlCol="0" anchor="ctr"/>
+          <a:lstStyle/>
+          <a:p>
+            <a:pPr algn="ctr"/>
+            <a:endParaRPr lang="en-US"/>
+          </a:p>
+        </p:txBody>
+      </p:sp>
+      <p:pic>
+        <p:nvPicPr>
+          <p:cNvPr id="4" name="Picture 3"/>
+          <p:cNvPicPr>
+            <a:picLocks noChangeAspect="1"/>
+          </p:cNvPicPr>
+          <p:nvPr/>
+        </p:nvPicPr>
+        <p:blipFill>
+          <a:blip r:embed="rId3">
+            <a:duotone>
+              <a:prstClr val="black"/>
+              <a:srgbClr val="D9C3A5">
+                <a:tint val="50000"/>
+                <a:satMod val="180000"/>
+              </a:srgbClr>
+            </a:duotone>
+          </a:blip>
+          <a:stretch>
+            <a:fillRect/>
+          </a:stretch>
+        </p:blipFill>
+        <p:spPr>
+          <a:xfrm>
+            <a:off x="8018346" y="3498024"/>
+            <a:ext cx="2463800" cy="711200"/>
+          </a:xfrm>
+          <a:prstGeom prst="rect">
+            <a:avLst/>
+          </a:prstGeom>
+          <a:ln>
+            <a:solidFill>
+              <a:schemeClr val="tx1"/>
+            </a:solidFill>
+          </a:ln>
+        </p:spPr>
+      </p:pic>
+    </p:spTree>
+    <p:extLst>
+      <p:ext uri="{BB962C8B-B14F-4D97-AF65-F5344CB8AC3E}">
+        <p14:creationId xmlns:p14="http://schemas.microsoft.com/office/powerpoint/2010/main" val="1332537214"/>
+      </p:ext>
+    </p:extLst>
+  </p:cSld>
+  <p:clrMapOvr>
+    <a:masterClrMapping/>
+  </p:clrMapOvr>
+  <p:timing>
+    <p:tnLst>
+      <p:par>
+        <p:cTn id="1" dur="indefinite" restart="never" nodeType="tmRoot"/>
+      </p:par>
+    </p:tnLst>
+  </p:timing>
+</p:sld>
+</file>
+
+<file path=ppt/slides/slide14.xml><?xml version="1.0" encoding="utf-8"?>
+<p:sld xmlns:a="http://schemas.openxmlformats.org/drawingml/2006/main" xmlns:r="http://schemas.openxmlformats.org/officeDocument/2006/relationships" xmlns:p="http://schemas.openxmlformats.org/presentationml/2006/main">
+  <p:cSld>
+    <p:bg>
+      <p:bgPr>
+        <a:blipFill>
+          <a:blip r:embed="rId2"/>
+          <a:stretch/>
+        </a:blipFill>
+        <a:effectLst/>
+      </p:bgPr>
+    </p:bg>
+    <p:spTree>
+      <p:nvGrpSpPr>
+        <p:cNvPr id="1" name=""/>
+        <p:cNvGrpSpPr/>
+        <p:nvPr/>
+      </p:nvGrpSpPr>
+      <p:grpSpPr>
+        <a:xfrm>
+          <a:off x="0" y="0"/>
+          <a:ext cx="0" cy="0"/>
+          <a:chOff x="0" y="0"/>
+          <a:chExt cx="0" cy="0"/>
+        </a:xfrm>
+      </p:grpSpPr>
+      <p:pic>
+        <p:nvPicPr>
+          <p:cNvPr id="4" name="Picture 3"/>
+          <p:cNvPicPr>
+            <a:picLocks noChangeAspect="1"/>
+          </p:cNvPicPr>
+          <p:nvPr/>
+        </p:nvPicPr>
+        <p:blipFill>
+          <a:blip r:embed="rId3"/>
+          <a:stretch>
+            <a:fillRect/>
+          </a:stretch>
+        </p:blipFill>
+        <p:spPr>
+          <a:xfrm>
+            <a:off x="5289752" y="1732552"/>
+            <a:ext cx="6095593" cy="3230664"/>
+          </a:xfrm>
+          <a:prstGeom prst="roundRect">
+            <a:avLst>
+              <a:gd name="adj" fmla="val 4380"/>
+            </a:avLst>
+          </a:prstGeom>
+          <a:ln w="50800" cap="sq" cmpd="dbl">
+            <a:gradFill flip="none" rotWithShape="1">
+              <a:gsLst>
+                <a:gs pos="0">
+                  <a:srgbClr val="FFFFFF"/>
+                </a:gs>
+                <a:gs pos="100000">
+                  <a:schemeClr val="tx1">
+                    <a:alpha val="0"/>
+                  </a:schemeClr>
+                </a:gs>
+              </a:gsLst>
+              <a:path path="circle">
+                <a:fillToRect l="50000" t="50000" r="50000" b="50000"/>
+              </a:path>
+              <a:tileRect/>
+            </a:gradFill>
+            <a:miter lim="800000"/>
+          </a:ln>
+          <a:effectLst>
+            <a:outerShdw blurRad="254000" algn="tl" rotWithShape="0">
+              <a:srgbClr val="000000">
+                <a:alpha val="43000"/>
+              </a:srgbClr>
+            </a:outerShdw>
+          </a:effectLst>
+        </p:spPr>
+      </p:pic>
+      <p:sp>
+        <p:nvSpPr>
+          <p:cNvPr id="2" name="Title 1"/>
+          <p:cNvSpPr>
+            <a:spLocks noGrp="1"/>
+          </p:cNvSpPr>
+          <p:nvPr>
+            <p:ph type="title"/>
+          </p:nvPr>
+        </p:nvSpPr>
+        <p:spPr>
+          <a:xfrm>
+            <a:off x="825909" y="808055"/>
+            <a:ext cx="3979205" cy="1453363"/>
+          </a:xfrm>
+        </p:spPr>
+        <p:txBody>
+          <a:bodyPr>
+            <a:normAutofit/>
+          </a:bodyPr>
+          <a:lstStyle/>
+          <a:p>
+            <a:r>
+              <a:rPr lang="en-US" dirty="0"/>
+              <a:t>Gradient Descent</a:t>
+            </a:r>
+          </a:p>
+        </p:txBody>
+      </p:sp>
+      <mc:AlternateContent xmlns:mc="http://schemas.openxmlformats.org/markup-compatibility/2006">
+        <mc:Choice xmlns:a14="http://schemas.microsoft.com/office/drawing/2010/main" Requires="a14">
+          <p:sp>
+            <p:nvSpPr>
+              <p:cNvPr id="3" name="Content Placeholder 2"/>
+              <p:cNvSpPr>
+                <a:spLocks noGrp="1"/>
+              </p:cNvSpPr>
+              <p:nvPr>
+                <p:ph idx="1"/>
+              </p:nvPr>
+            </p:nvSpPr>
+            <p:spPr>
+              <a:xfrm>
+                <a:off x="802178" y="2261420"/>
+                <a:ext cx="4002936" cy="3637935"/>
+              </a:xfrm>
+            </p:spPr>
+            <p:txBody>
+              <a:bodyPr>
+                <a:normAutofit/>
+              </a:bodyPr>
+              <a:lstStyle/>
+              <a:p>
+                <a:r>
+                  <a:rPr lang="en-US" dirty="0" smtClean="0"/>
+                  <a:t>Gradient: A collection of slopes</a:t>
+                </a:r>
+              </a:p>
+              <a:p>
+                <a:r>
+                  <a:rPr lang="en-US" dirty="0"/>
+                  <a:t>Decent: Moving down a slope</a:t>
+                </a:r>
+              </a:p>
+              <a:p>
+                <a:r>
+                  <a:rPr lang="en-US" dirty="0"/>
+                  <a:t>Gradient Decent: Moving down </a:t>
+                </a:r>
+                <a:r>
+                  <a:rPr lang="en-US" dirty="0" smtClean="0"/>
+                  <a:t>a </a:t>
+                </a:r>
+                <a:r>
+                  <a:rPr lang="en-US" dirty="0"/>
+                  <a:t>collection of </a:t>
+                </a:r>
+                <a:r>
+                  <a:rPr lang="en-US" dirty="0" smtClean="0"/>
+                  <a:t>slopes (to minimize error)</a:t>
+                </a:r>
+              </a:p>
+              <a:p>
+                <a:r>
+                  <a:rPr lang="en-US" dirty="0" smtClean="0">
+                    <a:ea typeface="Cambria Math" charset="0"/>
+                    <a:cs typeface="Cambria Math" charset="0"/>
+                  </a:rPr>
+                  <a:t>Let</a:t>
+                </a:r>
+                <a14:m>
+                  <m:oMath xmlns:m="http://schemas.openxmlformats.org/officeDocument/2006/math">
+                    <m:r>
+                      <a:rPr lang="en-US" b="0" i="0" smtClean="0">
+                        <a:latin typeface="Cambria Math" charset="0"/>
+                        <a:ea typeface="Cambria Math" charset="0"/>
+                        <a:cs typeface="Cambria Math" charset="0"/>
+                      </a:rPr>
+                      <m:t> </m:t>
+                    </m:r>
+                    <m:sSub>
+                      <m:sSubPr>
+                        <m:ctrlPr>
+                          <a:rPr lang="en-US" i="1">
+                            <a:latin typeface="Cambria Math" charset="0"/>
+                            <a:ea typeface="Cambria Math" charset="0"/>
+                            <a:cs typeface="Cambria Math" charset="0"/>
+                          </a:rPr>
+                        </m:ctrlPr>
+                      </m:sSubPr>
+                      <m:e>
+                        <m:r>
+                          <a:rPr lang="en-US" i="1">
+                            <a:latin typeface="Cambria Math" charset="0"/>
+                            <a:ea typeface="Cambria Math" charset="0"/>
+                            <a:cs typeface="Cambria Math" charset="0"/>
+                          </a:rPr>
+                          <m:t>𝜃</m:t>
+                        </m:r>
+                      </m:e>
+                      <m:sub>
+                        <m:r>
+                          <a:rPr lang="en-US" i="1">
+                            <a:latin typeface="Cambria Math" charset="0"/>
+                            <a:ea typeface="Cambria Math" charset="0"/>
+                            <a:cs typeface="Cambria Math" charset="0"/>
+                          </a:rPr>
+                          <m:t>𝑖</m:t>
+                        </m:r>
+                      </m:sub>
+                    </m:sSub>
+                  </m:oMath>
+                </a14:m>
+                <a:r>
+                  <a:rPr lang="en-US" dirty="0" smtClean="0"/>
+                  <a:t> be a weight</a:t>
+                </a:r>
+                <a:endParaRPr lang="en-US" dirty="0"/>
+              </a:p>
+              <a:p>
+                <a14:m>
+                  <m:oMath xmlns:m="http://schemas.openxmlformats.org/officeDocument/2006/math">
+                    <m:sSub>
+                      <m:sSubPr>
+                        <m:ctrlPr>
+                          <a:rPr lang="en-US" i="1">
+                            <a:latin typeface="Cambria Math" charset="0"/>
+                            <a:ea typeface="Cambria Math" charset="0"/>
+                            <a:cs typeface="Cambria Math" charset="0"/>
+                          </a:rPr>
+                        </m:ctrlPr>
+                      </m:sSubPr>
+                      <m:e>
+                        <m:r>
+                          <a:rPr lang="en-US" i="1">
+                            <a:latin typeface="Cambria Math" charset="0"/>
+                            <a:ea typeface="Cambria Math" charset="0"/>
+                            <a:cs typeface="Cambria Math" charset="0"/>
+                          </a:rPr>
+                          <m:t>𝜃</m:t>
+                        </m:r>
+                      </m:e>
+                      <m:sub>
+                        <m:r>
+                          <a:rPr lang="en-US" b="0" i="1" smtClean="0">
+                            <a:latin typeface="Cambria Math" charset="0"/>
+                            <a:ea typeface="Cambria Math" charset="0"/>
+                            <a:cs typeface="Cambria Math" charset="0"/>
+                          </a:rPr>
+                          <m:t>𝑖</m:t>
+                        </m:r>
+                      </m:sub>
+                    </m:sSub>
+                    <m:r>
+                      <a:rPr lang="en-US" i="1">
+                        <a:latin typeface="Cambria Math" charset="0"/>
+                        <a:ea typeface="Cambria Math" charset="0"/>
+                        <a:cs typeface="Cambria Math" charset="0"/>
+                      </a:rPr>
+                      <m:t>←</m:t>
+                    </m:r>
+                    <m:sSub>
+                      <m:sSubPr>
+                        <m:ctrlPr>
+                          <a:rPr lang="en-US" i="1" smtClean="0">
+                            <a:latin typeface="Cambria Math" charset="0"/>
+                            <a:ea typeface="Cambria Math" charset="0"/>
+                            <a:cs typeface="Cambria Math" charset="0"/>
+                          </a:rPr>
+                        </m:ctrlPr>
+                      </m:sSubPr>
+                      <m:e>
+                        <m:r>
+                          <a:rPr lang="en-US" i="1">
+                            <a:latin typeface="Cambria Math" charset="0"/>
+                            <a:ea typeface="Cambria Math" charset="0"/>
+                            <a:cs typeface="Cambria Math" charset="0"/>
+                          </a:rPr>
+                          <m:t>𝜃</m:t>
+                        </m:r>
+                      </m:e>
+                      <m:sub>
+                        <m:r>
+                          <a:rPr lang="en-US" b="0" i="1" smtClean="0">
+                            <a:latin typeface="Cambria Math" charset="0"/>
+                            <a:ea typeface="Cambria Math" charset="0"/>
+                            <a:cs typeface="Cambria Math" charset="0"/>
+                          </a:rPr>
+                          <m:t>𝑖</m:t>
+                        </m:r>
+                      </m:sub>
+                    </m:sSub>
+                    <m:r>
+                      <a:rPr lang="en-US" i="1">
+                        <a:latin typeface="Cambria Math" charset="0"/>
+                        <a:ea typeface="Cambria Math" charset="0"/>
+                        <a:cs typeface="Cambria Math" charset="0"/>
+                      </a:rPr>
+                      <m:t>−</m:t>
+                    </m:r>
+                    <m:sSub>
+                      <m:sSubPr>
+                        <m:ctrlPr>
+                          <a:rPr lang="en-US" i="1">
+                            <a:latin typeface="Cambria Math" charset="0"/>
+                          </a:rPr>
+                        </m:ctrlPr>
+                      </m:sSubPr>
+                      <m:e>
+                        <m:r>
+                          <a:rPr lang="en-US" i="1">
+                            <a:latin typeface="Cambria Math" charset="0"/>
+                          </a:rPr>
+                          <m:t>𝑔𝑟𝑎𝑑𝑖𝑒𝑛𝑡</m:t>
+                        </m:r>
+                      </m:e>
+                      <m:sub>
+                        <m:r>
+                          <a:rPr lang="en-US" i="1">
+                            <a:latin typeface="Cambria Math" charset="0"/>
+                          </a:rPr>
+                          <m:t>𝑖</m:t>
+                        </m:r>
+                      </m:sub>
+                    </m:sSub>
+                  </m:oMath>
+                </a14:m>
+                <a:endParaRPr lang="en-US" dirty="0"/>
+              </a:p>
+            </p:txBody>
+          </p:sp>
+        </mc:Choice>
+        <mc:Fallback>
+          <p:sp>
+            <p:nvSpPr>
+              <p:cNvPr id="3" name="Content Placeholder 2"/>
+              <p:cNvSpPr>
+                <a:spLocks noGrp="1" noRot="1" noChangeAspect="1" noMove="1" noResize="1" noEditPoints="1" noAdjustHandles="1" noChangeArrowheads="1" noChangeShapeType="1" noTextEdit="1"/>
+              </p:cNvSpPr>
+              <p:nvPr>
+                <p:ph idx="1"/>
+              </p:nvPr>
+            </p:nvSpPr>
+            <p:spPr>
+              <a:xfrm>
+                <a:off x="802178" y="2261420"/>
+                <a:ext cx="4002936" cy="3637935"/>
+              </a:xfrm>
+              <a:blipFill rotWithShape="0">
+                <a:blip r:embed="rId4"/>
+                <a:stretch>
+                  <a:fillRect l="-1067"/>
+                </a:stretch>
+              </a:blipFill>
+            </p:spPr>
+            <p:txBody>
+              <a:bodyPr/>
+              <a:lstStyle/>
+              <a:p>
+                <a:r>
+                  <a:rPr lang="en-US">
+                    <a:noFill/>
+                  </a:rPr>
+                  <a:t> </a:t>
+                </a:r>
+              </a:p>
+            </p:txBody>
+          </p:sp>
+        </mc:Fallback>
+      </mc:AlternateContent>
+    </p:spTree>
+    <p:extLst>
+      <p:ext uri="{BB962C8B-B14F-4D97-AF65-F5344CB8AC3E}">
+        <p14:creationId xmlns:p14="http://schemas.microsoft.com/office/powerpoint/2010/main" val="1135455211"/>
+      </p:ext>
+    </p:extLst>
+  </p:cSld>
+  <p:clrMapOvr>
+    <a:masterClrMapping/>
+  </p:clrMapOvr>
+  <p:timing>
+    <p:tnLst>
+      <p:par>
+        <p:cTn id="1" dur="indefinite" restart="never" nodeType="tmRoot"/>
+      </p:par>
+    </p:tnLst>
+  </p:timing>
+</p:sld>
+</file>
+
+<file path=ppt/slides/slide15.xml><?xml version="1.0" encoding="utf-8"?>
+<p:sld xmlns:a="http://schemas.openxmlformats.org/drawingml/2006/main" xmlns:r="http://schemas.openxmlformats.org/officeDocument/2006/relationships" xmlns:p="http://schemas.openxmlformats.org/presentationml/2006/main">
+  <p:cSld>
+    <p:spTree>
+      <p:nvGrpSpPr>
+        <p:cNvPr id="1" name=""/>
+        <p:cNvGrpSpPr/>
+        <p:nvPr/>
+      </p:nvGrpSpPr>
+      <p:grpSpPr>
+        <a:xfrm>
+          <a:off x="0" y="0"/>
+          <a:ext cx="0" cy="0"/>
+          <a:chOff x="0" y="0"/>
+          <a:chExt cx="0" cy="0"/>
+        </a:xfrm>
+      </p:grpSpPr>
+      <p:sp>
+        <p:nvSpPr>
+          <p:cNvPr id="2" name="Title 1"/>
+          <p:cNvSpPr>
+            <a:spLocks noGrp="1"/>
+          </p:cNvSpPr>
+          <p:nvPr>
+            <p:ph type="title"/>
+          </p:nvPr>
+        </p:nvSpPr>
+        <p:spPr/>
+        <p:txBody>
+          <a:bodyPr/>
+          <a:lstStyle/>
+          <a:p>
+            <a:r>
+              <a:rPr lang="en-US" dirty="0"/>
+              <a:t>Calculating </a:t>
+            </a:r>
+            <a:r>
+              <a:rPr lang="en-US" dirty="0" smtClean="0"/>
+              <a:t>Adjustment</a:t>
+            </a:r>
+            <a:endParaRPr lang="en-US" dirty="0"/>
+          </a:p>
+        </p:txBody>
+      </p:sp>
+      <mc:AlternateContent xmlns:mc="http://schemas.openxmlformats.org/markup-compatibility/2006">
+        <mc:Choice xmlns:a14="http://schemas.microsoft.com/office/drawing/2010/main" Requires="a14">
+          <p:sp>
+            <p:nvSpPr>
+              <p:cNvPr id="3" name="Content Placeholder 2"/>
+              <p:cNvSpPr>
+                <a:spLocks noGrp="1"/>
+              </p:cNvSpPr>
+              <p:nvPr>
+                <p:ph idx="1"/>
+              </p:nvPr>
+            </p:nvSpPr>
+            <p:spPr/>
+            <p:txBody>
+              <a:bodyPr/>
+              <a:lstStyle/>
+              <a:p>
+                <a14:m>
+                  <m:oMath xmlns:m="http://schemas.openxmlformats.org/officeDocument/2006/math">
+                    <m:sSub>
+                      <m:sSubPr>
+                        <m:ctrlPr>
+                          <a:rPr lang="en-US" i="1" smtClean="0">
+                            <a:latin typeface="Cambria Math" charset="0"/>
+                            <a:ea typeface="Cambria Math" charset="0"/>
+                            <a:cs typeface="Cambria Math" charset="0"/>
+                          </a:rPr>
+                        </m:ctrlPr>
+                      </m:sSubPr>
+                      <m:e>
+                        <m:r>
+                          <a:rPr lang="en-US" i="1">
+                            <a:latin typeface="Cambria Math" charset="0"/>
+                            <a:ea typeface="Cambria Math" charset="0"/>
+                            <a:cs typeface="Cambria Math" charset="0"/>
+                          </a:rPr>
+                          <m:t>𝜃</m:t>
+                        </m:r>
+                      </m:e>
+                      <m:sub>
+                        <m:r>
+                          <a:rPr lang="en-US" i="1">
+                            <a:latin typeface="Cambria Math" charset="0"/>
+                            <a:ea typeface="Cambria Math" charset="0"/>
+                            <a:cs typeface="Cambria Math" charset="0"/>
+                          </a:rPr>
+                          <m:t>𝑖</m:t>
+                        </m:r>
+                      </m:sub>
+                    </m:sSub>
+                    <m:r>
+                      <a:rPr lang="en-US" b="0" i="1" smtClean="0">
+                        <a:latin typeface="Cambria Math" charset="0"/>
+                        <a:ea typeface="Cambria Math" charset="0"/>
+                        <a:cs typeface="Cambria Math" charset="0"/>
+                      </a:rPr>
+                      <m:t>: </m:t>
+                    </m:r>
+                    <m:sSub>
+                      <m:sSubPr>
+                        <m:ctrlPr>
+                          <a:rPr lang="en-US" b="0" i="1" smtClean="0">
+                            <a:latin typeface="Cambria Math" charset="0"/>
+                            <a:ea typeface="Cambria Math" charset="0"/>
+                            <a:cs typeface="Cambria Math" charset="0"/>
+                          </a:rPr>
+                        </m:ctrlPr>
+                      </m:sSubPr>
+                      <m:e>
+                        <m:r>
+                          <m:rPr>
+                            <m:nor/>
+                          </m:rPr>
+                          <a:rPr lang="en-US" i="1">
+                            <a:latin typeface="Cambria Math" charset="0"/>
+                            <a:ea typeface="Cambria Math" charset="0"/>
+                            <a:cs typeface="Cambria Math" charset="0"/>
+                          </a:rPr>
+                          <m:t>weight</m:t>
+                        </m:r>
+                      </m:e>
+                      <m:sub>
+                        <m:r>
+                          <a:rPr lang="en-US" b="0" i="1" smtClean="0">
+                            <a:latin typeface="Cambria Math" charset="0"/>
+                            <a:ea typeface="Cambria Math" charset="0"/>
+                            <a:cs typeface="Cambria Math" charset="0"/>
+                          </a:rPr>
+                          <m:t>𝑖</m:t>
+                        </m:r>
+                      </m:sub>
+                    </m:sSub>
+                  </m:oMath>
+                </a14:m>
+                <a:endParaRPr lang="en-US" i="1" dirty="0" smtClean="0">
+                  <a:latin typeface="Cambria Math" charset="0"/>
+                  <a:ea typeface="Cambria Math" charset="0"/>
+                  <a:cs typeface="Cambria Math" charset="0"/>
+                </a:endParaRPr>
+              </a:p>
+              <a:p>
+                <a14:m>
+                  <m:oMath xmlns:m="http://schemas.openxmlformats.org/officeDocument/2006/math">
+                    <m:sSub>
+                      <m:sSubPr>
+                        <m:ctrlPr>
+                          <a:rPr lang="en-US" i="1">
+                            <a:latin typeface="Cambria Math" charset="0"/>
+                          </a:rPr>
+                        </m:ctrlPr>
+                      </m:sSubPr>
+                      <m:e>
+                        <m:r>
+                          <a:rPr lang="en-US" i="1">
+                            <a:latin typeface="Cambria Math" charset="0"/>
+                          </a:rPr>
+                          <m:t>𝑔𝑟𝑎𝑑𝑖𝑒𝑛𝑡</m:t>
+                        </m:r>
+                      </m:e>
+                      <m:sub>
+                        <m:r>
+                          <a:rPr lang="en-US" i="1">
+                            <a:latin typeface="Cambria Math" charset="0"/>
+                          </a:rPr>
+                          <m:t>𝑖</m:t>
+                        </m:r>
+                      </m:sub>
+                    </m:sSub>
+                    <m:r>
+                      <a:rPr lang="en-US" i="1">
+                        <a:latin typeface="Cambria Math" charset="0"/>
+                      </a:rPr>
+                      <m:t>=</m:t>
+                    </m:r>
+                    <m:d>
+                      <m:dPr>
+                        <m:ctrlPr>
+                          <a:rPr lang="en-US" i="1" smtClean="0">
+                            <a:latin typeface="Cambria Math" charset="0"/>
+                            <a:ea typeface="Cambria Math" charset="0"/>
+                            <a:cs typeface="Cambria Math" charset="0"/>
+                          </a:rPr>
+                        </m:ctrlPr>
+                      </m:dPr>
+                      <m:e>
+                        <m:r>
+                          <a:rPr lang="en-US" i="1">
+                            <a:latin typeface="Cambria Math" charset="0"/>
+                            <a:ea typeface="Cambria Math" charset="0"/>
+                            <a:cs typeface="Cambria Math" charset="0"/>
+                          </a:rPr>
+                          <m:t>𝑖𝑛𝑝𝑢𝑡</m:t>
+                        </m:r>
+                        <m:r>
+                          <a:rPr lang="en-US" i="1">
+                            <a:latin typeface="Cambria Math" charset="0"/>
+                            <a:ea typeface="Cambria Math" charset="0"/>
+                            <a:cs typeface="Cambria Math" charset="0"/>
+                          </a:rPr>
+                          <m:t> </m:t>
+                        </m:r>
+                        <m:r>
+                          <a:rPr lang="en-US" i="1">
+                            <a:latin typeface="Cambria Math" charset="0"/>
+                            <a:ea typeface="Cambria Math" charset="0"/>
+                            <a:cs typeface="Cambria Math" charset="0"/>
+                          </a:rPr>
+                          <m:t>𝑣𝑎𝑙𝑢𝑒</m:t>
+                        </m:r>
+                        <m:r>
+                          <m:rPr>
+                            <m:nor/>
+                          </m:rPr>
+                          <a:rPr lang="en-US">
+                            <a:latin typeface="Cambria Math" charset="0"/>
+                            <a:ea typeface="Cambria Math" charset="0"/>
+                            <a:cs typeface="Cambria Math" charset="0"/>
+                          </a:rPr>
+                          <m:t> </m:t>
+                        </m:r>
+                        <m:r>
+                          <a:rPr lang="en-US" i="1">
+                            <a:latin typeface="Cambria Math" charset="0"/>
+                            <a:ea typeface="Cambria Math" charset="0"/>
+                            <a:cs typeface="Cambria Math" charset="0"/>
+                          </a:rPr>
+                          <m:t>×</m:t>
+                        </m:r>
+                        <m:r>
+                          <a:rPr lang="en-US" i="1">
+                            <a:latin typeface="Cambria Math" charset="0"/>
+                            <a:ea typeface="Cambria Math" charset="0"/>
+                            <a:cs typeface="Cambria Math" charset="0"/>
+                          </a:rPr>
+                          <m:t>𝑑𝑒𝑟𝑖𝑣𝑎𝑡𝑖𝑣𝑒</m:t>
+                        </m:r>
+                        <m:r>
+                          <a:rPr lang="en-US" i="1">
+                            <a:latin typeface="Cambria Math" charset="0"/>
+                            <a:ea typeface="Cambria Math" charset="0"/>
+                            <a:cs typeface="Cambria Math" charset="0"/>
+                          </a:rPr>
+                          <m:t> </m:t>
+                        </m:r>
+                        <m:r>
+                          <a:rPr lang="en-US" i="1">
+                            <a:latin typeface="Cambria Math" charset="0"/>
+                            <a:ea typeface="Cambria Math" charset="0"/>
+                            <a:cs typeface="Cambria Math" charset="0"/>
+                          </a:rPr>
+                          <m:t>𝑜𝑓</m:t>
+                        </m:r>
+                        <m:r>
+                          <a:rPr lang="en-US" i="1">
+                            <a:latin typeface="Cambria Math" charset="0"/>
+                            <a:ea typeface="Cambria Math" charset="0"/>
+                            <a:cs typeface="Cambria Math" charset="0"/>
+                          </a:rPr>
+                          <m:t> </m:t>
+                        </m:r>
+                        <m:r>
+                          <a:rPr lang="en-US" i="1">
+                            <a:latin typeface="Cambria Math" charset="0"/>
+                            <a:ea typeface="Cambria Math" charset="0"/>
+                            <a:cs typeface="Cambria Math" charset="0"/>
+                          </a:rPr>
+                          <m:t>𝑙𝑜𝑠𝑠</m:t>
+                        </m:r>
+                        <m:r>
+                          <a:rPr lang="en-US" i="1">
+                            <a:latin typeface="Cambria Math" charset="0"/>
+                            <a:ea typeface="Cambria Math" charset="0"/>
+                            <a:cs typeface="Cambria Math" charset="0"/>
+                          </a:rPr>
+                          <m:t> </m:t>
+                        </m:r>
+                        <m:r>
+                          <a:rPr lang="en-US" i="1">
+                            <a:latin typeface="Cambria Math" charset="0"/>
+                            <a:ea typeface="Cambria Math" charset="0"/>
+                            <a:cs typeface="Cambria Math" charset="0"/>
+                          </a:rPr>
+                          <m:t>𝑓𝑢𝑛𝑐𝑡𝑖𝑜𝑛</m:t>
+                        </m:r>
+                        <m:f>
+                          <m:fPr>
+                            <m:ctrlPr>
+                              <a:rPr lang="mr-IN" i="1">
+                                <a:latin typeface="Cambria Math" charset="0"/>
+                                <a:ea typeface="Cambria Math" charset="0"/>
+                                <a:cs typeface="Cambria Math" charset="0"/>
+                              </a:rPr>
+                            </m:ctrlPr>
+                          </m:fPr>
+                          <m:num>
+                            <m:r>
+                              <a:rPr lang="en-US" i="1">
+                                <a:latin typeface="Cambria Math" charset="0"/>
+                                <a:ea typeface="Cambria Math" charset="0"/>
+                                <a:cs typeface="Cambria Math" charset="0"/>
+                              </a:rPr>
+                              <m:t>𝜕</m:t>
+                            </m:r>
+                            <m:r>
+                              <a:rPr lang="en-US" i="1">
+                                <a:latin typeface="Cambria Math" charset="0"/>
+                                <a:ea typeface="Cambria Math" charset="0"/>
+                                <a:cs typeface="Cambria Math" charset="0"/>
+                              </a:rPr>
+                              <m:t>𝐽</m:t>
+                            </m:r>
+                          </m:num>
+                          <m:den>
+                            <m:r>
+                              <a:rPr lang="en-US" i="1">
+                                <a:latin typeface="Cambria Math" charset="0"/>
+                                <a:ea typeface="Cambria Math" charset="0"/>
+                                <a:cs typeface="Cambria Math" charset="0"/>
+                              </a:rPr>
+                              <m:t>𝜕</m:t>
+                            </m:r>
+                            <m:sSub>
+                              <m:sSubPr>
+                                <m:ctrlPr>
+                                  <a:rPr lang="en-US" i="1">
+                                    <a:latin typeface="Cambria Math" charset="0"/>
+                                    <a:ea typeface="Cambria Math" charset="0"/>
+                                    <a:cs typeface="Cambria Math" charset="0"/>
+                                  </a:rPr>
+                                </m:ctrlPr>
+                              </m:sSubPr>
+                              <m:e>
+                                <m:r>
+                                  <a:rPr lang="en-US" i="1">
+                                    <a:latin typeface="Cambria Math" charset="0"/>
+                                    <a:ea typeface="Cambria Math" charset="0"/>
+                                    <a:cs typeface="Cambria Math" charset="0"/>
+                                  </a:rPr>
+                                  <m:t>𝜃</m:t>
+                                </m:r>
+                              </m:e>
+                              <m:sub>
+                                <m:r>
+                                  <a:rPr lang="en-US" i="1">
+                                    <a:latin typeface="Cambria Math" charset="0"/>
+                                    <a:ea typeface="Cambria Math" charset="0"/>
+                                    <a:cs typeface="Cambria Math" charset="0"/>
+                                  </a:rPr>
+                                  <m:t>𝑖</m:t>
+                                </m:r>
+                              </m:sub>
+                            </m:sSub>
+                          </m:den>
+                        </m:f>
+                        <m:r>
+                          <a:rPr lang="en-US" i="1">
+                            <a:latin typeface="Cambria Math" charset="0"/>
+                            <a:ea typeface="Cambria Math" charset="0"/>
+                            <a:cs typeface="Cambria Math" charset="0"/>
+                          </a:rPr>
+                          <m:t>×</m:t>
+                        </m:r>
+                        <m:r>
+                          <a:rPr lang="en-US" i="1">
+                            <a:latin typeface="Cambria Math" charset="0"/>
+                            <a:ea typeface="Cambria Math" charset="0"/>
+                            <a:cs typeface="Cambria Math" charset="0"/>
+                          </a:rPr>
+                          <m:t> </m:t>
+                        </m:r>
+                        <m:r>
+                          <a:rPr lang="en-US" i="1">
+                            <a:latin typeface="Cambria Math" charset="0"/>
+                            <a:ea typeface="Cambria Math" charset="0"/>
+                            <a:cs typeface="Cambria Math" charset="0"/>
+                          </a:rPr>
+                          <m:t>𝑑𝑒𝑟𝑖𝑣𝑎𝑡𝑖𝑣𝑒</m:t>
+                        </m:r>
+                        <m:r>
+                          <a:rPr lang="en-US" i="1">
+                            <a:latin typeface="Cambria Math" charset="0"/>
+                            <a:ea typeface="Cambria Math" charset="0"/>
+                            <a:cs typeface="Cambria Math" charset="0"/>
+                          </a:rPr>
+                          <m:t> </m:t>
+                        </m:r>
+                        <m:r>
+                          <a:rPr lang="en-US" i="1">
+                            <a:latin typeface="Cambria Math" charset="0"/>
+                            <a:ea typeface="Cambria Math" charset="0"/>
+                            <a:cs typeface="Cambria Math" charset="0"/>
+                          </a:rPr>
+                          <m:t>𝑜𝑓</m:t>
+                        </m:r>
+                        <m:r>
+                          <a:rPr lang="en-US" i="1">
+                            <a:latin typeface="Cambria Math" charset="0"/>
+                            <a:ea typeface="Cambria Math" charset="0"/>
+                            <a:cs typeface="Cambria Math" charset="0"/>
+                          </a:rPr>
+                          <m:t> </m:t>
+                        </m:r>
+                        <m:r>
+                          <a:rPr lang="en-US" i="1">
+                            <a:latin typeface="Cambria Math" charset="0"/>
+                            <a:ea typeface="Cambria Math" charset="0"/>
+                            <a:cs typeface="Cambria Math" charset="0"/>
+                          </a:rPr>
+                          <m:t>𝑎𝑐𝑡𝑖𝑣𝑎𝑡𝑖𝑜𝑛</m:t>
+                        </m:r>
+                        <m:r>
+                          <a:rPr lang="en-US" i="1">
+                            <a:latin typeface="Cambria Math" charset="0"/>
+                            <a:ea typeface="Cambria Math" charset="0"/>
+                            <a:cs typeface="Cambria Math" charset="0"/>
+                          </a:rPr>
+                          <m:t> </m:t>
+                        </m:r>
+                        <m:r>
+                          <a:rPr lang="en-US" i="1">
+                            <a:latin typeface="Cambria Math" charset="0"/>
+                            <a:ea typeface="Cambria Math" charset="0"/>
+                            <a:cs typeface="Cambria Math" charset="0"/>
+                          </a:rPr>
+                          <m:t>𝑓𝑢𝑛𝑐𝑡𝑖𝑜𝑛</m:t>
+                        </m:r>
+                        <m:r>
+                          <a:rPr lang="en-US" b="0" i="1" smtClean="0">
+                            <a:latin typeface="Cambria Math" charset="0"/>
+                            <a:ea typeface="Cambria Math" charset="0"/>
+                            <a:cs typeface="Cambria Math" charset="0"/>
+                          </a:rPr>
+                          <m:t> </m:t>
+                        </m:r>
+                        <m:r>
+                          <a:rPr lang="en-US" b="0" i="1" smtClean="0">
+                            <a:latin typeface="Cambria Math" charset="0"/>
+                            <a:ea typeface="Cambria Math" charset="0"/>
+                            <a:cs typeface="Cambria Math" charset="0"/>
+                          </a:rPr>
+                          <m:t>𝑜𝑓</m:t>
+                        </m:r>
+                        <m:r>
+                          <a:rPr lang="en-US" b="0" i="1" smtClean="0">
+                            <a:latin typeface="Cambria Math" charset="0"/>
+                            <a:ea typeface="Cambria Math" charset="0"/>
+                            <a:cs typeface="Cambria Math" charset="0"/>
+                          </a:rPr>
+                          <m:t> </m:t>
+                        </m:r>
+                        <m:r>
+                          <a:rPr lang="en-US" b="0" i="1" smtClean="0">
+                            <a:latin typeface="Cambria Math" charset="0"/>
+                            <a:ea typeface="Cambria Math" charset="0"/>
+                            <a:cs typeface="Cambria Math" charset="0"/>
+                          </a:rPr>
+                          <m:t>𝑡h𝑒</m:t>
+                        </m:r>
+                        <m:r>
+                          <a:rPr lang="en-US" b="0" i="1" smtClean="0">
+                            <a:latin typeface="Cambria Math" charset="0"/>
+                            <a:ea typeface="Cambria Math" charset="0"/>
+                            <a:cs typeface="Cambria Math" charset="0"/>
+                          </a:rPr>
+                          <m:t> </m:t>
+                        </m:r>
+                        <m:r>
+                          <a:rPr lang="en-US" b="0" i="1" smtClean="0">
+                            <a:latin typeface="Cambria Math" charset="0"/>
+                            <a:ea typeface="Cambria Math" charset="0"/>
+                            <a:cs typeface="Cambria Math" charset="0"/>
+                          </a:rPr>
+                          <m:t>𝑛𝑜𝑑𝑒</m:t>
+                        </m:r>
+                        <m:r>
+                          <a:rPr lang="en-US" b="0" i="1" smtClean="0">
+                            <a:latin typeface="Cambria Math" charset="0"/>
+                            <a:ea typeface="Cambria Math" charset="0"/>
+                            <a:cs typeface="Cambria Math" charset="0"/>
+                          </a:rPr>
+                          <m:t> </m:t>
+                        </m:r>
+                        <m:r>
+                          <a:rPr lang="en-US" b="0" i="1" smtClean="0">
+                            <a:latin typeface="Cambria Math" charset="0"/>
+                            <a:ea typeface="Cambria Math" charset="0"/>
+                            <a:cs typeface="Cambria Math" charset="0"/>
+                          </a:rPr>
+                          <m:t>𝑦𝑜𝑢𝑟</m:t>
+                        </m:r>
+                        <m:r>
+                          <a:rPr lang="en-US" b="0" i="1" smtClean="0">
+                            <a:latin typeface="Cambria Math" charset="0"/>
+                            <a:ea typeface="Cambria Math" charset="0"/>
+                            <a:cs typeface="Cambria Math" charset="0"/>
+                          </a:rPr>
+                          <m:t> </m:t>
+                        </m:r>
+                        <m:r>
+                          <a:rPr lang="en-US" b="0" i="1" smtClean="0">
+                            <a:latin typeface="Cambria Math" charset="0"/>
+                            <a:ea typeface="Cambria Math" charset="0"/>
+                            <a:cs typeface="Cambria Math" charset="0"/>
+                          </a:rPr>
+                          <m:t>𝑓𝑒𝑒𝑑𝑖𝑛𝑔</m:t>
+                        </m:r>
+                        <m:r>
+                          <a:rPr lang="en-US" b="0" i="1" smtClean="0">
+                            <a:latin typeface="Cambria Math" charset="0"/>
+                            <a:ea typeface="Cambria Math" charset="0"/>
+                            <a:cs typeface="Cambria Math" charset="0"/>
+                          </a:rPr>
+                          <m:t> </m:t>
+                        </m:r>
+                        <m:r>
+                          <a:rPr lang="en-US" b="0" i="1" smtClean="0">
+                            <a:latin typeface="Cambria Math" charset="0"/>
+                            <a:ea typeface="Cambria Math" charset="0"/>
+                            <a:cs typeface="Cambria Math" charset="0"/>
+                          </a:rPr>
+                          <m:t>𝑓𝑟𝑜𝑚</m:t>
+                        </m:r>
+                      </m:e>
+                    </m:d>
+                  </m:oMath>
+                </a14:m>
+                <a:endParaRPr lang="en-US" dirty="0" smtClean="0">
+                  <a:ea typeface="Cambria Math" charset="0"/>
+                  <a:cs typeface="Cambria Math" charset="0"/>
+                </a:endParaRPr>
+              </a:p>
+              <a:p>
+                <a14:m>
+                  <m:oMath xmlns:m="http://schemas.openxmlformats.org/officeDocument/2006/math">
+                    <m:sSub>
+                      <m:sSubPr>
+                        <m:ctrlPr>
+                          <a:rPr lang="en-US" i="1">
+                            <a:latin typeface="Cambria Math" charset="0"/>
+                            <a:ea typeface="Cambria Math" charset="0"/>
+                            <a:cs typeface="Cambria Math" charset="0"/>
+                          </a:rPr>
+                        </m:ctrlPr>
+                      </m:sSubPr>
+                      <m:e>
+                        <m:r>
+                          <a:rPr lang="en-US" i="1">
+                            <a:latin typeface="Cambria Math" charset="0"/>
+                            <a:ea typeface="Cambria Math" charset="0"/>
+                            <a:cs typeface="Cambria Math" charset="0"/>
+                          </a:rPr>
+                          <m:t>𝜃</m:t>
+                        </m:r>
+                      </m:e>
+                      <m:sub>
+                        <m:r>
+                          <a:rPr lang="en-US" i="1">
+                            <a:latin typeface="Cambria Math" charset="0"/>
+                            <a:ea typeface="Cambria Math" charset="0"/>
+                            <a:cs typeface="Cambria Math" charset="0"/>
+                          </a:rPr>
+                          <m:t>𝑖</m:t>
+                        </m:r>
+                      </m:sub>
+                    </m:sSub>
+                    <m:r>
+                      <a:rPr lang="en-US" i="1">
+                        <a:latin typeface="Cambria Math" charset="0"/>
+                        <a:ea typeface="Cambria Math" charset="0"/>
+                        <a:cs typeface="Cambria Math" charset="0"/>
+                      </a:rPr>
+                      <m:t>←</m:t>
+                    </m:r>
+                    <m:sSub>
+                      <m:sSubPr>
+                        <m:ctrlPr>
+                          <a:rPr lang="en-US" i="1">
+                            <a:latin typeface="Cambria Math" charset="0"/>
+                            <a:ea typeface="Cambria Math" charset="0"/>
+                            <a:cs typeface="Cambria Math" charset="0"/>
+                          </a:rPr>
+                        </m:ctrlPr>
+                      </m:sSubPr>
+                      <m:e>
+                        <m:r>
+                          <a:rPr lang="en-US" i="1">
+                            <a:latin typeface="Cambria Math" charset="0"/>
+                            <a:ea typeface="Cambria Math" charset="0"/>
+                            <a:cs typeface="Cambria Math" charset="0"/>
+                          </a:rPr>
+                          <m:t>𝜃</m:t>
+                        </m:r>
+                      </m:e>
+                      <m:sub>
+                        <m:r>
+                          <a:rPr lang="en-US" i="1">
+                            <a:latin typeface="Cambria Math" charset="0"/>
+                            <a:ea typeface="Cambria Math" charset="0"/>
+                            <a:cs typeface="Cambria Math" charset="0"/>
+                          </a:rPr>
+                          <m:t>𝑖</m:t>
+                        </m:r>
+                      </m:sub>
+                    </m:sSub>
+                    <m:r>
+                      <a:rPr lang="en-US" i="1">
+                        <a:latin typeface="Cambria Math" charset="0"/>
+                        <a:ea typeface="Cambria Math" charset="0"/>
+                        <a:cs typeface="Cambria Math" charset="0"/>
+                      </a:rPr>
+                      <m:t>−</m:t>
+                    </m:r>
+                    <m:sSub>
+                      <m:sSubPr>
+                        <m:ctrlPr>
+                          <a:rPr lang="en-US" i="1">
+                            <a:latin typeface="Cambria Math" charset="0"/>
+                          </a:rPr>
+                        </m:ctrlPr>
+                      </m:sSubPr>
+                      <m:e>
+                        <m:r>
+                          <a:rPr lang="en-US" i="1">
+                            <a:latin typeface="Cambria Math" charset="0"/>
+                          </a:rPr>
+                          <m:t>𝑔𝑟𝑎𝑑𝑖𝑒𝑛𝑡</m:t>
+                        </m:r>
+                      </m:e>
+                      <m:sub>
+                        <m:r>
+                          <a:rPr lang="en-US" i="1">
+                            <a:latin typeface="Cambria Math" charset="0"/>
+                          </a:rPr>
+                          <m:t>𝑖</m:t>
+                        </m:r>
+                      </m:sub>
+                    </m:sSub>
+                    <m:r>
+                      <a:rPr lang="en-US" i="1">
+                        <a:latin typeface="Cambria Math" charset="0"/>
+                        <a:ea typeface="Cambria Math" charset="0"/>
+                        <a:cs typeface="Cambria Math" charset="0"/>
+                      </a:rPr>
+                      <m:t>×</m:t>
+                    </m:r>
+                    <m:r>
+                      <a:rPr lang="en-US" i="1">
+                        <a:latin typeface="Cambria Math" charset="0"/>
+                        <a:ea typeface="Cambria Math" charset="0"/>
+                        <a:cs typeface="Cambria Math" charset="0"/>
+                      </a:rPr>
+                      <m:t>𝐿𝐸𝐴𝑅𝑁𝐼𝑁𝐺</m:t>
+                    </m:r>
+                    <m:r>
+                      <a:rPr lang="en-US" i="1">
+                        <a:latin typeface="Cambria Math" charset="0"/>
+                        <a:ea typeface="Cambria Math" charset="0"/>
+                        <a:cs typeface="Cambria Math" charset="0"/>
+                      </a:rPr>
+                      <m:t> </m:t>
+                    </m:r>
+                    <m:r>
+                      <a:rPr lang="en-US" i="1">
+                        <a:latin typeface="Cambria Math" charset="0"/>
+                        <a:ea typeface="Cambria Math" charset="0"/>
+                        <a:cs typeface="Cambria Math" charset="0"/>
+                      </a:rPr>
+                      <m:t>𝑅𝐴𝑇𝐸</m:t>
+                    </m:r>
+                  </m:oMath>
+                </a14:m>
+                <a:endParaRPr lang="en-US" dirty="0" smtClean="0"/>
+              </a:p>
+              <a:p>
+                <a:r>
+                  <a:rPr lang="en-US" dirty="0" smtClean="0"/>
+                  <a:t>LEARNING RATE: </a:t>
+                </a:r>
+                <a:r>
+                  <a:rPr lang="en-US" dirty="0"/>
+                  <a:t>The amount you move down the </a:t>
+                </a:r>
+                <a:r>
+                  <a:rPr lang="en-US" dirty="0" smtClean="0"/>
+                  <a:t>gradient each </a:t>
+                </a:r>
+                <a:r>
+                  <a:rPr lang="en-US" dirty="0"/>
+                  <a:t>time (need so we’re not overfitting every data </a:t>
+                </a:r>
+                <a:r>
+                  <a:rPr lang="en-US" dirty="0" smtClean="0"/>
+                  <a:t>point </a:t>
+                </a:r>
+                <a:r>
+                  <a:rPr lang="en-US" dirty="0"/>
+                  <a:t>that comes in</a:t>
+                </a:r>
+                <a:r>
+                  <a:rPr lang="en-US" dirty="0" smtClean="0"/>
+                  <a:t>). Usually about .01</a:t>
+                </a:r>
+                <a:endParaRPr lang="en-US" dirty="0"/>
+              </a:p>
+            </p:txBody>
+          </p:sp>
+        </mc:Choice>
+        <mc:Fallback>
+          <p:sp>
+            <p:nvSpPr>
+              <p:cNvPr id="3" name="Content Placeholder 2"/>
+              <p:cNvSpPr>
+                <a:spLocks noGrp="1" noRot="1" noChangeAspect="1" noMove="1" noResize="1" noEditPoints="1" noAdjustHandles="1" noChangeArrowheads="1" noChangeShapeType="1" noTextEdit="1"/>
+              </p:cNvSpPr>
+              <p:nvPr>
+                <p:ph idx="1"/>
+              </p:nvPr>
+            </p:nvSpPr>
+            <p:spPr>
+              <a:blipFill rotWithShape="0">
+                <a:blip r:embed="rId2"/>
+                <a:stretch>
+                  <a:fillRect l="-421"/>
+                </a:stretch>
+              </a:blipFill>
+            </p:spPr>
+            <p:txBody>
+              <a:bodyPr/>
+              <a:lstStyle/>
+              <a:p>
+                <a:r>
+                  <a:rPr lang="en-US">
+                    <a:noFill/>
+                  </a:rPr>
+                  <a:t> </a:t>
+                </a:r>
+              </a:p>
+            </p:txBody>
+          </p:sp>
+        </mc:Fallback>
+      </mc:AlternateContent>
+    </p:spTree>
+    <p:extLst>
+      <p:ext uri="{BB962C8B-B14F-4D97-AF65-F5344CB8AC3E}">
+        <p14:creationId xmlns:p14="http://schemas.microsoft.com/office/powerpoint/2010/main" val="678373753"/>
+      </p:ext>
+    </p:extLst>
+  </p:cSld>
+  <p:clrMapOvr>
+    <a:masterClrMapping/>
+  </p:clrMapOvr>
+  <p:timing>
+    <p:tnLst>
+      <p:par>
+        <p:cTn id="1" dur="indefinite" restart="never" nodeType="tmRoot"/>
+      </p:par>
+    </p:tnLst>
+  </p:timing>
+</p:sld>
+</file>
+
+<file path=ppt/slides/slide16.xml><?xml version="1.0" encoding="utf-8"?>
+<p:sld xmlns:a="http://schemas.openxmlformats.org/drawingml/2006/main" xmlns:r="http://schemas.openxmlformats.org/officeDocument/2006/relationships" xmlns:p="http://schemas.openxmlformats.org/presentationml/2006/main">
+  <p:cSld>
+    <p:spTree>
+      <p:nvGrpSpPr>
+        <p:cNvPr id="1" name=""/>
+        <p:cNvGrpSpPr/>
+        <p:nvPr/>
+      </p:nvGrpSpPr>
+      <p:grpSpPr>
+        <a:xfrm>
+          <a:off x="0" y="0"/>
+          <a:ext cx="0" cy="0"/>
+          <a:chOff x="0" y="0"/>
+          <a:chExt cx="0" cy="0"/>
+        </a:xfrm>
+      </p:grpSpPr>
+      <p:sp>
+        <p:nvSpPr>
+          <p:cNvPr id="2" name="Title 1"/>
+          <p:cNvSpPr>
+            <a:spLocks noGrp="1"/>
+          </p:cNvSpPr>
+          <p:nvPr>
+            <p:ph type="title"/>
+          </p:nvPr>
+        </p:nvSpPr>
+        <p:spPr/>
+        <p:txBody>
+          <a:bodyPr/>
+          <a:lstStyle/>
+          <a:p>
+            <a:r>
+              <a:rPr lang="en-US" dirty="0" smtClean="0"/>
+              <a:t>Example</a:t>
+            </a:r>
+            <a:endParaRPr lang="en-US" dirty="0"/>
+          </a:p>
+        </p:txBody>
+      </p:sp>
+      <p:sp>
+        <p:nvSpPr>
+          <p:cNvPr id="4" name="Oval 3"/>
+          <p:cNvSpPr/>
+          <p:nvPr/>
+        </p:nvSpPr>
+        <p:spPr>
+          <a:xfrm>
+            <a:off x="8370807" y="1474524"/>
+            <a:ext cx="1183341" cy="731520"/>
+          </a:xfrm>
+          <a:prstGeom prst="ellipse">
+            <a:avLst/>
+          </a:prstGeom>
+        </p:spPr>
+        <p:style>
+          <a:lnRef idx="2">
+            <a:schemeClr val="accent1">
+              <a:shade val="50000"/>
+            </a:schemeClr>
+          </a:lnRef>
+          <a:fillRef idx="1">
+            <a:schemeClr val="accent1"/>
+          </a:fillRef>
+          <a:effectRef idx="0">
+            <a:schemeClr val="accent1"/>
+          </a:effectRef>
+          <a:fontRef idx="minor">
+            <a:schemeClr val="lt1"/>
+          </a:fontRef>
+        </p:style>
+        <p:txBody>
+          <a:bodyPr rtlCol="0" anchor="ctr"/>
+          <a:lstStyle/>
+          <a:p>
+            <a:pPr algn="ctr"/>
+            <a:r>
+              <a:rPr lang="en-US" dirty="0"/>
+              <a:t>8</a:t>
+            </a:r>
+            <a:endParaRPr lang="en-US" dirty="0"/>
+          </a:p>
+        </p:txBody>
+      </p:sp>
+      <p:sp>
+        <p:nvSpPr>
+          <p:cNvPr id="5" name="Oval 4"/>
+          <p:cNvSpPr/>
+          <p:nvPr/>
+        </p:nvSpPr>
+        <p:spPr>
+          <a:xfrm>
+            <a:off x="6432088" y="1474524"/>
+            <a:ext cx="1183341" cy="731520"/>
+          </a:xfrm>
+          <a:prstGeom prst="ellipse">
+            <a:avLst/>
+          </a:prstGeom>
+        </p:spPr>
+        <p:style>
+          <a:lnRef idx="2">
+            <a:schemeClr val="accent1">
+              <a:shade val="50000"/>
+            </a:schemeClr>
+          </a:lnRef>
+          <a:fillRef idx="1">
+            <a:schemeClr val="accent1"/>
+          </a:fillRef>
+          <a:effectRef idx="0">
+            <a:schemeClr val="accent1"/>
+          </a:effectRef>
+          <a:fontRef idx="minor">
+            <a:schemeClr val="lt1"/>
+          </a:fontRef>
+        </p:style>
+        <p:txBody>
+          <a:bodyPr rtlCol="0" anchor="ctr"/>
+          <a:lstStyle/>
+          <a:p>
+            <a:pPr algn="ctr"/>
+            <a:r>
+              <a:rPr lang="en-US" dirty="0" smtClean="0"/>
+              <a:t>2</a:t>
+            </a:r>
+            <a:endParaRPr lang="en-US" dirty="0"/>
+          </a:p>
+        </p:txBody>
+      </p:sp>
+      <p:cxnSp>
+        <p:nvCxnSpPr>
+          <p:cNvPr id="6" name="Straight Arrow Connector 5"/>
+          <p:cNvCxnSpPr>
+            <a:stCxn id="5" idx="6"/>
+            <a:endCxn id="4" idx="2"/>
+          </p:cNvCxnSpPr>
+          <p:nvPr/>
+        </p:nvCxnSpPr>
+        <p:spPr>
+          <a:xfrm>
+            <a:off x="7615429" y="1840284"/>
+            <a:ext cx="755378" cy="0"/>
+          </a:xfrm>
+          <a:prstGeom prst="straightConnector1">
+            <a:avLst/>
+          </a:prstGeom>
+          <a:ln>
+            <a:tailEnd type="triangle"/>
+          </a:ln>
+        </p:spPr>
+        <p:style>
+          <a:lnRef idx="1">
+            <a:schemeClr val="accent1"/>
+          </a:lnRef>
+          <a:fillRef idx="0">
+            <a:schemeClr val="accent1"/>
+          </a:fillRef>
+          <a:effectRef idx="0">
+            <a:schemeClr val="accent1"/>
+          </a:effectRef>
+          <a:fontRef idx="minor">
+            <a:schemeClr val="tx1"/>
+          </a:fontRef>
+        </p:style>
+      </p:cxnSp>
+      <p:sp>
+        <p:nvSpPr>
+          <p:cNvPr id="9" name="TextBox 8"/>
+          <p:cNvSpPr txBox="1"/>
+          <p:nvPr/>
+        </p:nvSpPr>
+        <p:spPr>
+          <a:xfrm>
+            <a:off x="7615429" y="1470952"/>
+            <a:ext cx="688009" cy="369332"/>
+          </a:xfrm>
+          <a:prstGeom prst="rect">
+            <a:avLst/>
+          </a:prstGeom>
+          <a:noFill/>
+        </p:spPr>
+        <p:txBody>
+          <a:bodyPr wrap="none" rtlCol="0">
+            <a:spAutoFit/>
+          </a:bodyPr>
+          <a:lstStyle/>
+          <a:p>
+            <a:r>
+              <a:rPr lang="en-US" dirty="0" smtClean="0"/>
+              <a:t>w = </a:t>
+            </a:r>
+            <a:r>
+              <a:rPr lang="en-US" dirty="0" smtClean="0"/>
+              <a:t>4</a:t>
+            </a:r>
+            <a:endParaRPr lang="en-US" dirty="0"/>
+          </a:p>
+        </p:txBody>
+      </p:sp>
+      <p:sp>
+        <p:nvSpPr>
+          <p:cNvPr id="10" name="TextBox 9"/>
+          <p:cNvSpPr txBox="1"/>
+          <p:nvPr/>
+        </p:nvSpPr>
+        <p:spPr>
+          <a:xfrm>
+            <a:off x="10164861" y="2021378"/>
+            <a:ext cx="1552028" cy="369332"/>
+          </a:xfrm>
+          <a:prstGeom prst="rect">
+            <a:avLst/>
+          </a:prstGeom>
+          <a:noFill/>
+        </p:spPr>
+        <p:txBody>
+          <a:bodyPr wrap="none" rtlCol="0">
+            <a:spAutoFit/>
+          </a:bodyPr>
+          <a:lstStyle/>
+          <a:p>
+            <a:r>
+              <a:rPr lang="en-US" dirty="0" smtClean="0"/>
+              <a:t>Target value: 6</a:t>
+            </a:r>
+            <a:endParaRPr lang="en-US" dirty="0"/>
+          </a:p>
+        </p:txBody>
+      </p:sp>
+      <p:sp>
+        <p:nvSpPr>
+          <p:cNvPr id="11" name="TextBox 10"/>
+          <p:cNvSpPr txBox="1"/>
+          <p:nvPr/>
+        </p:nvSpPr>
+        <p:spPr>
+          <a:xfrm>
+            <a:off x="10164860" y="1652046"/>
+            <a:ext cx="1867306" cy="369332"/>
+          </a:xfrm>
+          <a:prstGeom prst="rect">
+            <a:avLst/>
+          </a:prstGeom>
+          <a:noFill/>
+        </p:spPr>
+        <p:txBody>
+          <a:bodyPr wrap="none" rtlCol="0">
+            <a:spAutoFit/>
+          </a:bodyPr>
+          <a:lstStyle/>
+          <a:p>
+            <a:r>
+              <a:rPr lang="en-US" dirty="0" smtClean="0"/>
+              <a:t>Predicted value: 8</a:t>
+            </a:r>
+            <a:endParaRPr lang="en-US" dirty="0"/>
+          </a:p>
+        </p:txBody>
+      </p:sp>
+      <p:sp>
+        <p:nvSpPr>
+          <p:cNvPr id="12" name="Right Arrow 11"/>
+          <p:cNvSpPr/>
+          <p:nvPr/>
+        </p:nvSpPr>
+        <p:spPr>
+          <a:xfrm>
+            <a:off x="9707962" y="1601482"/>
+            <a:ext cx="456898" cy="484632"/>
+          </a:xfrm>
+          <a:prstGeom prst="rightArrow">
+            <a:avLst/>
+          </a:prstGeom>
+        </p:spPr>
+        <p:style>
+          <a:lnRef idx="2">
+            <a:schemeClr val="accent1">
+              <a:shade val="50000"/>
+            </a:schemeClr>
+          </a:lnRef>
+          <a:fillRef idx="1">
+            <a:schemeClr val="accent1"/>
+          </a:fillRef>
+          <a:effectRef idx="0">
+            <a:schemeClr val="accent1"/>
+          </a:effectRef>
+          <a:fontRef idx="minor">
+            <a:schemeClr val="lt1"/>
+          </a:fontRef>
+        </p:style>
+        <p:txBody>
+          <a:bodyPr rtlCol="0" anchor="ctr"/>
+          <a:lstStyle/>
+          <a:p>
+            <a:pPr algn="ctr"/>
+            <a:endParaRPr lang="en-US"/>
+          </a:p>
+        </p:txBody>
+      </p:sp>
+      <p:sp>
+        <p:nvSpPr>
+          <p:cNvPr id="13" name="TextBox 12"/>
+          <p:cNvSpPr txBox="1"/>
+          <p:nvPr/>
+        </p:nvSpPr>
+        <p:spPr>
+          <a:xfrm>
+            <a:off x="10164860" y="2405842"/>
+            <a:ext cx="887872" cy="369332"/>
+          </a:xfrm>
+          <a:prstGeom prst="rect">
+            <a:avLst/>
+          </a:prstGeom>
+          <a:noFill/>
+        </p:spPr>
+        <p:txBody>
+          <a:bodyPr wrap="none" rtlCol="0">
+            <a:spAutoFit/>
+          </a:bodyPr>
+          <a:lstStyle/>
+          <a:p>
+            <a:r>
+              <a:rPr lang="en-US" dirty="0" smtClean="0"/>
+              <a:t>Error: 2</a:t>
+            </a:r>
+            <a:endParaRPr lang="en-US" dirty="0"/>
+          </a:p>
+        </p:txBody>
+      </p:sp>
+      <mc:AlternateContent xmlns:mc="http://schemas.openxmlformats.org/markup-compatibility/2006">
+        <mc:Choice xmlns:a14="http://schemas.microsoft.com/office/drawing/2010/main" Requires="a14">
+          <p:sp>
+            <p:nvSpPr>
+              <p:cNvPr id="15" name="TextBox 14"/>
+              <p:cNvSpPr txBox="1"/>
+              <p:nvPr/>
+            </p:nvSpPr>
+            <p:spPr>
+              <a:xfrm>
+                <a:off x="218318" y="1951649"/>
+                <a:ext cx="6556199" cy="4473340"/>
+              </a:xfrm>
+              <a:prstGeom prst="rect">
+                <a:avLst/>
+              </a:prstGeom>
+              <a:noFill/>
+            </p:spPr>
+            <p:txBody>
+              <a:bodyPr wrap="square" rtlCol="0">
+                <a:spAutoFit/>
+              </a:bodyPr>
+              <a:lstStyle/>
+              <a:p>
+                <a14:m>
+                  <m:oMathPara xmlns:m="http://schemas.openxmlformats.org/officeDocument/2006/math">
+                    <m:oMathParaPr>
+                      <m:jc m:val="centerGroup"/>
+                    </m:oMathParaPr>
+                    <m:oMath xmlns:m="http://schemas.openxmlformats.org/officeDocument/2006/math">
+                      <m:sSub>
+                        <m:sSubPr>
+                          <m:ctrlPr>
+                            <a:rPr lang="en-US" i="1" smtClean="0">
+                              <a:latin typeface="Cambria Math" charset="0"/>
+                            </a:rPr>
+                          </m:ctrlPr>
+                        </m:sSubPr>
+                        <m:e>
+                          <m:r>
+                            <a:rPr lang="en-US" i="1">
+                              <a:latin typeface="Cambria Math" charset="0"/>
+                            </a:rPr>
+                            <m:t>𝑔𝑟𝑎𝑑𝑖𝑒𝑛𝑡</m:t>
+                          </m:r>
+                        </m:e>
+                        <m:sub>
+                          <m:r>
+                            <a:rPr lang="en-US" i="1">
+                              <a:latin typeface="Cambria Math" charset="0"/>
+                            </a:rPr>
+                            <m:t>𝑖</m:t>
+                          </m:r>
+                        </m:sub>
+                      </m:sSub>
+                      <m:r>
+                        <a:rPr lang="en-US" i="1">
+                          <a:latin typeface="Cambria Math" charset="0"/>
+                        </a:rPr>
+                        <m:t>=</m:t>
+                      </m:r>
+                      <m:d>
+                        <m:dPr>
+                          <m:ctrlPr>
+                            <a:rPr lang="en-US" i="1">
+                              <a:latin typeface="Cambria Math" charset="0"/>
+                              <a:ea typeface="Cambria Math" charset="0"/>
+                              <a:cs typeface="Cambria Math" charset="0"/>
+                            </a:rPr>
+                          </m:ctrlPr>
+                        </m:dPr>
+                        <m:e>
+                          <m:r>
+                            <a:rPr lang="en-US" i="1">
+                              <a:latin typeface="Cambria Math" charset="0"/>
+                              <a:ea typeface="Cambria Math" charset="0"/>
+                              <a:cs typeface="Cambria Math" charset="0"/>
+                            </a:rPr>
+                            <m:t>𝑖𝑛𝑝𝑢𝑡</m:t>
+                          </m:r>
+                          <m:r>
+                            <a:rPr lang="en-US" i="1">
+                              <a:latin typeface="Cambria Math" charset="0"/>
+                              <a:ea typeface="Cambria Math" charset="0"/>
+                              <a:cs typeface="Cambria Math" charset="0"/>
+                            </a:rPr>
+                            <m:t> </m:t>
+                          </m:r>
+                          <m:r>
+                            <a:rPr lang="en-US" i="1">
+                              <a:latin typeface="Cambria Math" charset="0"/>
+                              <a:ea typeface="Cambria Math" charset="0"/>
+                              <a:cs typeface="Cambria Math" charset="0"/>
+                            </a:rPr>
+                            <m:t>𝑣𝑎𝑙𝑢𝑒</m:t>
+                          </m:r>
+                          <m:r>
+                            <m:rPr>
+                              <m:nor/>
+                            </m:rPr>
+                            <a:rPr lang="en-US">
+                              <a:latin typeface="Cambria Math" charset="0"/>
+                              <a:ea typeface="Cambria Math" charset="0"/>
+                              <a:cs typeface="Cambria Math" charset="0"/>
+                            </a:rPr>
+                            <m:t> </m:t>
+                          </m:r>
+                          <m:r>
+                            <a:rPr lang="en-US" i="1">
+                              <a:latin typeface="Cambria Math" charset="0"/>
+                              <a:ea typeface="Cambria Math" charset="0"/>
+                              <a:cs typeface="Cambria Math" charset="0"/>
+                            </a:rPr>
+                            <m:t>×</m:t>
+                          </m:r>
+                          <m:r>
+                            <a:rPr lang="en-US" i="1">
+                              <a:latin typeface="Cambria Math" charset="0"/>
+                              <a:ea typeface="Cambria Math" charset="0"/>
+                              <a:cs typeface="Cambria Math" charset="0"/>
+                            </a:rPr>
+                            <m:t>𝑑𝑒𝑟𝑖𝑣𝑎𝑡𝑖𝑣𝑒</m:t>
+                          </m:r>
+                          <m:r>
+                            <a:rPr lang="en-US" i="1">
+                              <a:latin typeface="Cambria Math" charset="0"/>
+                              <a:ea typeface="Cambria Math" charset="0"/>
+                              <a:cs typeface="Cambria Math" charset="0"/>
+                            </a:rPr>
+                            <m:t> </m:t>
+                          </m:r>
+                          <m:r>
+                            <a:rPr lang="en-US" i="1">
+                              <a:latin typeface="Cambria Math" charset="0"/>
+                              <a:ea typeface="Cambria Math" charset="0"/>
+                              <a:cs typeface="Cambria Math" charset="0"/>
+                            </a:rPr>
+                            <m:t>𝑜𝑓</m:t>
+                          </m:r>
+                          <m:r>
+                            <a:rPr lang="en-US" i="1">
+                              <a:latin typeface="Cambria Math" charset="0"/>
+                              <a:ea typeface="Cambria Math" charset="0"/>
+                              <a:cs typeface="Cambria Math" charset="0"/>
+                            </a:rPr>
+                            <m:t> </m:t>
+                          </m:r>
+                          <m:r>
+                            <a:rPr lang="en-US" i="1">
+                              <a:latin typeface="Cambria Math" charset="0"/>
+                              <a:ea typeface="Cambria Math" charset="0"/>
+                              <a:cs typeface="Cambria Math" charset="0"/>
+                            </a:rPr>
+                            <m:t>𝑙𝑜𝑠𝑠</m:t>
+                          </m:r>
+                          <m:r>
+                            <a:rPr lang="en-US" i="1">
+                              <a:latin typeface="Cambria Math" charset="0"/>
+                              <a:ea typeface="Cambria Math" charset="0"/>
+                              <a:cs typeface="Cambria Math" charset="0"/>
+                            </a:rPr>
+                            <m:t> </m:t>
+                          </m:r>
+                          <m:r>
+                            <a:rPr lang="en-US" i="1">
+                              <a:latin typeface="Cambria Math" charset="0"/>
+                              <a:ea typeface="Cambria Math" charset="0"/>
+                              <a:cs typeface="Cambria Math" charset="0"/>
+                            </a:rPr>
+                            <m:t>𝑓𝑢𝑛𝑐𝑡𝑖𝑜𝑛</m:t>
+                          </m:r>
+                          <m:f>
+                            <m:fPr>
+                              <m:ctrlPr>
+                                <a:rPr lang="mr-IN" i="1">
+                                  <a:latin typeface="Cambria Math" charset="0"/>
+                                  <a:ea typeface="Cambria Math" charset="0"/>
+                                  <a:cs typeface="Cambria Math" charset="0"/>
+                                </a:rPr>
+                              </m:ctrlPr>
+                            </m:fPr>
+                            <m:num>
+                              <m:r>
+                                <a:rPr lang="en-US" i="1">
+                                  <a:latin typeface="Cambria Math" charset="0"/>
+                                  <a:ea typeface="Cambria Math" charset="0"/>
+                                  <a:cs typeface="Cambria Math" charset="0"/>
+                                </a:rPr>
+                                <m:t>𝜕</m:t>
+                              </m:r>
+                              <m:r>
+                                <a:rPr lang="en-US" i="1">
+                                  <a:latin typeface="Cambria Math" charset="0"/>
+                                  <a:ea typeface="Cambria Math" charset="0"/>
+                                  <a:cs typeface="Cambria Math" charset="0"/>
+                                </a:rPr>
+                                <m:t>𝐽</m:t>
+                              </m:r>
+                            </m:num>
+                            <m:den>
+                              <m:r>
+                                <a:rPr lang="en-US" i="1">
+                                  <a:latin typeface="Cambria Math" charset="0"/>
+                                  <a:ea typeface="Cambria Math" charset="0"/>
+                                  <a:cs typeface="Cambria Math" charset="0"/>
+                                </a:rPr>
+                                <m:t>𝜕</m:t>
+                              </m:r>
+                              <m:sSub>
+                                <m:sSubPr>
+                                  <m:ctrlPr>
+                                    <a:rPr lang="en-US" i="1">
+                                      <a:latin typeface="Cambria Math" charset="0"/>
+                                      <a:ea typeface="Cambria Math" charset="0"/>
+                                      <a:cs typeface="Cambria Math" charset="0"/>
+                                    </a:rPr>
+                                  </m:ctrlPr>
+                                </m:sSubPr>
+                                <m:e>
+                                  <m:r>
+                                    <a:rPr lang="en-US" i="1">
+                                      <a:latin typeface="Cambria Math" charset="0"/>
+                                      <a:ea typeface="Cambria Math" charset="0"/>
+                                      <a:cs typeface="Cambria Math" charset="0"/>
+                                    </a:rPr>
+                                    <m:t>𝜃</m:t>
+                                  </m:r>
+                                </m:e>
+                                <m:sub>
+                                  <m:r>
+                                    <a:rPr lang="en-US" i="1">
+                                      <a:latin typeface="Cambria Math" charset="0"/>
+                                      <a:ea typeface="Cambria Math" charset="0"/>
+                                      <a:cs typeface="Cambria Math" charset="0"/>
+                                    </a:rPr>
+                                    <m:t>𝑖</m:t>
+                                  </m:r>
+                                </m:sub>
+                              </m:sSub>
+                            </m:den>
+                          </m:f>
+                          <m:r>
+                            <a:rPr lang="en-US" i="1">
+                              <a:latin typeface="Cambria Math" charset="0"/>
+                              <a:ea typeface="Cambria Math" charset="0"/>
+                              <a:cs typeface="Cambria Math" charset="0"/>
+                            </a:rPr>
+                            <m:t>× </m:t>
+                          </m:r>
+                          <m:r>
+                            <a:rPr lang="en-US" i="1">
+                              <a:latin typeface="Cambria Math" charset="0"/>
+                              <a:ea typeface="Cambria Math" charset="0"/>
+                              <a:cs typeface="Cambria Math" charset="0"/>
+                            </a:rPr>
+                            <m:t>𝑑𝑒𝑟𝑖𝑣𝑎𝑡𝑖𝑣𝑒</m:t>
+                          </m:r>
+                          <m:r>
+                            <a:rPr lang="en-US" i="1">
+                              <a:latin typeface="Cambria Math" charset="0"/>
+                              <a:ea typeface="Cambria Math" charset="0"/>
+                              <a:cs typeface="Cambria Math" charset="0"/>
+                            </a:rPr>
+                            <m:t> </m:t>
+                          </m:r>
+                          <m:r>
+                            <a:rPr lang="en-US" i="1">
+                              <a:latin typeface="Cambria Math" charset="0"/>
+                              <a:ea typeface="Cambria Math" charset="0"/>
+                              <a:cs typeface="Cambria Math" charset="0"/>
+                            </a:rPr>
+                            <m:t>𝑜𝑓</m:t>
+                          </m:r>
+                          <m:r>
+                            <a:rPr lang="en-US" i="1">
+                              <a:latin typeface="Cambria Math" charset="0"/>
+                              <a:ea typeface="Cambria Math" charset="0"/>
+                              <a:cs typeface="Cambria Math" charset="0"/>
+                            </a:rPr>
+                            <m:t> </m:t>
+                          </m:r>
+                          <m:r>
+                            <a:rPr lang="en-US" i="1">
+                              <a:latin typeface="Cambria Math" charset="0"/>
+                              <a:ea typeface="Cambria Math" charset="0"/>
+                              <a:cs typeface="Cambria Math" charset="0"/>
+                            </a:rPr>
+                            <m:t>𝑎𝑐𝑡𝑖𝑣𝑎𝑡𝑖𝑜𝑛</m:t>
+                          </m:r>
+                          <m:r>
+                            <a:rPr lang="en-US" i="1">
+                              <a:latin typeface="Cambria Math" charset="0"/>
+                              <a:ea typeface="Cambria Math" charset="0"/>
+                              <a:cs typeface="Cambria Math" charset="0"/>
+                            </a:rPr>
+                            <m:t> </m:t>
+                          </m:r>
+                          <m:r>
+                            <a:rPr lang="en-US" i="1">
+                              <a:latin typeface="Cambria Math" charset="0"/>
+                              <a:ea typeface="Cambria Math" charset="0"/>
+                              <a:cs typeface="Cambria Math" charset="0"/>
+                            </a:rPr>
+                            <m:t>𝑓𝑢𝑛𝑐𝑡𝑖𝑜𝑛</m:t>
+                          </m:r>
+                          <m:r>
+                            <a:rPr lang="en-US" i="1">
+                              <a:latin typeface="Cambria Math" charset="0"/>
+                              <a:ea typeface="Cambria Math" charset="0"/>
+                              <a:cs typeface="Cambria Math" charset="0"/>
+                            </a:rPr>
+                            <m:t> </m:t>
+                          </m:r>
+                          <m:r>
+                            <a:rPr lang="en-US" i="1">
+                              <a:latin typeface="Cambria Math" charset="0"/>
+                              <a:ea typeface="Cambria Math" charset="0"/>
+                              <a:cs typeface="Cambria Math" charset="0"/>
+                            </a:rPr>
+                            <m:t>𝑜𝑓</m:t>
+                          </m:r>
+                          <m:r>
+                            <a:rPr lang="en-US" i="1">
+                              <a:latin typeface="Cambria Math" charset="0"/>
+                              <a:ea typeface="Cambria Math" charset="0"/>
+                              <a:cs typeface="Cambria Math" charset="0"/>
+                            </a:rPr>
+                            <m:t> </m:t>
+                          </m:r>
+                          <m:r>
+                            <a:rPr lang="en-US" i="1">
+                              <a:latin typeface="Cambria Math" charset="0"/>
+                              <a:ea typeface="Cambria Math" charset="0"/>
+                              <a:cs typeface="Cambria Math" charset="0"/>
+                            </a:rPr>
+                            <m:t>𝑡h𝑒</m:t>
+                          </m:r>
+                          <m:r>
+                            <a:rPr lang="en-US" i="1">
+                              <a:latin typeface="Cambria Math" charset="0"/>
+                              <a:ea typeface="Cambria Math" charset="0"/>
+                              <a:cs typeface="Cambria Math" charset="0"/>
+                            </a:rPr>
+                            <m:t> </m:t>
+                          </m:r>
+                          <m:r>
+                            <a:rPr lang="en-US" i="1">
+                              <a:latin typeface="Cambria Math" charset="0"/>
+                              <a:ea typeface="Cambria Math" charset="0"/>
+                              <a:cs typeface="Cambria Math" charset="0"/>
+                            </a:rPr>
+                            <m:t>𝑛𝑜𝑑𝑒</m:t>
+                          </m:r>
+                          <m:r>
+                            <a:rPr lang="en-US" i="1">
+                              <a:latin typeface="Cambria Math" charset="0"/>
+                              <a:ea typeface="Cambria Math" charset="0"/>
+                              <a:cs typeface="Cambria Math" charset="0"/>
+                            </a:rPr>
+                            <m:t> </m:t>
+                          </m:r>
+                          <m:r>
+                            <a:rPr lang="en-US" i="1">
+                              <a:latin typeface="Cambria Math" charset="0"/>
+                              <a:ea typeface="Cambria Math" charset="0"/>
+                              <a:cs typeface="Cambria Math" charset="0"/>
+                            </a:rPr>
+                            <m:t>𝑦𝑜𝑢𝑟</m:t>
+                          </m:r>
+                          <m:r>
+                            <a:rPr lang="en-US" i="1">
+                              <a:latin typeface="Cambria Math" charset="0"/>
+                              <a:ea typeface="Cambria Math" charset="0"/>
+                              <a:cs typeface="Cambria Math" charset="0"/>
+                            </a:rPr>
+                            <m:t> </m:t>
+                          </m:r>
+                          <m:r>
+                            <a:rPr lang="en-US" i="1">
+                              <a:latin typeface="Cambria Math" charset="0"/>
+                              <a:ea typeface="Cambria Math" charset="0"/>
+                              <a:cs typeface="Cambria Math" charset="0"/>
+                            </a:rPr>
+                            <m:t>𝑓𝑒𝑒𝑑𝑖𝑛𝑔</m:t>
+                          </m:r>
+                          <m:r>
+                            <a:rPr lang="en-US" i="1">
+                              <a:latin typeface="Cambria Math" charset="0"/>
+                              <a:ea typeface="Cambria Math" charset="0"/>
+                              <a:cs typeface="Cambria Math" charset="0"/>
+                            </a:rPr>
+                            <m:t> </m:t>
+                          </m:r>
+                          <m:r>
+                            <a:rPr lang="en-US" i="1">
+                              <a:latin typeface="Cambria Math" charset="0"/>
+                              <a:ea typeface="Cambria Math" charset="0"/>
+                              <a:cs typeface="Cambria Math" charset="0"/>
+                            </a:rPr>
+                            <m:t>𝑓𝑟𝑜𝑚</m:t>
+                          </m:r>
+                        </m:e>
+                      </m:d>
+                    </m:oMath>
+                  </m:oMathPara>
+                </a14:m>
+                <a:endParaRPr lang="en-US" i="1" dirty="0" smtClean="0">
+                  <a:latin typeface="Cambria Math" charset="0"/>
+                  <a:ea typeface="Cambria Math" charset="0"/>
+                  <a:cs typeface="Cambria Math" charset="0"/>
+                </a:endParaRPr>
+              </a:p>
+              <a:p>
+                <a:pPr marL="285750" indent="-285750">
+                  <a:buFont typeface="Arial" charset="0"/>
+                  <a:buChar char="•"/>
+                </a:pPr>
+                <a:endParaRPr lang="en-US" dirty="0"/>
+              </a:p>
+              <a:p>
+                <a:pPr marL="285750" indent="-285750">
+                  <a:buFont typeface="Arial" charset="0"/>
+                  <a:buChar char="•"/>
+                </a:pPr>
+                <a:r>
+                  <a:rPr lang="en-US" dirty="0"/>
+                  <a:t>Input node value: 2</a:t>
+                </a:r>
+              </a:p>
+              <a:p>
+                <a:pPr marL="285750" indent="-285750">
+                  <a:buFont typeface="Arial" charset="0"/>
+                  <a:buChar char="•"/>
+                </a:pPr>
+                <a:r>
+                  <a:rPr lang="en-US" dirty="0"/>
+                  <a:t>Derivative of loss function MSE: 2 * (error) = 4</a:t>
+                </a:r>
+              </a:p>
+              <a:p>
+                <a:pPr marL="285750" indent="-285750">
+                  <a:buFont typeface="Arial" charset="0"/>
+                  <a:buChar char="•"/>
+                </a:pPr>
+                <a:r>
+                  <a:rPr lang="en-US" dirty="0" err="1" smtClean="0"/>
+                  <a:t>ReLu</a:t>
+                </a:r>
+                <a:r>
+                  <a:rPr lang="en-US" dirty="0" smtClean="0"/>
+                  <a:t> activation function derivative: (since node value is positive) is 1</a:t>
+                </a:r>
+              </a:p>
+              <a:p>
+                <a:pPr marL="285750" indent="-285750">
+                  <a:buFont typeface="Arial" charset="0"/>
+                  <a:buChar char="•"/>
+                </a:pPr>
+                <a:r>
+                  <a:rPr lang="en-US" dirty="0" smtClean="0"/>
+                  <a:t>LEARNING RATE = .01</a:t>
+                </a:r>
+              </a:p>
+              <a:p>
+                <a:pPr marL="285750" indent="-285750">
+                  <a:buFont typeface="Arial" charset="0"/>
+                  <a:buChar char="•"/>
+                </a:pPr>
+                <a:r>
+                  <a:rPr lang="en-US" dirty="0" smtClean="0"/>
+                  <a:t>Adjustment = (2 * 4 * 1) * .01  = .08</a:t>
+                </a:r>
+              </a:p>
+              <a:p>
+                <a:pPr marL="285750" indent="-285750">
+                  <a:buFont typeface="Arial" charset="0"/>
+                  <a:buChar char="•"/>
+                </a:pPr>
+                <a14:m>
+                  <m:oMath xmlns:m="http://schemas.openxmlformats.org/officeDocument/2006/math">
+                    <m:sSub>
+                      <m:sSubPr>
+                        <m:ctrlPr>
+                          <a:rPr lang="en-US" i="1">
+                            <a:latin typeface="Cambria Math" charset="0"/>
+                            <a:ea typeface="Cambria Math" charset="0"/>
+                            <a:cs typeface="Cambria Math" charset="0"/>
+                          </a:rPr>
+                        </m:ctrlPr>
+                      </m:sSubPr>
+                      <m:e>
+                        <m:r>
+                          <a:rPr lang="en-US" i="1">
+                            <a:latin typeface="Cambria Math" charset="0"/>
+                            <a:ea typeface="Cambria Math" charset="0"/>
+                            <a:cs typeface="Cambria Math" charset="0"/>
+                          </a:rPr>
+                          <m:t>𝜃</m:t>
+                        </m:r>
+                      </m:e>
+                      <m:sub>
+                        <m:r>
+                          <a:rPr lang="en-US" i="1">
+                            <a:latin typeface="Cambria Math" charset="0"/>
+                            <a:ea typeface="Cambria Math" charset="0"/>
+                            <a:cs typeface="Cambria Math" charset="0"/>
+                          </a:rPr>
+                          <m:t>𝑖</m:t>
+                        </m:r>
+                      </m:sub>
+                    </m:sSub>
+                    <m:r>
+                      <a:rPr lang="en-US" i="1">
+                        <a:latin typeface="Cambria Math" charset="0"/>
+                        <a:ea typeface="Cambria Math" charset="0"/>
+                        <a:cs typeface="Cambria Math" charset="0"/>
+                      </a:rPr>
+                      <m:t>←</m:t>
+                    </m:r>
+                    <m:sSub>
+                      <m:sSubPr>
+                        <m:ctrlPr>
+                          <a:rPr lang="en-US" i="1">
+                            <a:latin typeface="Cambria Math" charset="0"/>
+                            <a:ea typeface="Cambria Math" charset="0"/>
+                            <a:cs typeface="Cambria Math" charset="0"/>
+                          </a:rPr>
+                        </m:ctrlPr>
+                      </m:sSubPr>
+                      <m:e>
+                        <m:r>
+                          <a:rPr lang="en-US" i="1">
+                            <a:latin typeface="Cambria Math" charset="0"/>
+                            <a:ea typeface="Cambria Math" charset="0"/>
+                            <a:cs typeface="Cambria Math" charset="0"/>
+                          </a:rPr>
+                          <m:t>𝜃</m:t>
+                        </m:r>
+                      </m:e>
+                      <m:sub>
+                        <m:r>
+                          <a:rPr lang="en-US" i="1">
+                            <a:latin typeface="Cambria Math" charset="0"/>
+                            <a:ea typeface="Cambria Math" charset="0"/>
+                            <a:cs typeface="Cambria Math" charset="0"/>
+                          </a:rPr>
+                          <m:t>𝑖</m:t>
+                        </m:r>
+                      </m:sub>
+                    </m:sSub>
+                    <m:r>
+                      <a:rPr lang="en-US" i="1">
+                        <a:latin typeface="Cambria Math" charset="0"/>
+                        <a:ea typeface="Cambria Math" charset="0"/>
+                        <a:cs typeface="Cambria Math" charset="0"/>
+                      </a:rPr>
+                      <m:t>−</m:t>
+                    </m:r>
+                    <m:sSub>
+                      <m:sSubPr>
+                        <m:ctrlPr>
+                          <a:rPr lang="en-US" i="1">
+                            <a:latin typeface="Cambria Math" charset="0"/>
+                          </a:rPr>
+                        </m:ctrlPr>
+                      </m:sSubPr>
+                      <m:e>
+                        <m:r>
+                          <a:rPr lang="en-US" i="1">
+                            <a:latin typeface="Cambria Math" charset="0"/>
+                          </a:rPr>
+                          <m:t>𝑔𝑟𝑎𝑑𝑖𝑒𝑛𝑡</m:t>
+                        </m:r>
+                      </m:e>
+                      <m:sub>
+                        <m:r>
+                          <a:rPr lang="en-US" i="1">
+                            <a:latin typeface="Cambria Math" charset="0"/>
+                          </a:rPr>
+                          <m:t>𝑖</m:t>
+                        </m:r>
+                      </m:sub>
+                    </m:sSub>
+                    <m:r>
+                      <a:rPr lang="en-US" i="1">
+                        <a:latin typeface="Cambria Math" charset="0"/>
+                        <a:ea typeface="Cambria Math" charset="0"/>
+                        <a:cs typeface="Cambria Math" charset="0"/>
+                      </a:rPr>
+                      <m:t>×</m:t>
+                    </m:r>
+                    <m:r>
+                      <a:rPr lang="en-US" i="1">
+                        <a:latin typeface="Cambria Math" charset="0"/>
+                        <a:ea typeface="Cambria Math" charset="0"/>
+                        <a:cs typeface="Cambria Math" charset="0"/>
+                      </a:rPr>
+                      <m:t>𝐿𝐸𝐴𝑅𝑁𝐼𝑁𝐺</m:t>
+                    </m:r>
+                    <m:r>
+                      <a:rPr lang="en-US" i="1">
+                        <a:latin typeface="Cambria Math" charset="0"/>
+                        <a:ea typeface="Cambria Math" charset="0"/>
+                        <a:cs typeface="Cambria Math" charset="0"/>
+                      </a:rPr>
+                      <m:t> </m:t>
+                    </m:r>
+                    <m:r>
+                      <a:rPr lang="en-US" i="1">
+                        <a:latin typeface="Cambria Math" charset="0"/>
+                        <a:ea typeface="Cambria Math" charset="0"/>
+                        <a:cs typeface="Cambria Math" charset="0"/>
+                      </a:rPr>
+                      <m:t>𝑅𝐴𝑇𝐸</m:t>
+                    </m:r>
+                  </m:oMath>
+                </a14:m>
+                <a:endParaRPr lang="en-US" dirty="0" smtClean="0"/>
+              </a:p>
+              <a:p>
+                <a:pPr marL="285750" indent="-285750">
+                  <a:buFont typeface="Arial" charset="0"/>
+                  <a:buChar char="•"/>
+                </a:pPr>
+                <a14:m>
+                  <m:oMath xmlns:m="http://schemas.openxmlformats.org/officeDocument/2006/math">
+                    <m:r>
+                      <a:rPr lang="en-US" b="0" i="1" smtClean="0">
+                        <a:latin typeface="Cambria Math" charset="0"/>
+                        <a:ea typeface="Cambria Math" charset="0"/>
+                        <a:cs typeface="Cambria Math" charset="0"/>
+                      </a:rPr>
+                      <m:t>𝑤</m:t>
+                    </m:r>
+                    <m:r>
+                      <a:rPr lang="en-US" b="0" i="1" smtClean="0">
+                        <a:latin typeface="Cambria Math" charset="0"/>
+                        <a:ea typeface="Cambria Math" charset="0"/>
+                        <a:cs typeface="Cambria Math" charset="0"/>
+                      </a:rPr>
+                      <m:t>=4−.08</m:t>
+                    </m:r>
+                    <m:r>
+                      <a:rPr lang="en-US" b="0" i="1" smtClean="0">
+                        <a:latin typeface="Cambria Math" charset="0"/>
+                        <a:ea typeface="Cambria Math" charset="0"/>
+                        <a:cs typeface="Cambria Math" charset="0"/>
+                      </a:rPr>
+                      <m:t>=3.92</m:t>
+                    </m:r>
+                  </m:oMath>
+                </a14:m>
+                <a:endParaRPr lang="en-US" dirty="0"/>
+              </a:p>
+              <a:p>
+                <a:pPr marL="285750" indent="-285750">
+                  <a:buFont typeface="Arial" charset="0"/>
+                  <a:buChar char="•"/>
+                </a:pPr>
+                <a:endParaRPr lang="en-US" dirty="0" smtClean="0"/>
+              </a:p>
+              <a:p>
+                <a:pPr marL="285750" indent="-285750">
+                  <a:buFont typeface="Arial" charset="0"/>
+                  <a:buChar char="•"/>
+                </a:pPr>
+                <a:endParaRPr lang="en-US" dirty="0"/>
+              </a:p>
+            </p:txBody>
+          </p:sp>
+        </mc:Choice>
+        <mc:Fallback>
+          <p:sp>
+            <p:nvSpPr>
+              <p:cNvPr id="15" name="TextBox 14"/>
+              <p:cNvSpPr txBox="1">
+                <a:spLocks noRot="1" noChangeAspect="1" noMove="1" noResize="1" noEditPoints="1" noAdjustHandles="1" noChangeArrowheads="1" noChangeShapeType="1" noTextEdit="1"/>
+              </p:cNvSpPr>
+              <p:nvPr/>
+            </p:nvSpPr>
+            <p:spPr>
+              <a:xfrm>
+                <a:off x="218318" y="1951649"/>
+                <a:ext cx="6556199" cy="4473340"/>
+              </a:xfrm>
+              <a:prstGeom prst="rect">
+                <a:avLst/>
+              </a:prstGeom>
+              <a:blipFill rotWithShape="0">
+                <a:blip r:embed="rId2"/>
+                <a:stretch>
+                  <a:fillRect l="-651" r="-9209"/>
+                </a:stretch>
+              </a:blipFill>
+            </p:spPr>
+            <p:txBody>
+              <a:bodyPr/>
+              <a:lstStyle/>
+              <a:p>
+                <a:r>
+                  <a:rPr lang="en-US">
+                    <a:noFill/>
+                  </a:rPr>
+                  <a:t> </a:t>
+                </a:r>
+              </a:p>
+            </p:txBody>
+          </p:sp>
+        </mc:Fallback>
+      </mc:AlternateContent>
+      <p:pic>
+        <p:nvPicPr>
+          <p:cNvPr id="19" name="Picture 18"/>
+          <p:cNvPicPr>
+            <a:picLocks noChangeAspect="1"/>
+          </p:cNvPicPr>
+          <p:nvPr/>
+        </p:nvPicPr>
+        <p:blipFill>
+          <a:blip r:embed="rId3"/>
+          <a:stretch>
+            <a:fillRect/>
+          </a:stretch>
+        </p:blipFill>
+        <p:spPr>
+          <a:xfrm>
+            <a:off x="7002966" y="3281111"/>
+            <a:ext cx="5029200" cy="3378200"/>
+          </a:xfrm>
+          <a:prstGeom prst="rect">
+            <a:avLst/>
+          </a:prstGeom>
+        </p:spPr>
+      </p:pic>
+    </p:spTree>
+    <p:extLst>
+      <p:ext uri="{BB962C8B-B14F-4D97-AF65-F5344CB8AC3E}">
+        <p14:creationId xmlns:p14="http://schemas.microsoft.com/office/powerpoint/2010/main" val="1346703265"/>
+      </p:ext>
+    </p:extLst>
+  </p:cSld>
+  <p:clrMapOvr>
+    <a:masterClrMapping/>
+  </p:clrMapOvr>
+  <p:timing>
+    <p:tnLst>
+      <p:par>
+        <p:cTn id="1" dur="indefinite" restart="never" nodeType="tmRoot"/>
+      </p:par>
+    </p:tnLst>
+  </p:timing>
+</p:sld>
+</file>
+
+<file path=ppt/slides/slide17.xml><?xml version="1.0" encoding="utf-8"?>
+<p:sld xmlns:a="http://schemas.openxmlformats.org/drawingml/2006/main" xmlns:r="http://schemas.openxmlformats.org/officeDocument/2006/relationships" xmlns:p="http://schemas.openxmlformats.org/presentationml/2006/main">
+  <p:cSld>
+    <p:spTree>
+      <p:nvGrpSpPr>
+        <p:cNvPr id="1" name=""/>
+        <p:cNvGrpSpPr/>
+        <p:nvPr/>
+      </p:nvGrpSpPr>
+      <p:grpSpPr>
+        <a:xfrm>
+          <a:off x="0" y="0"/>
+          <a:ext cx="0" cy="0"/>
+          <a:chOff x="0" y="0"/>
+          <a:chExt cx="0" cy="0"/>
+        </a:xfrm>
+      </p:grpSpPr>
+      <p:sp>
+        <p:nvSpPr>
+          <p:cNvPr id="2" name="Title 1"/>
+          <p:cNvSpPr>
+            <a:spLocks noGrp="1"/>
+          </p:cNvSpPr>
+          <p:nvPr>
+            <p:ph type="title"/>
+          </p:nvPr>
+        </p:nvSpPr>
+        <p:spPr/>
+        <p:txBody>
+          <a:bodyPr/>
+          <a:lstStyle/>
+          <a:p>
+            <a:r>
+              <a:rPr lang="en-US" dirty="0" smtClean="0"/>
+              <a:t>Expanding to Multiple Layers (Backpropagation)</a:t>
+            </a:r>
+            <a:endParaRPr lang="en-US" dirty="0"/>
+          </a:p>
+        </p:txBody>
+      </p:sp>
+      <p:sp>
+        <p:nvSpPr>
+          <p:cNvPr id="92" name="Oval 91"/>
+          <p:cNvSpPr/>
+          <p:nvPr/>
+        </p:nvSpPr>
+        <p:spPr>
+          <a:xfrm>
+            <a:off x="811622" y="2889680"/>
+            <a:ext cx="1403908" cy="731520"/>
+          </a:xfrm>
+          <a:prstGeom prst="ellipse">
+            <a:avLst/>
+          </a:prstGeom>
+        </p:spPr>
+        <p:style>
+          <a:lnRef idx="2">
+            <a:schemeClr val="accent1">
+              <a:shade val="50000"/>
+            </a:schemeClr>
+          </a:lnRef>
+          <a:fillRef idx="1">
+            <a:schemeClr val="accent1"/>
+          </a:fillRef>
+          <a:effectRef idx="0">
+            <a:schemeClr val="accent1"/>
+          </a:effectRef>
+          <a:fontRef idx="minor">
+            <a:schemeClr val="lt1"/>
+          </a:fontRef>
+        </p:style>
+        <p:txBody>
+          <a:bodyPr rtlCol="0" anchor="ctr"/>
+          <a:lstStyle/>
+          <a:p>
+            <a:pPr algn="ctr"/>
+            <a:r>
+              <a:rPr lang="en-US" dirty="0" smtClean="0"/>
+              <a:t>hr. slept</a:t>
+            </a:r>
+            <a:endParaRPr lang="en-US" dirty="0"/>
+          </a:p>
+        </p:txBody>
+      </p:sp>
+      <p:sp>
+        <p:nvSpPr>
+          <p:cNvPr id="93" name="Oval 92"/>
+          <p:cNvSpPr/>
+          <p:nvPr/>
+        </p:nvSpPr>
+        <p:spPr>
+          <a:xfrm>
+            <a:off x="816138" y="4052204"/>
+            <a:ext cx="1399391" cy="731520"/>
+          </a:xfrm>
+          <a:prstGeom prst="ellipse">
+            <a:avLst/>
+          </a:prstGeom>
+        </p:spPr>
+        <p:style>
+          <a:lnRef idx="2">
+            <a:schemeClr val="accent1">
+              <a:shade val="50000"/>
+            </a:schemeClr>
+          </a:lnRef>
+          <a:fillRef idx="1">
+            <a:schemeClr val="accent1"/>
+          </a:fillRef>
+          <a:effectRef idx="0">
+            <a:schemeClr val="accent1"/>
+          </a:effectRef>
+          <a:fontRef idx="minor">
+            <a:schemeClr val="lt1"/>
+          </a:fontRef>
+        </p:style>
+        <p:txBody>
+          <a:bodyPr rtlCol="0" anchor="ctr"/>
+          <a:lstStyle/>
+          <a:p>
+            <a:pPr algn="ctr"/>
+            <a:r>
+              <a:rPr lang="en-US" dirty="0"/>
+              <a:t>h</a:t>
+            </a:r>
+            <a:r>
+              <a:rPr lang="en-US" dirty="0" smtClean="0"/>
+              <a:t>r. studied</a:t>
+            </a:r>
+            <a:endParaRPr lang="en-US" dirty="0"/>
+          </a:p>
+        </p:txBody>
+      </p:sp>
+      <p:sp>
+        <p:nvSpPr>
+          <p:cNvPr id="94" name="Oval 93"/>
+          <p:cNvSpPr/>
+          <p:nvPr/>
+        </p:nvSpPr>
+        <p:spPr>
+          <a:xfrm>
+            <a:off x="4673652" y="3501242"/>
+            <a:ext cx="1183341" cy="731520"/>
+          </a:xfrm>
+          <a:prstGeom prst="ellipse">
+            <a:avLst/>
+          </a:prstGeom>
+        </p:spPr>
+        <p:style>
+          <a:lnRef idx="2">
+            <a:schemeClr val="accent1">
+              <a:shade val="50000"/>
+            </a:schemeClr>
+          </a:lnRef>
+          <a:fillRef idx="1">
+            <a:schemeClr val="accent1"/>
+          </a:fillRef>
+          <a:effectRef idx="0">
+            <a:schemeClr val="accent1"/>
+          </a:effectRef>
+          <a:fontRef idx="minor">
+            <a:schemeClr val="lt1"/>
+          </a:fontRef>
+        </p:style>
+        <p:txBody>
+          <a:bodyPr rtlCol="0" anchor="ctr"/>
+          <a:lstStyle/>
+          <a:p>
+            <a:pPr algn="ctr"/>
+            <a:r>
+              <a:rPr lang="en-US" dirty="0" smtClean="0"/>
+              <a:t>Test grade</a:t>
+            </a:r>
+            <a:endParaRPr lang="en-US" dirty="0"/>
+          </a:p>
+        </p:txBody>
+      </p:sp>
+      <p:cxnSp>
+        <p:nvCxnSpPr>
+          <p:cNvPr id="95" name="Straight Arrow Connector 94"/>
+          <p:cNvCxnSpPr/>
+          <p:nvPr/>
+        </p:nvCxnSpPr>
+        <p:spPr>
+          <a:xfrm flipV="1">
+            <a:off x="2215529" y="3255440"/>
+            <a:ext cx="731277" cy="15938"/>
+          </a:xfrm>
+          <a:prstGeom prst="straightConnector1">
+            <a:avLst/>
+          </a:prstGeom>
+          <a:ln>
+            <a:tailEnd type="triangle"/>
+          </a:ln>
+        </p:spPr>
+        <p:style>
+          <a:lnRef idx="1">
+            <a:schemeClr val="accent1"/>
+          </a:lnRef>
+          <a:fillRef idx="0">
+            <a:schemeClr val="accent1"/>
+          </a:fillRef>
+          <a:effectRef idx="0">
+            <a:schemeClr val="accent1"/>
+          </a:effectRef>
+          <a:fontRef idx="minor">
+            <a:schemeClr val="tx1"/>
+          </a:fontRef>
+        </p:style>
+      </p:cxnSp>
+      <p:cxnSp>
+        <p:nvCxnSpPr>
+          <p:cNvPr id="96" name="Straight Arrow Connector 95"/>
+          <p:cNvCxnSpPr/>
+          <p:nvPr/>
+        </p:nvCxnSpPr>
+        <p:spPr>
+          <a:xfrm>
+            <a:off x="2215529" y="4417964"/>
+            <a:ext cx="731277" cy="0"/>
+          </a:xfrm>
+          <a:prstGeom prst="straightConnector1">
+            <a:avLst/>
+          </a:prstGeom>
+          <a:ln>
+            <a:tailEnd type="triangle"/>
+          </a:ln>
+        </p:spPr>
+        <p:style>
+          <a:lnRef idx="1">
+            <a:schemeClr val="accent1"/>
+          </a:lnRef>
+          <a:fillRef idx="0">
+            <a:schemeClr val="accent1"/>
+          </a:fillRef>
+          <a:effectRef idx="0">
+            <a:schemeClr val="accent1"/>
+          </a:effectRef>
+          <a:fontRef idx="minor">
+            <a:schemeClr val="tx1"/>
+          </a:fontRef>
+        </p:style>
+      </p:cxnSp>
+      <p:sp>
+        <p:nvSpPr>
+          <p:cNvPr id="99" name="Oval 98"/>
+          <p:cNvSpPr/>
+          <p:nvPr/>
+        </p:nvSpPr>
+        <p:spPr>
+          <a:xfrm>
+            <a:off x="2946806" y="2889680"/>
+            <a:ext cx="1183341" cy="731520"/>
+          </a:xfrm>
+          <a:prstGeom prst="ellipse">
+            <a:avLst/>
+          </a:prstGeom>
+        </p:spPr>
+        <p:style>
+          <a:lnRef idx="2">
+            <a:schemeClr val="accent1">
+              <a:shade val="50000"/>
+            </a:schemeClr>
+          </a:lnRef>
+          <a:fillRef idx="1">
+            <a:schemeClr val="accent1"/>
+          </a:fillRef>
+          <a:effectRef idx="0">
+            <a:schemeClr val="accent1"/>
+          </a:effectRef>
+          <a:fontRef idx="minor">
+            <a:schemeClr val="lt1"/>
+          </a:fontRef>
+        </p:style>
+        <p:txBody>
+          <a:bodyPr rtlCol="0" anchor="ctr"/>
+          <a:lstStyle/>
+          <a:p>
+            <a:pPr algn="ctr"/>
+            <a:r>
+              <a:rPr lang="en-US" dirty="0" smtClean="0"/>
+              <a:t>h1</a:t>
+            </a:r>
+            <a:endParaRPr lang="en-US" dirty="0"/>
+          </a:p>
+        </p:txBody>
+      </p:sp>
+      <p:sp>
+        <p:nvSpPr>
+          <p:cNvPr id="100" name="Oval 99"/>
+          <p:cNvSpPr/>
+          <p:nvPr/>
+        </p:nvSpPr>
+        <p:spPr>
+          <a:xfrm>
+            <a:off x="2946806" y="4052204"/>
+            <a:ext cx="1183341" cy="731520"/>
+          </a:xfrm>
+          <a:prstGeom prst="ellipse">
+            <a:avLst/>
+          </a:prstGeom>
+        </p:spPr>
+        <p:style>
+          <a:lnRef idx="2">
+            <a:schemeClr val="accent1">
+              <a:shade val="50000"/>
+            </a:schemeClr>
+          </a:lnRef>
+          <a:fillRef idx="1">
+            <a:schemeClr val="accent1"/>
+          </a:fillRef>
+          <a:effectRef idx="0">
+            <a:schemeClr val="accent1"/>
+          </a:effectRef>
+          <a:fontRef idx="minor">
+            <a:schemeClr val="lt1"/>
+          </a:fontRef>
+        </p:style>
+        <p:txBody>
+          <a:bodyPr rtlCol="0" anchor="ctr"/>
+          <a:lstStyle/>
+          <a:p>
+            <a:pPr algn="ctr"/>
+            <a:r>
+              <a:rPr lang="en-US" dirty="0" smtClean="0"/>
+              <a:t>h2</a:t>
+            </a:r>
+            <a:endParaRPr lang="en-US" dirty="0"/>
+          </a:p>
+        </p:txBody>
+      </p:sp>
+      <p:cxnSp>
+        <p:nvCxnSpPr>
+          <p:cNvPr id="101" name="Straight Arrow Connector 100"/>
+          <p:cNvCxnSpPr/>
+          <p:nvPr/>
+        </p:nvCxnSpPr>
+        <p:spPr>
+          <a:xfrm flipV="1">
+            <a:off x="2215529" y="3255440"/>
+            <a:ext cx="731277" cy="1162524"/>
+          </a:xfrm>
+          <a:prstGeom prst="straightConnector1">
+            <a:avLst/>
+          </a:prstGeom>
+          <a:ln>
+            <a:tailEnd type="triangle"/>
+          </a:ln>
+        </p:spPr>
+        <p:style>
+          <a:lnRef idx="1">
+            <a:schemeClr val="accent1"/>
+          </a:lnRef>
+          <a:fillRef idx="0">
+            <a:schemeClr val="accent1"/>
+          </a:fillRef>
+          <a:effectRef idx="0">
+            <a:schemeClr val="accent1"/>
+          </a:effectRef>
+          <a:fontRef idx="minor">
+            <a:schemeClr val="tx1"/>
+          </a:fontRef>
+        </p:style>
+      </p:cxnSp>
+      <p:cxnSp>
+        <p:nvCxnSpPr>
+          <p:cNvPr id="102" name="Straight Arrow Connector 101"/>
+          <p:cNvCxnSpPr>
+            <a:stCxn id="96" idx="6"/>
+          </p:cNvCxnSpPr>
+          <p:nvPr/>
+        </p:nvCxnSpPr>
+        <p:spPr>
+          <a:xfrm>
+            <a:off x="2215530" y="3255440"/>
+            <a:ext cx="731276" cy="1162524"/>
+          </a:xfrm>
+          <a:prstGeom prst="straightConnector1">
+            <a:avLst/>
+          </a:prstGeom>
+          <a:ln>
+            <a:tailEnd type="triangle"/>
+          </a:ln>
+        </p:spPr>
+        <p:style>
+          <a:lnRef idx="1">
+            <a:schemeClr val="accent1"/>
+          </a:lnRef>
+          <a:fillRef idx="0">
+            <a:schemeClr val="accent1"/>
+          </a:fillRef>
+          <a:effectRef idx="0">
+            <a:schemeClr val="accent1"/>
+          </a:effectRef>
+          <a:fontRef idx="minor">
+            <a:schemeClr val="tx1"/>
+          </a:fontRef>
+        </p:style>
+      </p:cxnSp>
+      <p:cxnSp>
+        <p:nvCxnSpPr>
+          <p:cNvPr id="103" name="Straight Arrow Connector 102"/>
+          <p:cNvCxnSpPr/>
+          <p:nvPr/>
+        </p:nvCxnSpPr>
+        <p:spPr>
+          <a:xfrm>
+            <a:off x="4130147" y="3255440"/>
+            <a:ext cx="543505" cy="611562"/>
+          </a:xfrm>
+          <a:prstGeom prst="straightConnector1">
+            <a:avLst/>
+          </a:prstGeom>
+          <a:ln>
+            <a:tailEnd type="triangle"/>
+          </a:ln>
+        </p:spPr>
+        <p:style>
+          <a:lnRef idx="1">
+            <a:schemeClr val="accent1"/>
+          </a:lnRef>
+          <a:fillRef idx="0">
+            <a:schemeClr val="accent1"/>
+          </a:fillRef>
+          <a:effectRef idx="0">
+            <a:schemeClr val="accent1"/>
+          </a:effectRef>
+          <a:fontRef idx="minor">
+            <a:schemeClr val="tx1"/>
+          </a:fontRef>
+        </p:style>
+      </p:cxnSp>
+      <p:cxnSp>
+        <p:nvCxnSpPr>
+          <p:cNvPr id="104" name="Straight Arrow Connector 103"/>
+          <p:cNvCxnSpPr/>
+          <p:nvPr/>
+        </p:nvCxnSpPr>
+        <p:spPr>
+          <a:xfrm flipV="1">
+            <a:off x="4130147" y="3867002"/>
+            <a:ext cx="543505" cy="550962"/>
+          </a:xfrm>
+          <a:prstGeom prst="straightConnector1">
+            <a:avLst/>
+          </a:prstGeom>
+          <a:ln>
+            <a:tailEnd type="triangle"/>
+          </a:ln>
+        </p:spPr>
+        <p:style>
+          <a:lnRef idx="1">
+            <a:schemeClr val="accent1"/>
+          </a:lnRef>
+          <a:fillRef idx="0">
+            <a:schemeClr val="accent1"/>
+          </a:fillRef>
+          <a:effectRef idx="0">
+            <a:schemeClr val="accent1"/>
+          </a:effectRef>
+          <a:fontRef idx="minor">
+            <a:schemeClr val="tx1"/>
+          </a:fontRef>
+        </p:style>
+      </p:cxnSp>
+      <p:sp>
+        <p:nvSpPr>
+          <p:cNvPr id="105" name="TextBox 104"/>
+          <p:cNvSpPr txBox="1"/>
+          <p:nvPr/>
+        </p:nvSpPr>
+        <p:spPr>
+          <a:xfrm>
+            <a:off x="2269079" y="2897545"/>
+            <a:ext cx="758541" cy="369332"/>
+          </a:xfrm>
+          <a:prstGeom prst="rect">
+            <a:avLst/>
+          </a:prstGeom>
+          <a:noFill/>
+        </p:spPr>
+        <p:txBody>
+          <a:bodyPr wrap="none" rtlCol="0">
+            <a:spAutoFit/>
+          </a:bodyPr>
+          <a:lstStyle/>
+          <a:p>
+            <a:r>
+              <a:rPr lang="en-US" dirty="0" smtClean="0"/>
+              <a:t>w = -1</a:t>
+            </a:r>
+            <a:endParaRPr lang="en-US" dirty="0"/>
+          </a:p>
+        </p:txBody>
+      </p:sp>
+      <p:sp>
+        <p:nvSpPr>
+          <p:cNvPr id="112" name="TextBox 111"/>
+          <p:cNvSpPr txBox="1"/>
+          <p:nvPr/>
+        </p:nvSpPr>
+        <p:spPr>
+          <a:xfrm>
+            <a:off x="1204082" y="4830202"/>
+            <a:ext cx="681597" cy="369332"/>
+          </a:xfrm>
+          <a:prstGeom prst="rect">
+            <a:avLst/>
+          </a:prstGeom>
+          <a:noFill/>
+        </p:spPr>
+        <p:txBody>
+          <a:bodyPr wrap="none" rtlCol="0">
+            <a:spAutoFit/>
+          </a:bodyPr>
+          <a:lstStyle/>
+          <a:p>
+            <a:r>
+              <a:rPr lang="en-US"/>
+              <a:t>v</a:t>
+            </a:r>
+            <a:r>
+              <a:rPr lang="en-US" smtClean="0"/>
+              <a:t>al</a:t>
+            </a:r>
+            <a:r>
+              <a:rPr lang="en-US" dirty="0" smtClean="0"/>
+              <a:t>=5</a:t>
+            </a:r>
+            <a:endParaRPr lang="en-US" dirty="0"/>
+          </a:p>
+        </p:txBody>
+      </p:sp>
+      <p:sp>
+        <p:nvSpPr>
+          <p:cNvPr id="113" name="TextBox 112"/>
+          <p:cNvSpPr txBox="1"/>
+          <p:nvPr/>
+        </p:nvSpPr>
+        <p:spPr>
+          <a:xfrm>
+            <a:off x="2181969" y="4503549"/>
+            <a:ext cx="764836" cy="369332"/>
+          </a:xfrm>
+          <a:prstGeom prst="rect">
+            <a:avLst/>
+          </a:prstGeom>
+          <a:noFill/>
+        </p:spPr>
+        <p:txBody>
+          <a:bodyPr wrap="square" rtlCol="0">
+            <a:spAutoFit/>
+          </a:bodyPr>
+          <a:lstStyle/>
+          <a:p>
+            <a:r>
+              <a:rPr lang="en-US" dirty="0" smtClean="0"/>
+              <a:t>w = 2</a:t>
+            </a:r>
+            <a:endParaRPr lang="en-US" dirty="0"/>
+          </a:p>
+        </p:txBody>
+      </p:sp>
+      <p:sp>
+        <p:nvSpPr>
+          <p:cNvPr id="114" name="TextBox 113"/>
+          <p:cNvSpPr txBox="1"/>
+          <p:nvPr/>
+        </p:nvSpPr>
+        <p:spPr>
+          <a:xfrm>
+            <a:off x="5856993" y="3652036"/>
+            <a:ext cx="418704" cy="369332"/>
+          </a:xfrm>
+          <a:prstGeom prst="rect">
+            <a:avLst/>
+          </a:prstGeom>
+          <a:noFill/>
+        </p:spPr>
+        <p:txBody>
+          <a:bodyPr wrap="none" rtlCol="0">
+            <a:spAutoFit/>
+          </a:bodyPr>
+          <a:lstStyle/>
+          <a:p>
+            <a:r>
+              <a:rPr lang="en-US" dirty="0"/>
+              <a:t>5</a:t>
+            </a:r>
+            <a:r>
+              <a:rPr lang="en-US" dirty="0" smtClean="0"/>
+              <a:t>8</a:t>
+            </a:r>
+            <a:endParaRPr lang="en-US" dirty="0"/>
+          </a:p>
+        </p:txBody>
+      </p:sp>
+      <p:sp>
+        <p:nvSpPr>
+          <p:cNvPr id="115" name="TextBox 114"/>
+          <p:cNvSpPr txBox="1"/>
+          <p:nvPr/>
+        </p:nvSpPr>
+        <p:spPr>
+          <a:xfrm>
+            <a:off x="1204082" y="2528213"/>
+            <a:ext cx="699359" cy="369332"/>
+          </a:xfrm>
+          <a:prstGeom prst="rect">
+            <a:avLst/>
+          </a:prstGeom>
+          <a:noFill/>
+        </p:spPr>
+        <p:txBody>
+          <a:bodyPr wrap="none" rtlCol="0">
+            <a:spAutoFit/>
+          </a:bodyPr>
+          <a:lstStyle/>
+          <a:p>
+            <a:r>
+              <a:rPr lang="en-US" smtClean="0"/>
+              <a:t>val</a:t>
+            </a:r>
+            <a:r>
+              <a:rPr lang="en-US" dirty="0" smtClean="0"/>
+              <a:t>=8</a:t>
+            </a:r>
+            <a:endParaRPr lang="en-US" dirty="0"/>
+          </a:p>
+        </p:txBody>
+      </p:sp>
+      <p:sp>
+        <p:nvSpPr>
+          <p:cNvPr id="116" name="TextBox 115"/>
+          <p:cNvSpPr txBox="1"/>
+          <p:nvPr/>
+        </p:nvSpPr>
+        <p:spPr>
+          <a:xfrm>
+            <a:off x="2648917" y="3856950"/>
+            <a:ext cx="764836" cy="369332"/>
+          </a:xfrm>
+          <a:prstGeom prst="rect">
+            <a:avLst/>
+          </a:prstGeom>
+          <a:noFill/>
+        </p:spPr>
+        <p:txBody>
+          <a:bodyPr wrap="square" rtlCol="0">
+            <a:spAutoFit/>
+          </a:bodyPr>
+          <a:lstStyle/>
+          <a:p>
+            <a:r>
+              <a:rPr lang="en-US" dirty="0" smtClean="0"/>
+              <a:t>w = 1</a:t>
+            </a:r>
+            <a:endParaRPr lang="en-US" dirty="0"/>
+          </a:p>
+        </p:txBody>
+      </p:sp>
+      <p:sp>
+        <p:nvSpPr>
+          <p:cNvPr id="117" name="TextBox 116"/>
+          <p:cNvSpPr txBox="1"/>
+          <p:nvPr/>
+        </p:nvSpPr>
+        <p:spPr>
+          <a:xfrm>
+            <a:off x="2651245" y="3426779"/>
+            <a:ext cx="764836" cy="369332"/>
+          </a:xfrm>
+          <a:prstGeom prst="rect">
+            <a:avLst/>
+          </a:prstGeom>
+          <a:noFill/>
+        </p:spPr>
+        <p:txBody>
+          <a:bodyPr wrap="square" rtlCol="0">
+            <a:spAutoFit/>
+          </a:bodyPr>
+          <a:lstStyle/>
+          <a:p>
+            <a:r>
+              <a:rPr lang="en-US" dirty="0" smtClean="0"/>
+              <a:t>w = </a:t>
+            </a:r>
+            <a:r>
+              <a:rPr lang="en-US" dirty="0" smtClean="0"/>
+              <a:t>3</a:t>
+            </a:r>
+            <a:endParaRPr lang="en-US" dirty="0"/>
+          </a:p>
+        </p:txBody>
+      </p:sp>
+      <p:sp>
+        <p:nvSpPr>
+          <p:cNvPr id="118" name="TextBox 117"/>
+          <p:cNvSpPr txBox="1"/>
+          <p:nvPr/>
+        </p:nvSpPr>
+        <p:spPr>
+          <a:xfrm>
+            <a:off x="3188796" y="4777047"/>
+            <a:ext cx="798617" cy="369332"/>
+          </a:xfrm>
+          <a:prstGeom prst="rect">
+            <a:avLst/>
+          </a:prstGeom>
+          <a:noFill/>
+        </p:spPr>
+        <p:txBody>
+          <a:bodyPr wrap="none" rtlCol="0">
+            <a:spAutoFit/>
+          </a:bodyPr>
+          <a:lstStyle/>
+          <a:p>
+            <a:r>
+              <a:rPr lang="en-US" dirty="0" err="1" smtClean="0"/>
+              <a:t>val</a:t>
+            </a:r>
+            <a:r>
+              <a:rPr lang="en-US" dirty="0" smtClean="0"/>
+              <a:t>=18</a:t>
+            </a:r>
+            <a:endParaRPr lang="en-US" dirty="0"/>
+          </a:p>
+        </p:txBody>
+      </p:sp>
+      <p:sp>
+        <p:nvSpPr>
+          <p:cNvPr id="119" name="TextBox 118"/>
+          <p:cNvSpPr txBox="1"/>
+          <p:nvPr/>
+        </p:nvSpPr>
+        <p:spPr>
+          <a:xfrm>
+            <a:off x="3149286" y="2535146"/>
+            <a:ext cx="699359" cy="369332"/>
+          </a:xfrm>
+          <a:prstGeom prst="rect">
+            <a:avLst/>
+          </a:prstGeom>
+          <a:noFill/>
+        </p:spPr>
+        <p:txBody>
+          <a:bodyPr wrap="none" rtlCol="0">
+            <a:spAutoFit/>
+          </a:bodyPr>
+          <a:lstStyle/>
+          <a:p>
+            <a:r>
+              <a:rPr lang="en-US" dirty="0" err="1" smtClean="0"/>
+              <a:t>val</a:t>
+            </a:r>
+            <a:r>
+              <a:rPr lang="en-US" dirty="0" smtClean="0"/>
+              <a:t>=7</a:t>
+            </a:r>
+            <a:endParaRPr lang="en-US" dirty="0"/>
+          </a:p>
+        </p:txBody>
+      </p:sp>
+      <p:sp>
+        <p:nvSpPr>
+          <p:cNvPr id="121" name="TextBox 120"/>
+          <p:cNvSpPr txBox="1"/>
+          <p:nvPr/>
+        </p:nvSpPr>
+        <p:spPr>
+          <a:xfrm>
+            <a:off x="4210961" y="3086712"/>
+            <a:ext cx="764836" cy="369332"/>
+          </a:xfrm>
+          <a:prstGeom prst="rect">
+            <a:avLst/>
+          </a:prstGeom>
+          <a:noFill/>
+        </p:spPr>
+        <p:txBody>
+          <a:bodyPr wrap="square" rtlCol="0">
+            <a:spAutoFit/>
+          </a:bodyPr>
+          <a:lstStyle/>
+          <a:p>
+            <a:r>
+              <a:rPr lang="en-US" dirty="0" smtClean="0"/>
+              <a:t>w = </a:t>
+            </a:r>
+            <a:r>
+              <a:rPr lang="en-US" dirty="0" smtClean="0"/>
+              <a:t>-2</a:t>
+            </a:r>
+            <a:endParaRPr lang="en-US" dirty="0"/>
+          </a:p>
+        </p:txBody>
+      </p:sp>
+      <p:sp>
+        <p:nvSpPr>
+          <p:cNvPr id="122" name="TextBox 121"/>
+          <p:cNvSpPr txBox="1"/>
+          <p:nvPr/>
+        </p:nvSpPr>
+        <p:spPr>
+          <a:xfrm>
+            <a:off x="4254948" y="4133450"/>
+            <a:ext cx="764836" cy="369332"/>
+          </a:xfrm>
+          <a:prstGeom prst="rect">
+            <a:avLst/>
+          </a:prstGeom>
+          <a:noFill/>
+        </p:spPr>
+        <p:txBody>
+          <a:bodyPr wrap="square" rtlCol="0">
+            <a:spAutoFit/>
+          </a:bodyPr>
+          <a:lstStyle/>
+          <a:p>
+            <a:r>
+              <a:rPr lang="en-US" dirty="0" smtClean="0"/>
+              <a:t>w = </a:t>
+            </a:r>
+            <a:r>
+              <a:rPr lang="en-US" dirty="0" smtClean="0"/>
+              <a:t>4</a:t>
+            </a:r>
+            <a:endParaRPr lang="en-US" dirty="0"/>
+          </a:p>
+        </p:txBody>
+      </p:sp>
+      <p:sp>
+        <p:nvSpPr>
+          <p:cNvPr id="124" name="TextBox 123"/>
+          <p:cNvSpPr txBox="1"/>
+          <p:nvPr/>
+        </p:nvSpPr>
+        <p:spPr>
+          <a:xfrm>
+            <a:off x="5433264" y="4460668"/>
+            <a:ext cx="1669047" cy="369332"/>
+          </a:xfrm>
+          <a:prstGeom prst="rect">
+            <a:avLst/>
+          </a:prstGeom>
+        </p:spPr>
+        <p:style>
+          <a:lnRef idx="3">
+            <a:schemeClr val="lt1"/>
+          </a:lnRef>
+          <a:fillRef idx="1">
+            <a:schemeClr val="accent1"/>
+          </a:fillRef>
+          <a:effectRef idx="1">
+            <a:schemeClr val="accent1"/>
+          </a:effectRef>
+          <a:fontRef idx="minor">
+            <a:schemeClr val="lt1"/>
+          </a:fontRef>
+        </p:style>
+        <p:txBody>
+          <a:bodyPr wrap="none" rtlCol="0">
+            <a:spAutoFit/>
+          </a:bodyPr>
+          <a:lstStyle/>
+          <a:p>
+            <a:r>
+              <a:rPr lang="en-US" dirty="0" smtClean="0"/>
+              <a:t>Target value: 80</a:t>
+            </a:r>
+            <a:endParaRPr lang="en-US" dirty="0"/>
+          </a:p>
+        </p:txBody>
+      </p:sp>
+      <p:sp>
+        <p:nvSpPr>
+          <p:cNvPr id="125" name="TextBox 124"/>
+          <p:cNvSpPr txBox="1"/>
+          <p:nvPr/>
+        </p:nvSpPr>
+        <p:spPr>
+          <a:xfrm>
+            <a:off x="979302" y="2022291"/>
+            <a:ext cx="5827814" cy="369332"/>
+          </a:xfrm>
+          <a:prstGeom prst="rect">
+            <a:avLst/>
+          </a:prstGeom>
+        </p:spPr>
+        <p:style>
+          <a:lnRef idx="3">
+            <a:schemeClr val="lt1"/>
+          </a:lnRef>
+          <a:fillRef idx="1">
+            <a:schemeClr val="accent1"/>
+          </a:fillRef>
+          <a:effectRef idx="1">
+            <a:schemeClr val="accent1"/>
+          </a:effectRef>
+          <a:fontRef idx="minor">
+            <a:schemeClr val="lt1"/>
+          </a:fontRef>
+        </p:style>
+        <p:txBody>
+          <a:bodyPr wrap="none" rtlCol="0">
+            <a:spAutoFit/>
+          </a:bodyPr>
+          <a:lstStyle/>
+          <a:p>
+            <a:r>
+              <a:rPr lang="en-US" dirty="0" smtClean="0"/>
+              <a:t>Assume each hidden layer has the </a:t>
+            </a:r>
+            <a:r>
+              <a:rPr lang="en-US" dirty="0" err="1" smtClean="0"/>
+              <a:t>ReLu</a:t>
+            </a:r>
+            <a:r>
+              <a:rPr lang="en-US" dirty="0" smtClean="0"/>
+              <a:t> activation function.</a:t>
+            </a:r>
+            <a:endParaRPr lang="en-US" dirty="0"/>
+          </a:p>
+        </p:txBody>
+      </p:sp>
+      <p:sp>
+        <p:nvSpPr>
+          <p:cNvPr id="126" name="TextBox 125"/>
+          <p:cNvSpPr txBox="1"/>
+          <p:nvPr/>
+        </p:nvSpPr>
+        <p:spPr>
+          <a:xfrm>
+            <a:off x="4130147" y="2812818"/>
+            <a:ext cx="883529" cy="369332"/>
+          </a:xfrm>
+          <a:prstGeom prst="rect">
+            <a:avLst/>
+          </a:prstGeom>
+          <a:noFill/>
+        </p:spPr>
+        <p:txBody>
+          <a:bodyPr wrap="square" rtlCol="0">
+            <a:spAutoFit/>
+          </a:bodyPr>
+          <a:lstStyle/>
+          <a:p>
+            <a:r>
+              <a:rPr lang="en-US" dirty="0" smtClean="0">
+                <a:solidFill>
+                  <a:srgbClr val="FF0000"/>
+                </a:solidFill>
+              </a:rPr>
+              <a:t>g= </a:t>
+            </a:r>
+            <a:r>
+              <a:rPr lang="is-IS" dirty="0">
+                <a:solidFill>
+                  <a:srgbClr val="FF0000"/>
+                </a:solidFill>
+              </a:rPr>
+              <a:t>308</a:t>
+            </a:r>
+            <a:endParaRPr lang="en-US" dirty="0">
+              <a:solidFill>
+                <a:srgbClr val="FF0000"/>
+              </a:solidFill>
+            </a:endParaRPr>
+          </a:p>
+        </p:txBody>
+      </p:sp>
+      <p:sp>
+        <p:nvSpPr>
+          <p:cNvPr id="127" name="TextBox 126"/>
+          <p:cNvSpPr txBox="1"/>
+          <p:nvPr/>
+        </p:nvSpPr>
+        <p:spPr>
+          <a:xfrm>
+            <a:off x="4145442" y="4390622"/>
+            <a:ext cx="874342" cy="369332"/>
+          </a:xfrm>
+          <a:prstGeom prst="rect">
+            <a:avLst/>
+          </a:prstGeom>
+          <a:noFill/>
+        </p:spPr>
+        <p:txBody>
+          <a:bodyPr wrap="square" rtlCol="0">
+            <a:spAutoFit/>
+          </a:bodyPr>
+          <a:lstStyle/>
+          <a:p>
+            <a:r>
+              <a:rPr lang="en-US" dirty="0" smtClean="0">
+                <a:solidFill>
+                  <a:srgbClr val="FF0000"/>
+                </a:solidFill>
+              </a:rPr>
+              <a:t>g= </a:t>
+            </a:r>
+            <a:r>
+              <a:rPr lang="fi-FI" dirty="0">
+                <a:solidFill>
+                  <a:srgbClr val="FF0000"/>
+                </a:solidFill>
+              </a:rPr>
+              <a:t>792</a:t>
+            </a:r>
+            <a:endParaRPr lang="en-US" dirty="0">
+              <a:solidFill>
+                <a:srgbClr val="FF0000"/>
+              </a:solidFill>
+            </a:endParaRPr>
+          </a:p>
+        </p:txBody>
+      </p:sp>
+      <p:sp>
+        <p:nvSpPr>
+          <p:cNvPr id="128" name="TextBox 127"/>
+          <p:cNvSpPr txBox="1"/>
+          <p:nvPr/>
+        </p:nvSpPr>
+        <p:spPr>
+          <a:xfrm>
+            <a:off x="2063277" y="2620828"/>
+            <a:ext cx="977668" cy="369332"/>
+          </a:xfrm>
+          <a:prstGeom prst="rect">
+            <a:avLst/>
+          </a:prstGeom>
+          <a:noFill/>
+        </p:spPr>
+        <p:txBody>
+          <a:bodyPr wrap="square" rtlCol="0">
+            <a:spAutoFit/>
+          </a:bodyPr>
+          <a:lstStyle/>
+          <a:p>
+            <a:r>
+              <a:rPr lang="en-US" dirty="0" smtClean="0">
+                <a:solidFill>
+                  <a:srgbClr val="FF0000"/>
+                </a:solidFill>
+              </a:rPr>
+              <a:t>g= </a:t>
+            </a:r>
+            <a:r>
+              <a:rPr lang="is-IS" dirty="0">
+                <a:solidFill>
+                  <a:srgbClr val="FF0000"/>
+                </a:solidFill>
+              </a:rPr>
+              <a:t>2464</a:t>
+            </a:r>
+            <a:endParaRPr lang="en-US" dirty="0">
+              <a:solidFill>
+                <a:srgbClr val="FF0000"/>
+              </a:solidFill>
+            </a:endParaRPr>
+          </a:p>
+        </p:txBody>
+      </p:sp>
+      <p:sp>
+        <p:nvSpPr>
+          <p:cNvPr id="129" name="TextBox 128"/>
+          <p:cNvSpPr txBox="1"/>
+          <p:nvPr/>
+        </p:nvSpPr>
+        <p:spPr>
+          <a:xfrm>
+            <a:off x="2063277" y="4838380"/>
+            <a:ext cx="967490" cy="369332"/>
+          </a:xfrm>
+          <a:prstGeom prst="rect">
+            <a:avLst/>
+          </a:prstGeom>
+          <a:noFill/>
+        </p:spPr>
+        <p:txBody>
+          <a:bodyPr wrap="square" rtlCol="0">
+            <a:spAutoFit/>
+          </a:bodyPr>
+          <a:lstStyle/>
+          <a:p>
+            <a:r>
+              <a:rPr lang="en-US" dirty="0" smtClean="0">
+                <a:solidFill>
+                  <a:srgbClr val="FF0000"/>
+                </a:solidFill>
+              </a:rPr>
+              <a:t>g= </a:t>
+            </a:r>
+            <a:r>
+              <a:rPr lang="uk-UA" dirty="0">
+                <a:solidFill>
+                  <a:srgbClr val="FF0000"/>
+                </a:solidFill>
+              </a:rPr>
+              <a:t>3960</a:t>
+            </a:r>
+            <a:endParaRPr lang="en-US" dirty="0">
+              <a:solidFill>
+                <a:srgbClr val="FF0000"/>
+              </a:solidFill>
+            </a:endParaRPr>
+          </a:p>
+        </p:txBody>
+      </p:sp>
+      <p:sp>
+        <p:nvSpPr>
+          <p:cNvPr id="130" name="TextBox 129"/>
+          <p:cNvSpPr txBox="1"/>
+          <p:nvPr/>
+        </p:nvSpPr>
+        <p:spPr>
+          <a:xfrm>
+            <a:off x="979302" y="5493175"/>
+            <a:ext cx="7797391" cy="646331"/>
+          </a:xfrm>
+          <a:prstGeom prst="rect">
+            <a:avLst/>
+          </a:prstGeom>
+        </p:spPr>
+        <p:style>
+          <a:lnRef idx="3">
+            <a:schemeClr val="lt1"/>
+          </a:lnRef>
+          <a:fillRef idx="1">
+            <a:schemeClr val="accent1"/>
+          </a:fillRef>
+          <a:effectRef idx="1">
+            <a:schemeClr val="accent1"/>
+          </a:effectRef>
+          <a:fontRef idx="minor">
+            <a:schemeClr val="lt1"/>
+          </a:fontRef>
+        </p:style>
+        <p:txBody>
+          <a:bodyPr wrap="none" rtlCol="0">
+            <a:spAutoFit/>
+          </a:bodyPr>
+          <a:lstStyle/>
+          <a:p>
+            <a:r>
+              <a:rPr lang="en-US" dirty="0" smtClean="0"/>
+              <a:t>Note: the slope of the loss function for a weight in layer </a:t>
+            </a:r>
+            <a:r>
+              <a:rPr lang="en-US" dirty="0" err="1" smtClean="0"/>
+              <a:t>i</a:t>
+            </a:r>
+            <a:r>
+              <a:rPr lang="en-US" dirty="0" smtClean="0"/>
+              <a:t> is the adjustment </a:t>
+            </a:r>
+            <a:r>
+              <a:rPr lang="en-US" dirty="0"/>
+              <a:t>slope </a:t>
+            </a:r>
+            <a:endParaRPr lang="en-US" dirty="0" smtClean="0"/>
+          </a:p>
+          <a:p>
+            <a:r>
+              <a:rPr lang="en-US" dirty="0" smtClean="0"/>
+              <a:t>(previously calculated) for its following weight </a:t>
+            </a:r>
+            <a:r>
+              <a:rPr lang="en-US" dirty="0"/>
+              <a:t>in layer i+1</a:t>
+            </a:r>
+            <a:r>
+              <a:rPr lang="en-US" dirty="0" smtClean="0"/>
+              <a:t> </a:t>
+            </a:r>
+            <a:endParaRPr lang="en-US" dirty="0"/>
+          </a:p>
+        </p:txBody>
+      </p:sp>
+    </p:spTree>
+    <p:extLst>
+      <p:ext uri="{BB962C8B-B14F-4D97-AF65-F5344CB8AC3E}">
+        <p14:creationId xmlns:p14="http://schemas.microsoft.com/office/powerpoint/2010/main" val="1182310231"/>
+      </p:ext>
+    </p:extLst>
+  </p:cSld>
+  <p:clrMapOvr>
+    <a:masterClrMapping/>
+  </p:clrMapOvr>
+  <p:timing>
+    <p:tnLst>
+      <p:par>
+        <p:cTn id="1" dur="indefinite" restart="never" nodeType="tmRoot">
+          <p:childTnLst>
+            <p:seq concurrent="1" nextAc="seek">
+              <p:cTn id="2" dur="indefinite" nodeType="mainSeq">
+                <p:childTnLst>
+                  <p:par>
+                    <p:cTn id="3" fill="hold">
+                      <p:stCondLst>
+                        <p:cond delay="indefinite"/>
+                      </p:stCondLst>
+                      <p:childTnLst>
+                        <p:par>
+                          <p:cTn id="4" fill="hold">
+                            <p:stCondLst>
+                              <p:cond delay="0"/>
+                            </p:stCondLst>
+                            <p:childTnLst>
+                              <p:par>
+                                <p:cTn id="5" presetID="2" presetClass="entr" presetSubtype="4" fill="hold" grpId="0" nodeType="clickEffect">
+                                  <p:stCondLst>
+                                    <p:cond delay="0"/>
+                                  </p:stCondLst>
+                                  <p:childTnLst>
+                                    <p:set>
+                                      <p:cBhvr>
+                                        <p:cTn id="6" dur="1" fill="hold">
+                                          <p:stCondLst>
+                                            <p:cond delay="0"/>
+                                          </p:stCondLst>
+                                        </p:cTn>
+                                        <p:tgtEl>
+                                          <p:spTgt spid="126"/>
+                                        </p:tgtEl>
+                                        <p:attrNameLst>
+                                          <p:attrName>style.visibility</p:attrName>
+                                        </p:attrNameLst>
+                                      </p:cBhvr>
+                                      <p:to>
+                                        <p:strVal val="visible"/>
+                                      </p:to>
+                                    </p:set>
+                                    <p:anim calcmode="lin" valueType="num">
+                                      <p:cBhvr additive="base">
+                                        <p:cTn id="7" dur="500" fill="hold"/>
+                                        <p:tgtEl>
+                                          <p:spTgt spid="126"/>
+                                        </p:tgtEl>
+                                        <p:attrNameLst>
+                                          <p:attrName>ppt_x</p:attrName>
+                                        </p:attrNameLst>
+                                      </p:cBhvr>
+                                      <p:tavLst>
+                                        <p:tav tm="0">
+                                          <p:val>
+                                            <p:strVal val="#ppt_x"/>
+                                          </p:val>
+                                        </p:tav>
+                                        <p:tav tm="100000">
+                                          <p:val>
+                                            <p:strVal val="#ppt_x"/>
+                                          </p:val>
+                                        </p:tav>
+                                      </p:tavLst>
+                                    </p:anim>
+                                    <p:anim calcmode="lin" valueType="num">
+                                      <p:cBhvr additive="base">
+                                        <p:cTn id="8" dur="500" fill="hold"/>
+                                        <p:tgtEl>
+                                          <p:spTgt spid="126"/>
+                                        </p:tgtEl>
+                                        <p:attrNameLst>
+                                          <p:attrName>ppt_y</p:attrName>
+                                        </p:attrNameLst>
+                                      </p:cBhvr>
+                                      <p:tavLst>
+                                        <p:tav tm="0">
+                                          <p:val>
+                                            <p:strVal val="1+#ppt_h/2"/>
+                                          </p:val>
+                                        </p:tav>
+                                        <p:tav tm="100000">
+                                          <p:val>
+                                            <p:strVal val="#ppt_y"/>
+                                          </p:val>
+                                        </p:tav>
+                                      </p:tavLst>
+                                    </p:anim>
+                                  </p:childTnLst>
+                                </p:cTn>
+                              </p:par>
+                              <p:par>
+                                <p:cTn id="9" presetID="2" presetClass="entr" presetSubtype="4" fill="hold" grpId="1" nodeType="withEffect">
+                                  <p:stCondLst>
+                                    <p:cond delay="0"/>
+                                  </p:stCondLst>
+                                  <p:childTnLst>
+                                    <p:set>
+                                      <p:cBhvr>
+                                        <p:cTn id="10" dur="1" fill="hold">
+                                          <p:stCondLst>
+                                            <p:cond delay="0"/>
+                                          </p:stCondLst>
+                                        </p:cTn>
+                                        <p:tgtEl>
+                                          <p:spTgt spid="127"/>
+                                        </p:tgtEl>
+                                        <p:attrNameLst>
+                                          <p:attrName>style.visibility</p:attrName>
+                                        </p:attrNameLst>
+                                      </p:cBhvr>
+                                      <p:to>
+                                        <p:strVal val="visible"/>
+                                      </p:to>
+                                    </p:set>
+                                    <p:anim calcmode="lin" valueType="num">
+                                      <p:cBhvr additive="base">
+                                        <p:cTn id="11" dur="500" fill="hold"/>
+                                        <p:tgtEl>
+                                          <p:spTgt spid="127"/>
+                                        </p:tgtEl>
+                                        <p:attrNameLst>
+                                          <p:attrName>ppt_x</p:attrName>
+                                        </p:attrNameLst>
+                                      </p:cBhvr>
+                                      <p:tavLst>
+                                        <p:tav tm="0">
+                                          <p:val>
+                                            <p:strVal val="#ppt_x"/>
+                                          </p:val>
+                                        </p:tav>
+                                        <p:tav tm="100000">
+                                          <p:val>
+                                            <p:strVal val="#ppt_x"/>
+                                          </p:val>
+                                        </p:tav>
+                                      </p:tavLst>
+                                    </p:anim>
+                                    <p:anim calcmode="lin" valueType="num">
+                                      <p:cBhvr additive="base">
+                                        <p:cTn id="12" dur="500" fill="hold"/>
+                                        <p:tgtEl>
+                                          <p:spTgt spid="127"/>
+                                        </p:tgtEl>
+                                        <p:attrNameLst>
+                                          <p:attrName>ppt_y</p:attrName>
+                                        </p:attrNameLst>
+                                      </p:cBhvr>
+                                      <p:tavLst>
+                                        <p:tav tm="0">
+                                          <p:val>
+                                            <p:strVal val="1+#ppt_h/2"/>
+                                          </p:val>
+                                        </p:tav>
+                                        <p:tav tm="100000">
+                                          <p:val>
+                                            <p:strVal val="#ppt_y"/>
+                                          </p:val>
+                                        </p:tav>
+                                      </p:tavLst>
+                                    </p:anim>
+                                  </p:childTnLst>
+                                </p:cTn>
+                              </p:par>
+                            </p:childTnLst>
+                          </p:cTn>
+                        </p:par>
+                      </p:childTnLst>
+                    </p:cTn>
+                  </p:par>
+                  <p:par>
+                    <p:cTn id="13" fill="hold">
+                      <p:stCondLst>
+                        <p:cond delay="indefinite"/>
+                      </p:stCondLst>
+                      <p:childTnLst>
+                        <p:par>
+                          <p:cTn id="14" fill="hold">
+                            <p:stCondLst>
+                              <p:cond delay="0"/>
+                            </p:stCondLst>
+                            <p:childTnLst>
+                              <p:par>
+                                <p:cTn id="15" presetID="2" presetClass="entr" presetSubtype="4" fill="hold" grpId="0" nodeType="clickEffect">
+                                  <p:stCondLst>
+                                    <p:cond delay="0"/>
+                                  </p:stCondLst>
+                                  <p:childTnLst>
+                                    <p:set>
+                                      <p:cBhvr>
+                                        <p:cTn id="16" dur="1" fill="hold">
+                                          <p:stCondLst>
+                                            <p:cond delay="0"/>
+                                          </p:stCondLst>
+                                        </p:cTn>
+                                        <p:tgtEl>
+                                          <p:spTgt spid="128"/>
+                                        </p:tgtEl>
+                                        <p:attrNameLst>
+                                          <p:attrName>style.visibility</p:attrName>
+                                        </p:attrNameLst>
+                                      </p:cBhvr>
+                                      <p:to>
+                                        <p:strVal val="visible"/>
+                                      </p:to>
+                                    </p:set>
+                                    <p:anim calcmode="lin" valueType="num">
+                                      <p:cBhvr additive="base">
+                                        <p:cTn id="17" dur="500" fill="hold"/>
+                                        <p:tgtEl>
+                                          <p:spTgt spid="128"/>
+                                        </p:tgtEl>
+                                        <p:attrNameLst>
+                                          <p:attrName>ppt_x</p:attrName>
+                                        </p:attrNameLst>
+                                      </p:cBhvr>
+                                      <p:tavLst>
+                                        <p:tav tm="0">
+                                          <p:val>
+                                            <p:strVal val="#ppt_x"/>
+                                          </p:val>
+                                        </p:tav>
+                                        <p:tav tm="100000">
+                                          <p:val>
+                                            <p:strVal val="#ppt_x"/>
+                                          </p:val>
+                                        </p:tav>
+                                      </p:tavLst>
+                                    </p:anim>
+                                    <p:anim calcmode="lin" valueType="num">
+                                      <p:cBhvr additive="base">
+                                        <p:cTn id="18" dur="500" fill="hold"/>
+                                        <p:tgtEl>
+                                          <p:spTgt spid="128"/>
+                                        </p:tgtEl>
+                                        <p:attrNameLst>
+                                          <p:attrName>ppt_y</p:attrName>
+                                        </p:attrNameLst>
+                                      </p:cBhvr>
+                                      <p:tavLst>
+                                        <p:tav tm="0">
+                                          <p:val>
+                                            <p:strVal val="1+#ppt_h/2"/>
+                                          </p:val>
+                                        </p:tav>
+                                        <p:tav tm="100000">
+                                          <p:val>
+                                            <p:strVal val="#ppt_y"/>
+                                          </p:val>
+                                        </p:tav>
+                                      </p:tavLst>
+                                    </p:anim>
+                                  </p:childTnLst>
+                                </p:cTn>
+                              </p:par>
+                              <p:par>
+                                <p:cTn id="19" presetID="2" presetClass="entr" presetSubtype="4" fill="hold" grpId="0" nodeType="withEffect">
+                                  <p:stCondLst>
+                                    <p:cond delay="0"/>
+                                  </p:stCondLst>
+                                  <p:childTnLst>
+                                    <p:set>
+                                      <p:cBhvr>
+                                        <p:cTn id="20" dur="1" fill="hold">
+                                          <p:stCondLst>
+                                            <p:cond delay="0"/>
+                                          </p:stCondLst>
+                                        </p:cTn>
+                                        <p:tgtEl>
+                                          <p:spTgt spid="129"/>
+                                        </p:tgtEl>
+                                        <p:attrNameLst>
+                                          <p:attrName>style.visibility</p:attrName>
+                                        </p:attrNameLst>
+                                      </p:cBhvr>
+                                      <p:to>
+                                        <p:strVal val="visible"/>
+                                      </p:to>
+                                    </p:set>
+                                    <p:anim calcmode="lin" valueType="num">
+                                      <p:cBhvr additive="base">
+                                        <p:cTn id="21" dur="500" fill="hold"/>
+                                        <p:tgtEl>
+                                          <p:spTgt spid="129"/>
+                                        </p:tgtEl>
+                                        <p:attrNameLst>
+                                          <p:attrName>ppt_x</p:attrName>
+                                        </p:attrNameLst>
+                                      </p:cBhvr>
+                                      <p:tavLst>
+                                        <p:tav tm="0">
+                                          <p:val>
+                                            <p:strVal val="#ppt_x"/>
+                                          </p:val>
+                                        </p:tav>
+                                        <p:tav tm="100000">
+                                          <p:val>
+                                            <p:strVal val="#ppt_x"/>
+                                          </p:val>
+                                        </p:tav>
+                                      </p:tavLst>
+                                    </p:anim>
+                                    <p:anim calcmode="lin" valueType="num">
+                                      <p:cBhvr additive="base">
+                                        <p:cTn id="22" dur="500" fill="hold"/>
+                                        <p:tgtEl>
+                                          <p:spTgt spid="129"/>
+                                        </p:tgtEl>
+                                        <p:attrNameLst>
+                                          <p:attrName>ppt_y</p:attrName>
+                                        </p:attrNameLst>
+                                      </p:cBhvr>
+                                      <p:tavLst>
+                                        <p:tav tm="0">
+                                          <p:val>
+                                            <p:strVal val="1+#ppt_h/2"/>
+                                          </p:val>
+                                        </p:tav>
+                                        <p:tav tm="100000">
+                                          <p:val>
+                                            <p:strVal val="#ppt_y"/>
+                                          </p:val>
+                                        </p:tav>
+                                      </p:tavLst>
+                                    </p:anim>
+                                  </p:childTnLst>
+                                </p:cTn>
+                              </p:par>
+                            </p:childTnLst>
+                          </p:cTn>
+                        </p:par>
+                      </p:childTnLst>
+                    </p:cTn>
+                  </p:par>
+                </p:childTnLst>
+              </p:cTn>
+              <p:prevCondLst>
+                <p:cond evt="onPrev" delay="0">
+                  <p:tgtEl>
+                    <p:sldTgt/>
+                  </p:tgtEl>
+                </p:cond>
+              </p:prevCondLst>
+              <p:nextCondLst>
+                <p:cond evt="onNext" delay="0">
+                  <p:tgtEl>
+                    <p:sldTgt/>
+                  </p:tgtEl>
+                </p:cond>
+              </p:nextCondLst>
+            </p:seq>
+          </p:childTnLst>
+        </p:cTn>
+      </p:par>
+    </p:tnLst>
+    <p:bldLst>
+      <p:bldP spid="126" grpId="0"/>
+      <p:bldP spid="127" grpId="1"/>
+      <p:bldP spid="128" grpId="0"/>
+      <p:bldP spid="129" grpId="0"/>
+    </p:bldLst>
+  </p:timing>
+</p:sld>
+</file>
+
+<file path=ppt/slides/slide18.xml><?xml version="1.0" encoding="utf-8"?>
+<p:sld xmlns:a="http://schemas.openxmlformats.org/drawingml/2006/main" xmlns:r="http://schemas.openxmlformats.org/officeDocument/2006/relationships" xmlns:p="http://schemas.openxmlformats.org/presentationml/2006/main">
+  <p:cSld>
+    <p:spTree>
+      <p:nvGrpSpPr>
+        <p:cNvPr id="1" name=""/>
+        <p:cNvGrpSpPr/>
+        <p:nvPr/>
+      </p:nvGrpSpPr>
+      <p:grpSpPr>
+        <a:xfrm>
+          <a:off x="0" y="0"/>
+          <a:ext cx="0" cy="0"/>
+          <a:chOff x="0" y="0"/>
+          <a:chExt cx="0" cy="0"/>
+        </a:xfrm>
+      </p:grpSpPr>
+      <p:sp>
+        <p:nvSpPr>
+          <p:cNvPr id="2" name="Title 1"/>
+          <p:cNvSpPr>
+            <a:spLocks noGrp="1"/>
+          </p:cNvSpPr>
+          <p:nvPr>
+            <p:ph type="title"/>
+          </p:nvPr>
+        </p:nvSpPr>
+        <p:spPr/>
+        <p:txBody>
+          <a:bodyPr/>
+          <a:lstStyle/>
+          <a:p>
+            <a:r>
+              <a:rPr lang="en-US" dirty="0"/>
+              <a:t>Problems with </a:t>
+            </a:r>
+            <a:r>
+              <a:rPr lang="en-US" dirty="0" smtClean="0"/>
+              <a:t>backpropagation</a:t>
+            </a:r>
+            <a:endParaRPr lang="en-US" dirty="0"/>
+          </a:p>
+        </p:txBody>
+      </p:sp>
+      <p:sp>
+        <p:nvSpPr>
+          <p:cNvPr id="3" name="Content Placeholder 2"/>
+          <p:cNvSpPr>
+            <a:spLocks noGrp="1"/>
+          </p:cNvSpPr>
+          <p:nvPr>
+            <p:ph idx="1"/>
+          </p:nvPr>
+        </p:nvSpPr>
+        <p:spPr>
+          <a:xfrm>
+            <a:off x="685800" y="1622121"/>
+            <a:ext cx="10131425" cy="4715933"/>
+          </a:xfrm>
+        </p:spPr>
+        <p:txBody>
+          <a:bodyPr>
+            <a:normAutofit/>
+          </a:bodyPr>
+          <a:lstStyle/>
+          <a:p>
+            <a:r>
+              <a:rPr lang="en-US" sz="2800" dirty="0" smtClean="0"/>
+              <a:t>Dying Neurons (Common in the </a:t>
+            </a:r>
+            <a:r>
+              <a:rPr lang="en-US" sz="2800" dirty="0" err="1" smtClean="0"/>
+              <a:t>ReLu</a:t>
+            </a:r>
+            <a:r>
+              <a:rPr lang="en-US" sz="2800" dirty="0" smtClean="0"/>
+              <a:t> Activation Functions)</a:t>
+            </a:r>
+          </a:p>
+          <a:p>
+            <a:pPr lvl="1"/>
+            <a:r>
+              <a:rPr lang="en-US" sz="2400" dirty="0" smtClean="0"/>
+              <a:t>Up to 40% of your network could be dead!*</a:t>
+            </a:r>
+          </a:p>
+          <a:p>
+            <a:pPr lvl="1"/>
+            <a:r>
+              <a:rPr lang="en-US" sz="2400" dirty="0" smtClean="0"/>
+              <a:t>The </a:t>
+            </a:r>
+            <a:r>
+              <a:rPr lang="en-US" sz="2400" dirty="0" err="1"/>
+              <a:t>ReLu</a:t>
+            </a:r>
+            <a:r>
+              <a:rPr lang="en-US" sz="2400" dirty="0"/>
+              <a:t> </a:t>
+            </a:r>
+            <a:r>
+              <a:rPr lang="en-US" sz="2400" dirty="0" smtClean="0"/>
+              <a:t>activation function slope for a negative node value is 0 and the adjustment slope always includes the </a:t>
+            </a:r>
+            <a:r>
+              <a:rPr lang="en-US" sz="2400" dirty="0"/>
+              <a:t>activation function slope </a:t>
+            </a:r>
+            <a:r>
+              <a:rPr lang="en-US" sz="2400" dirty="0" smtClean="0"/>
+              <a:t>so the adjustment will always be 0</a:t>
+            </a:r>
+          </a:p>
+          <a:p>
+            <a:pPr lvl="1"/>
+            <a:r>
+              <a:rPr lang="en-US" sz="2400" dirty="0"/>
+              <a:t>Possible fix: (ELUs, Leaky </a:t>
+            </a:r>
+            <a:r>
+              <a:rPr lang="en-US" sz="2400" dirty="0" err="1"/>
+              <a:t>ReLu</a:t>
+            </a:r>
+            <a:r>
+              <a:rPr lang="en-US" sz="2400" dirty="0" smtClean="0"/>
+              <a:t>, etc.)</a:t>
+            </a:r>
+          </a:p>
+          <a:p>
+            <a:r>
+              <a:rPr lang="en-US" sz="2600" dirty="0" smtClean="0"/>
+              <a:t>Vanishing Gradient (Common in the Sigmoid, </a:t>
+            </a:r>
+            <a:r>
+              <a:rPr lang="en-US" sz="2600" dirty="0" err="1" smtClean="0"/>
+              <a:t>tanh</a:t>
+            </a:r>
+            <a:r>
+              <a:rPr lang="en-US" sz="2600" dirty="0" smtClean="0"/>
+              <a:t>, etc.)</a:t>
+            </a:r>
+          </a:p>
+          <a:p>
+            <a:pPr lvl="1"/>
+            <a:r>
+              <a:rPr lang="en-US" sz="2400" dirty="0" smtClean="0"/>
+              <a:t>The slope of the activation function at large node values  is near 0. Thus, the gradient as it back propagates approaches 0 and your network can be very slow at learning.</a:t>
+            </a:r>
+          </a:p>
+        </p:txBody>
+      </p:sp>
+      <p:sp>
+        <p:nvSpPr>
+          <p:cNvPr id="4" name="TextBox 3"/>
+          <p:cNvSpPr txBox="1"/>
+          <p:nvPr/>
+        </p:nvSpPr>
+        <p:spPr>
+          <a:xfrm>
+            <a:off x="1508760" y="6338054"/>
+            <a:ext cx="10332720" cy="338554"/>
+          </a:xfrm>
+          <a:prstGeom prst="rect">
+            <a:avLst/>
+          </a:prstGeom>
+          <a:noFill/>
+        </p:spPr>
+        <p:txBody>
+          <a:bodyPr wrap="square" rtlCol="0">
+            <a:spAutoFit/>
+          </a:bodyPr>
+          <a:lstStyle/>
+          <a:p>
+            <a:r>
+              <a:rPr lang="en-US" sz="1600" dirty="0" smtClean="0"/>
+              <a:t>*Stanford course notes on [Convolutional Neural Networks for Visual Recognition][1]</a:t>
+            </a:r>
+            <a:endParaRPr lang="en-US" sz="1600" dirty="0"/>
+          </a:p>
+        </p:txBody>
+      </p:sp>
+    </p:spTree>
+    <p:extLst>
+      <p:ext uri="{BB962C8B-B14F-4D97-AF65-F5344CB8AC3E}">
+        <p14:creationId xmlns:p14="http://schemas.microsoft.com/office/powerpoint/2010/main" val="789511262"/>
+      </p:ext>
+    </p:extLst>
+  </p:cSld>
+  <p:clrMapOvr>
+    <a:masterClrMapping/>
+  </p:clrMapOvr>
+  <p:timing>
+    <p:tnLst>
+      <p:par>
+        <p:cTn id="1" dur="indefinite" restart="never" nodeType="tmRoot"/>
+      </p:par>
+    </p:tnLst>
+  </p:timing>
+</p:sld>
+</file>
+
+<file path=ppt/slides/slide19.xml><?xml version="1.0" encoding="utf-8"?>
+<p:sld xmlns:a="http://schemas.openxmlformats.org/drawingml/2006/main" xmlns:r="http://schemas.openxmlformats.org/officeDocument/2006/relationships" xmlns:p="http://schemas.openxmlformats.org/presentationml/2006/main">
+  <p:cSld>
+    <p:spTree>
+      <p:nvGrpSpPr>
+        <p:cNvPr id="1" name=""/>
+        <p:cNvGrpSpPr/>
+        <p:nvPr/>
+      </p:nvGrpSpPr>
+      <p:grpSpPr>
+        <a:xfrm>
+          <a:off x="0" y="0"/>
+          <a:ext cx="0" cy="0"/>
+          <a:chOff x="0" y="0"/>
+          <a:chExt cx="0" cy="0"/>
+        </a:xfrm>
+      </p:grpSpPr>
+    </p:spTree>
+    <p:extLst>
+      <p:ext uri="{BB962C8B-B14F-4D97-AF65-F5344CB8AC3E}">
+        <p14:creationId xmlns:p14="http://schemas.microsoft.com/office/powerpoint/2010/main" val="207147696"/>
+      </p:ext>
+    </p:extLst>
+  </p:cSld>
+  <p:clrMapOvr>
+    <a:masterClrMapping/>
+  </p:clrMapOvr>
+  <p:timing>
+    <p:tnLst>
+      <p:par>
+        <p:cTn id="1" dur="indefinite" restart="never" nodeType="tmRoot"/>
+      </p:par>
+    </p:tnLst>
+  </p:timing>
+</p:sld>
+</file>
+
 <file path=ppt/slides/slide2.xml><?xml version="1.0" encoding="utf-8"?>
 <p:sld xmlns:a="http://schemas.openxmlformats.org/drawingml/2006/main" xmlns:r="http://schemas.openxmlformats.org/officeDocument/2006/relationships" xmlns:p="http://schemas.openxmlformats.org/presentationml/2006/main">
   <p:cSld>
@@ -9382,6 +13879,1136 @@
   <p:clrMapOvr>
     <a:masterClrMapping/>
   </p:clrMapOvr>
+</p:sld>
+</file>
+
+<file path=ppt/slides/slide20.xml><?xml version="1.0" encoding="utf-8"?>
+<p:sld xmlns:a="http://schemas.openxmlformats.org/drawingml/2006/main" xmlns:r="http://schemas.openxmlformats.org/officeDocument/2006/relationships" xmlns:p="http://schemas.openxmlformats.org/presentationml/2006/main">
+  <p:cSld>
+    <p:bg>
+      <p:bgPr>
+        <a:blipFill>
+          <a:blip r:embed="rId2"/>
+          <a:stretch/>
+        </a:blipFill>
+        <a:effectLst/>
+      </p:bgPr>
+    </p:bg>
+    <p:spTree>
+      <p:nvGrpSpPr>
+        <p:cNvPr id="1" name=""/>
+        <p:cNvGrpSpPr/>
+        <p:nvPr/>
+      </p:nvGrpSpPr>
+      <p:grpSpPr>
+        <a:xfrm>
+          <a:off x="0" y="0"/>
+          <a:ext cx="0" cy="0"/>
+          <a:chOff x="0" y="0"/>
+          <a:chExt cx="0" cy="0"/>
+        </a:xfrm>
+      </p:grpSpPr>
+      <p:pic>
+        <p:nvPicPr>
+          <p:cNvPr id="13" name="Picture 12">
+            <a:extLst>
+              <a:ext uri="{FF2B5EF4-FFF2-40B4-BE49-F238E27FC236}">
+                <a16:creationId xmlns:a16="http://schemas.microsoft.com/office/drawing/2014/main" xmlns="" id="{A53ED3FC-3BE8-4F1F-BEF1-74B1C721718A}"/>
+              </a:ext>
+            </a:extLst>
+          </p:cNvPr>
+          <p:cNvPicPr>
+            <a:picLocks noGrp="1" noRot="1" noChangeAspect="1" noMove="1" noResize="1" noEditPoints="1" noAdjustHandles="1" noChangeArrowheads="1" noChangeShapeType="1" noCrop="1"/>
+          </p:cNvPicPr>
+          <p:nvPr>
+            <p:extLst>
+              <p:ext uri="{386F3935-93C4-4BCD-93E2-E3B085C9AB24}">
+                <p16:designElem xmlns:p16="http://schemas.microsoft.com/office/powerpoint/2015/main" val="1"/>
+              </p:ext>
+            </p:extLst>
+          </p:nvPr>
+        </p:nvPicPr>
+        <p:blipFill>
+          <a:blip r:embed="rId3">
+            <a:extLst>
+              <a:ext uri="{28A0092B-C50C-407E-A947-70E740481C1C}">
+                <a14:useLocalDpi xmlns:a14="http://schemas.microsoft.com/office/drawing/2010/main" val="0"/>
+              </a:ext>
+            </a:extLst>
+          </a:blip>
+          <a:stretch>
+            <a:fillRect/>
+          </a:stretch>
+        </p:blipFill>
+        <p:spPr>
+          <a:xfrm>
+            <a:off x="0" y="0"/>
+            <a:ext cx="12188825" cy="6856214"/>
+          </a:xfrm>
+          <a:prstGeom prst="rect">
+            <a:avLst/>
+          </a:prstGeom>
+        </p:spPr>
+      </p:pic>
+      <p:pic>
+        <p:nvPicPr>
+          <p:cNvPr id="3" name="Picture 2"/>
+          <p:cNvPicPr>
+            <a:picLocks noChangeAspect="1"/>
+          </p:cNvPicPr>
+          <p:nvPr/>
+        </p:nvPicPr>
+        <p:blipFill>
+          <a:blip r:embed="rId4"/>
+          <a:stretch>
+            <a:fillRect/>
+          </a:stretch>
+        </p:blipFill>
+        <p:spPr>
+          <a:xfrm>
+            <a:off x="5786077" y="796413"/>
+            <a:ext cx="5102943" cy="5102943"/>
+          </a:xfrm>
+          <a:prstGeom prst="roundRect">
+            <a:avLst>
+              <a:gd name="adj" fmla="val 4380"/>
+            </a:avLst>
+          </a:prstGeom>
+          <a:ln w="50800" cap="sq" cmpd="dbl">
+            <a:gradFill flip="none" rotWithShape="1">
+              <a:gsLst>
+                <a:gs pos="0">
+                  <a:srgbClr val="FFFFFF"/>
+                </a:gs>
+                <a:gs pos="100000">
+                  <a:schemeClr val="tx1">
+                    <a:alpha val="0"/>
+                  </a:schemeClr>
+                </a:gs>
+              </a:gsLst>
+              <a:path path="circle">
+                <a:fillToRect l="50000" t="50000" r="50000" b="50000"/>
+              </a:path>
+              <a:tileRect/>
+            </a:gradFill>
+            <a:miter lim="800000"/>
+          </a:ln>
+          <a:effectLst>
+            <a:outerShdw blurRad="254000" algn="tl" rotWithShape="0">
+              <a:srgbClr val="000000">
+                <a:alpha val="43000"/>
+              </a:srgbClr>
+            </a:outerShdw>
+          </a:effectLst>
+        </p:spPr>
+      </p:pic>
+      <p:sp>
+        <p:nvSpPr>
+          <p:cNvPr id="2" name="Title 1"/>
+          <p:cNvSpPr>
+            <a:spLocks noGrp="1"/>
+          </p:cNvSpPr>
+          <p:nvPr>
+            <p:ph type="title"/>
+          </p:nvPr>
+        </p:nvSpPr>
+        <p:spPr>
+          <a:xfrm>
+            <a:off x="825909" y="808055"/>
+            <a:ext cx="3979205" cy="1453363"/>
+          </a:xfrm>
+        </p:spPr>
+        <p:txBody>
+          <a:bodyPr vert="horz" lIns="91440" tIns="45720" rIns="91440" bIns="45720" rtlCol="0" anchor="ctr">
+            <a:normAutofit/>
+          </a:bodyPr>
+          <a:lstStyle/>
+          <a:p>
+            <a:r>
+              <a:rPr lang="en-US" dirty="0"/>
+              <a:t>Building with Keras</a:t>
+            </a:r>
+          </a:p>
+        </p:txBody>
+      </p:sp>
+      <p:sp>
+        <p:nvSpPr>
+          <p:cNvPr id="5" name="Content Placeholder 2"/>
+          <p:cNvSpPr txBox="1">
+            <a:spLocks/>
+          </p:cNvSpPr>
+          <p:nvPr/>
+        </p:nvSpPr>
+        <p:spPr>
+          <a:xfrm>
+            <a:off x="802178" y="2505260"/>
+            <a:ext cx="4002936" cy="3637935"/>
+          </a:xfrm>
+          <a:prstGeom prst="rect">
+            <a:avLst/>
+          </a:prstGeom>
+        </p:spPr>
+        <p:txBody>
+          <a:bodyPr vert="horz" lIns="91440" tIns="45720" rIns="91440" bIns="45720" rtlCol="0" anchor="ctr">
+            <a:normAutofit/>
+          </a:bodyPr>
+          <a:lstStyle>
+            <a:lvl1pPr marL="285750" indent="-285750" algn="l" defTabSz="457200" rtl="0" eaLnBrk="1" latinLnBrk="0" hangingPunct="1">
+              <a:spcBef>
+                <a:spcPts val="0"/>
+              </a:spcBef>
+              <a:spcAft>
+                <a:spcPts val="1000"/>
+              </a:spcAft>
+              <a:buClr>
+                <a:schemeClr val="tx1"/>
+              </a:buClr>
+              <a:buSzPct val="100000"/>
+              <a:buFont typeface="Arial"/>
+              <a:buChar char="•"/>
+              <a:defRPr sz="1800" kern="1200" cap="none">
+                <a:solidFill>
+                  <a:schemeClr val="tx1"/>
+                </a:solidFill>
+                <a:effectLst/>
+                <a:latin typeface="+mn-lt"/>
+                <a:ea typeface="+mn-ea"/>
+                <a:cs typeface="+mn-cs"/>
+              </a:defRPr>
+            </a:lvl1pPr>
+            <a:lvl2pPr marL="742950" indent="-285750" algn="l" defTabSz="457200" rtl="0" eaLnBrk="1" latinLnBrk="0" hangingPunct="1">
+              <a:spcBef>
+                <a:spcPts val="0"/>
+              </a:spcBef>
+              <a:spcAft>
+                <a:spcPts val="1000"/>
+              </a:spcAft>
+              <a:buClr>
+                <a:schemeClr val="tx1"/>
+              </a:buClr>
+              <a:buSzPct val="100000"/>
+              <a:buFont typeface="Arial"/>
+              <a:buChar char="•"/>
+              <a:defRPr sz="1600" kern="1200" cap="none">
+                <a:solidFill>
+                  <a:schemeClr val="tx1"/>
+                </a:solidFill>
+                <a:effectLst/>
+                <a:latin typeface="+mn-lt"/>
+                <a:ea typeface="+mn-ea"/>
+                <a:cs typeface="+mn-cs"/>
+              </a:defRPr>
+            </a:lvl2pPr>
+            <a:lvl3pPr marL="1200150" indent="-285750" algn="l" defTabSz="457200" rtl="0" eaLnBrk="1" latinLnBrk="0" hangingPunct="1">
+              <a:spcBef>
+                <a:spcPts val="0"/>
+              </a:spcBef>
+              <a:spcAft>
+                <a:spcPts val="1000"/>
+              </a:spcAft>
+              <a:buClr>
+                <a:schemeClr val="tx1"/>
+              </a:buClr>
+              <a:buSzPct val="100000"/>
+              <a:buFont typeface="Arial"/>
+              <a:buChar char="•"/>
+              <a:defRPr sz="1400" kern="1200" cap="none">
+                <a:solidFill>
+                  <a:schemeClr val="tx1"/>
+                </a:solidFill>
+                <a:effectLst/>
+                <a:latin typeface="+mn-lt"/>
+                <a:ea typeface="+mn-ea"/>
+                <a:cs typeface="+mn-cs"/>
+              </a:defRPr>
+            </a:lvl3pPr>
+            <a:lvl4pPr marL="1543050" indent="-171450" algn="l" defTabSz="457200" rtl="0" eaLnBrk="1" latinLnBrk="0" hangingPunct="1">
+              <a:spcBef>
+                <a:spcPts val="0"/>
+              </a:spcBef>
+              <a:spcAft>
+                <a:spcPts val="1000"/>
+              </a:spcAft>
+              <a:buClr>
+                <a:schemeClr val="tx1"/>
+              </a:buClr>
+              <a:buSzPct val="100000"/>
+              <a:buFont typeface="Arial"/>
+              <a:buChar char="•"/>
+              <a:defRPr sz="1200" kern="1200" cap="none">
+                <a:solidFill>
+                  <a:schemeClr val="tx1"/>
+                </a:solidFill>
+                <a:effectLst/>
+                <a:latin typeface="+mn-lt"/>
+                <a:ea typeface="+mn-ea"/>
+                <a:cs typeface="+mn-cs"/>
+              </a:defRPr>
+            </a:lvl4pPr>
+            <a:lvl5pPr marL="2000250" indent="-171450" algn="l" defTabSz="457200" rtl="0" eaLnBrk="1" latinLnBrk="0" hangingPunct="1">
+              <a:spcBef>
+                <a:spcPts val="0"/>
+              </a:spcBef>
+              <a:spcAft>
+                <a:spcPts val="1000"/>
+              </a:spcAft>
+              <a:buClr>
+                <a:schemeClr val="tx1"/>
+              </a:buClr>
+              <a:buSzPct val="100000"/>
+              <a:buFont typeface="Arial"/>
+              <a:buChar char="•"/>
+              <a:defRPr sz="1200" kern="1200" cap="none">
+                <a:solidFill>
+                  <a:schemeClr val="tx1"/>
+                </a:solidFill>
+                <a:effectLst/>
+                <a:latin typeface="+mn-lt"/>
+                <a:ea typeface="+mn-ea"/>
+                <a:cs typeface="+mn-cs"/>
+              </a:defRPr>
+            </a:lvl5pPr>
+            <a:lvl6pPr marL="2514600" indent="-228600" algn="l" defTabSz="457200" rtl="0" eaLnBrk="1" latinLnBrk="0" hangingPunct="1">
+              <a:spcBef>
+                <a:spcPts val="0"/>
+              </a:spcBef>
+              <a:spcAft>
+                <a:spcPts val="1000"/>
+              </a:spcAft>
+              <a:buClr>
+                <a:schemeClr val="tx1"/>
+              </a:buClr>
+              <a:buSzPct val="100000"/>
+              <a:buFont typeface="Arial"/>
+              <a:buChar char="•"/>
+              <a:defRPr sz="1200" kern="1200" cap="none">
+                <a:solidFill>
+                  <a:schemeClr val="tx1"/>
+                </a:solidFill>
+                <a:effectLst/>
+                <a:latin typeface="+mn-lt"/>
+                <a:ea typeface="+mn-ea"/>
+                <a:cs typeface="+mn-cs"/>
+              </a:defRPr>
+            </a:lvl6pPr>
+            <a:lvl7pPr marL="2971800" indent="-228600" algn="l" defTabSz="457200" rtl="0" eaLnBrk="1" latinLnBrk="0" hangingPunct="1">
+              <a:spcBef>
+                <a:spcPts val="0"/>
+              </a:spcBef>
+              <a:spcAft>
+                <a:spcPts val="1000"/>
+              </a:spcAft>
+              <a:buClr>
+                <a:schemeClr val="tx1"/>
+              </a:buClr>
+              <a:buSzPct val="100000"/>
+              <a:buFont typeface="Arial"/>
+              <a:buChar char="•"/>
+              <a:defRPr sz="1200" kern="1200" cap="none">
+                <a:solidFill>
+                  <a:schemeClr val="tx1"/>
+                </a:solidFill>
+                <a:effectLst/>
+                <a:latin typeface="+mn-lt"/>
+                <a:ea typeface="+mn-ea"/>
+                <a:cs typeface="+mn-cs"/>
+              </a:defRPr>
+            </a:lvl7pPr>
+            <a:lvl8pPr marL="3429000" indent="-228600" algn="l" defTabSz="457200" rtl="0" eaLnBrk="1" latinLnBrk="0" hangingPunct="1">
+              <a:spcBef>
+                <a:spcPts val="0"/>
+              </a:spcBef>
+              <a:spcAft>
+                <a:spcPts val="1000"/>
+              </a:spcAft>
+              <a:buClr>
+                <a:schemeClr val="tx1"/>
+              </a:buClr>
+              <a:buSzPct val="100000"/>
+              <a:buFont typeface="Arial"/>
+              <a:buChar char="•"/>
+              <a:defRPr sz="1200" kern="1200" cap="none">
+                <a:solidFill>
+                  <a:schemeClr val="tx1"/>
+                </a:solidFill>
+                <a:effectLst/>
+                <a:latin typeface="+mn-lt"/>
+                <a:ea typeface="+mn-ea"/>
+                <a:cs typeface="+mn-cs"/>
+              </a:defRPr>
+            </a:lvl8pPr>
+            <a:lvl9pPr marL="3886200" indent="-228600" algn="l" defTabSz="457200" rtl="0" eaLnBrk="1" latinLnBrk="0" hangingPunct="1">
+              <a:spcBef>
+                <a:spcPts val="0"/>
+              </a:spcBef>
+              <a:spcAft>
+                <a:spcPts val="1000"/>
+              </a:spcAft>
+              <a:buClr>
+                <a:schemeClr val="tx1"/>
+              </a:buClr>
+              <a:buSzPct val="100000"/>
+              <a:buFont typeface="Arial"/>
+              <a:buChar char="•"/>
+              <a:defRPr sz="1200" kern="1200" cap="none">
+                <a:solidFill>
+                  <a:schemeClr val="tx1"/>
+                </a:solidFill>
+                <a:effectLst/>
+                <a:latin typeface="+mn-lt"/>
+                <a:ea typeface="+mn-ea"/>
+                <a:cs typeface="+mn-cs"/>
+              </a:defRPr>
+            </a:lvl9pPr>
+          </a:lstStyle>
+          <a:p>
+            <a:r>
+              <a:rPr lang="en-US" sz="2800" dirty="0" smtClean="0"/>
+              <a:t>Data Wrangling</a:t>
+            </a:r>
+          </a:p>
+          <a:p>
+            <a:r>
+              <a:rPr lang="en-US" sz="2800" dirty="0" smtClean="0"/>
+              <a:t>Specify </a:t>
+            </a:r>
+            <a:r>
+              <a:rPr lang="en-US" sz="2800" dirty="0"/>
+              <a:t>architecture </a:t>
+            </a:r>
+          </a:p>
+          <a:p>
+            <a:r>
+              <a:rPr lang="en-US" sz="2800" dirty="0"/>
+              <a:t>Compile</a:t>
+            </a:r>
+          </a:p>
+          <a:p>
+            <a:r>
+              <a:rPr lang="en-US" sz="2800" dirty="0"/>
+              <a:t>Fit</a:t>
+            </a:r>
+          </a:p>
+          <a:p>
+            <a:r>
+              <a:rPr lang="en-US" sz="2800" dirty="0"/>
+              <a:t>Test</a:t>
+            </a:r>
+          </a:p>
+          <a:p>
+            <a:r>
+              <a:rPr lang="en-US" sz="2800" dirty="0"/>
+              <a:t>Predict</a:t>
+            </a:r>
+          </a:p>
+          <a:p>
+            <a:endParaRPr lang="en-US" sz="2800" dirty="0"/>
+          </a:p>
+        </p:txBody>
+      </p:sp>
+    </p:spTree>
+    <p:extLst>
+      <p:ext uri="{BB962C8B-B14F-4D97-AF65-F5344CB8AC3E}">
+        <p14:creationId xmlns:p14="http://schemas.microsoft.com/office/powerpoint/2010/main" val="2443948068"/>
+      </p:ext>
+    </p:extLst>
+  </p:cSld>
+  <p:clrMapOvr>
+    <a:masterClrMapping/>
+  </p:clrMapOvr>
+  <p:timing>
+    <p:tnLst>
+      <p:par>
+        <p:cTn id="1" dur="indefinite" restart="never" nodeType="tmRoot"/>
+      </p:par>
+    </p:tnLst>
+  </p:timing>
+</p:sld>
+</file>
+
+<file path=ppt/slides/slide21.xml><?xml version="1.0" encoding="utf-8"?>
+<p:sld xmlns:a="http://schemas.openxmlformats.org/drawingml/2006/main" xmlns:r="http://schemas.openxmlformats.org/officeDocument/2006/relationships" xmlns:p="http://schemas.openxmlformats.org/presentationml/2006/main">
+  <p:cSld>
+    <p:spTree>
+      <p:nvGrpSpPr>
+        <p:cNvPr id="1" name=""/>
+        <p:cNvGrpSpPr/>
+        <p:nvPr/>
+      </p:nvGrpSpPr>
+      <p:grpSpPr>
+        <a:xfrm>
+          <a:off x="0" y="0"/>
+          <a:ext cx="0" cy="0"/>
+          <a:chOff x="0" y="0"/>
+          <a:chExt cx="0" cy="0"/>
+        </a:xfrm>
+      </p:grpSpPr>
+      <p:sp>
+        <p:nvSpPr>
+          <p:cNvPr id="2" name="Title 1"/>
+          <p:cNvSpPr>
+            <a:spLocks noGrp="1"/>
+          </p:cNvSpPr>
+          <p:nvPr>
+            <p:ph type="title"/>
+          </p:nvPr>
+        </p:nvSpPr>
+        <p:spPr/>
+        <p:txBody>
+          <a:bodyPr/>
+          <a:lstStyle/>
+          <a:p>
+            <a:r>
+              <a:rPr lang="en-US" dirty="0"/>
+              <a:t>Data Wrangling</a:t>
+            </a:r>
+          </a:p>
+        </p:txBody>
+      </p:sp>
+      <p:sp>
+        <p:nvSpPr>
+          <p:cNvPr id="3" name="TextBox 2"/>
+          <p:cNvSpPr txBox="1"/>
+          <p:nvPr/>
+        </p:nvSpPr>
+        <p:spPr>
+          <a:xfrm>
+            <a:off x="685801" y="2316480"/>
+            <a:ext cx="9266594" cy="3046988"/>
+          </a:xfrm>
+          <a:prstGeom prst="rect">
+            <a:avLst/>
+          </a:prstGeom>
+          <a:noFill/>
+        </p:spPr>
+        <p:txBody>
+          <a:bodyPr wrap="square" rtlCol="0">
+            <a:spAutoFit/>
+          </a:bodyPr>
+          <a:lstStyle/>
+          <a:p>
+            <a:r>
+              <a:rPr lang="en-US" sz="2400" dirty="0" smtClean="0"/>
+              <a:t>Also known as </a:t>
+            </a:r>
+            <a:r>
+              <a:rPr lang="en-US" sz="2400" i="1" dirty="0" smtClean="0"/>
+              <a:t>preprocessing</a:t>
+            </a:r>
+            <a:r>
+              <a:rPr lang="en-US" sz="2400" dirty="0" smtClean="0"/>
+              <a:t>, this is a crucial part to arriving at a good solution in reasonable time  in a neural network.</a:t>
+            </a:r>
+          </a:p>
+          <a:p>
+            <a:pPr marL="342900" indent="-342900">
+              <a:buFont typeface="Arial" charset="0"/>
+              <a:buChar char="•"/>
+            </a:pPr>
+            <a:r>
+              <a:rPr lang="en-US" sz="2400" dirty="0" smtClean="0"/>
+              <a:t>Continuous Variables</a:t>
+            </a:r>
+          </a:p>
+          <a:p>
+            <a:pPr marL="800100" lvl="1" indent="-342900">
+              <a:buFont typeface="Arial" charset="0"/>
+              <a:buChar char="•"/>
+            </a:pPr>
+            <a:r>
+              <a:rPr lang="en-US" sz="2400" dirty="0" smtClean="0"/>
+              <a:t>Standardizing each column (</a:t>
+            </a:r>
+            <a:r>
+              <a:rPr lang="en-US" sz="2400" dirty="0"/>
+              <a:t>Applying </a:t>
+            </a:r>
+            <a:r>
+              <a:rPr lang="en-US" sz="2400" dirty="0" err="1" smtClean="0"/>
+              <a:t>zscore</a:t>
+            </a:r>
+            <a:r>
+              <a:rPr lang="en-US" sz="2400" dirty="0" smtClean="0"/>
+              <a:t>)</a:t>
+            </a:r>
+          </a:p>
+          <a:p>
+            <a:pPr marL="342900" indent="-342900">
+              <a:buFont typeface="Arial" charset="0"/>
+              <a:buChar char="•"/>
+            </a:pPr>
+            <a:r>
+              <a:rPr lang="en-US" sz="2400" dirty="0" smtClean="0"/>
+              <a:t>Categorical Variables</a:t>
+            </a:r>
+          </a:p>
+          <a:p>
+            <a:pPr marL="800100" lvl="1" indent="-342900">
+              <a:buFont typeface="Arial" charset="0"/>
+              <a:buChar char="•"/>
+            </a:pPr>
+            <a:r>
+              <a:rPr lang="en-US" sz="2400" dirty="0" smtClean="0"/>
+              <a:t>Divide </a:t>
+            </a:r>
+            <a:r>
+              <a:rPr lang="en-US" sz="2400" dirty="0"/>
+              <a:t>the </a:t>
+            </a:r>
+            <a:r>
+              <a:rPr lang="en-US" sz="2400" dirty="0" smtClean="0"/>
+              <a:t>category into individual columns (one </a:t>
+            </a:r>
+            <a:r>
+              <a:rPr lang="en-US" sz="2400" dirty="0"/>
+              <a:t>hot </a:t>
+            </a:r>
+            <a:r>
+              <a:rPr lang="en-US" sz="2400" dirty="0" smtClean="0"/>
+              <a:t>encoding)</a:t>
+            </a:r>
+          </a:p>
+          <a:p>
+            <a:pPr marL="342900" indent="-342900">
+              <a:buFont typeface="Arial" charset="0"/>
+              <a:buChar char="•"/>
+            </a:pPr>
+            <a:r>
+              <a:rPr lang="en-US" sz="2400" dirty="0" smtClean="0"/>
+              <a:t>Deal with missing values</a:t>
+            </a:r>
+          </a:p>
+          <a:p>
+            <a:pPr marL="800100" lvl="1" indent="-342900">
+              <a:buFont typeface="Arial" charset="0"/>
+              <a:buChar char="•"/>
+            </a:pPr>
+            <a:r>
+              <a:rPr lang="en-US" sz="2400" dirty="0" smtClean="0"/>
+              <a:t>Either fill them in with mean/mode or just delete the data point</a:t>
+            </a:r>
+            <a:endParaRPr lang="en-US" sz="2400" dirty="0"/>
+          </a:p>
+        </p:txBody>
+      </p:sp>
+    </p:spTree>
+    <p:extLst>
+      <p:ext uri="{BB962C8B-B14F-4D97-AF65-F5344CB8AC3E}">
+        <p14:creationId xmlns:p14="http://schemas.microsoft.com/office/powerpoint/2010/main" val="1688254374"/>
+      </p:ext>
+    </p:extLst>
+  </p:cSld>
+  <p:clrMapOvr>
+    <a:masterClrMapping/>
+  </p:clrMapOvr>
+  <p:timing>
+    <p:tnLst>
+      <p:par>
+        <p:cTn id="1" dur="indefinite" restart="never" nodeType="tmRoot"/>
+      </p:par>
+    </p:tnLst>
+  </p:timing>
+</p:sld>
+</file>
+
+<file path=ppt/slides/slide22.xml><?xml version="1.0" encoding="utf-8"?>
+<p:sld xmlns:a="http://schemas.openxmlformats.org/drawingml/2006/main" xmlns:r="http://schemas.openxmlformats.org/officeDocument/2006/relationships" xmlns:p="http://schemas.openxmlformats.org/presentationml/2006/main">
+  <p:cSld>
+    <p:spTree>
+      <p:nvGrpSpPr>
+        <p:cNvPr id="1" name=""/>
+        <p:cNvGrpSpPr/>
+        <p:nvPr/>
+      </p:nvGrpSpPr>
+      <p:grpSpPr>
+        <a:xfrm>
+          <a:off x="0" y="0"/>
+          <a:ext cx="0" cy="0"/>
+          <a:chOff x="0" y="0"/>
+          <a:chExt cx="0" cy="0"/>
+        </a:xfrm>
+      </p:grpSpPr>
+      <p:sp>
+        <p:nvSpPr>
+          <p:cNvPr id="2" name="Title 1"/>
+          <p:cNvSpPr>
+            <a:spLocks noGrp="1"/>
+          </p:cNvSpPr>
+          <p:nvPr>
+            <p:ph type="title"/>
+          </p:nvPr>
+        </p:nvSpPr>
+        <p:spPr/>
+        <p:txBody>
+          <a:bodyPr/>
+          <a:lstStyle/>
+          <a:p>
+            <a:r>
+              <a:rPr lang="en-US" dirty="0" smtClean="0"/>
+              <a:t>Architecture</a:t>
+            </a:r>
+            <a:endParaRPr lang="en-US" dirty="0"/>
+          </a:p>
+        </p:txBody>
+      </p:sp>
+      <p:sp>
+        <p:nvSpPr>
+          <p:cNvPr id="3" name="Content Placeholder 2"/>
+          <p:cNvSpPr>
+            <a:spLocks noGrp="1"/>
+          </p:cNvSpPr>
+          <p:nvPr>
+            <p:ph idx="1"/>
+          </p:nvPr>
+        </p:nvSpPr>
+        <p:spPr/>
+        <p:txBody>
+          <a:bodyPr/>
+          <a:lstStyle/>
+          <a:p>
+            <a:r>
+              <a:rPr lang="en-US" dirty="0"/>
+              <a:t>model = Sequential()</a:t>
+            </a:r>
+          </a:p>
+          <a:p>
+            <a:r>
+              <a:rPr lang="en-US" dirty="0" err="1"/>
+              <a:t>model.add</a:t>
+            </a:r>
+            <a:r>
+              <a:rPr lang="en-US" dirty="0"/>
+              <a:t>(Dense(</a:t>
+            </a:r>
+            <a:r>
+              <a:rPr lang="en-US" dirty="0" err="1"/>
+              <a:t>n_cols</a:t>
+            </a:r>
+            <a:r>
+              <a:rPr lang="en-US" dirty="0"/>
+              <a:t>, activation='</a:t>
+            </a:r>
+            <a:r>
+              <a:rPr lang="en-US" dirty="0" err="1"/>
+              <a:t>tanh</a:t>
+            </a:r>
+            <a:r>
+              <a:rPr lang="en-US" dirty="0"/>
+              <a:t>', </a:t>
+            </a:r>
+            <a:r>
+              <a:rPr lang="en-US" dirty="0" err="1"/>
+              <a:t>input_shape</a:t>
+            </a:r>
+            <a:r>
+              <a:rPr lang="en-US" dirty="0" smtClean="0"/>
+              <a:t>=(</a:t>
+            </a:r>
+            <a:r>
+              <a:rPr lang="en-US" dirty="0" err="1"/>
+              <a:t>in_cols</a:t>
+            </a:r>
+            <a:r>
+              <a:rPr lang="en-US" dirty="0" smtClean="0"/>
+              <a:t>,)))</a:t>
+            </a:r>
+          </a:p>
+          <a:p>
+            <a:r>
+              <a:rPr lang="en-US" dirty="0" err="1" smtClean="0"/>
+              <a:t>model.add</a:t>
+            </a:r>
+            <a:r>
+              <a:rPr lang="en-US" dirty="0" smtClean="0"/>
+              <a:t>(Dense(1))</a:t>
+            </a:r>
+            <a:endParaRPr lang="en-US" dirty="0"/>
+          </a:p>
+          <a:p>
+            <a:endParaRPr lang="en-US" dirty="0" smtClean="0"/>
+          </a:p>
+          <a:p>
+            <a:r>
+              <a:rPr lang="en-US" dirty="0" smtClean="0"/>
+              <a:t>How many nodes</a:t>
+            </a:r>
+          </a:p>
+          <a:p>
+            <a:r>
+              <a:rPr lang="en-US" dirty="0" smtClean="0"/>
+              <a:t>How many layers</a:t>
+            </a:r>
+          </a:p>
+          <a:p>
+            <a:r>
+              <a:rPr lang="en-US" dirty="0" smtClean="0"/>
+              <a:t>What activation function per layer?</a:t>
+            </a:r>
+          </a:p>
+          <a:p>
+            <a:endParaRPr lang="en-US" dirty="0"/>
+          </a:p>
+        </p:txBody>
+      </p:sp>
+    </p:spTree>
+    <p:extLst>
+      <p:ext uri="{BB962C8B-B14F-4D97-AF65-F5344CB8AC3E}">
+        <p14:creationId xmlns:p14="http://schemas.microsoft.com/office/powerpoint/2010/main" val="1040802649"/>
+      </p:ext>
+    </p:extLst>
+  </p:cSld>
+  <p:clrMapOvr>
+    <a:masterClrMapping/>
+  </p:clrMapOvr>
+  <p:timing>
+    <p:tnLst>
+      <p:par>
+        <p:cTn id="1" dur="indefinite" restart="never" nodeType="tmRoot"/>
+      </p:par>
+    </p:tnLst>
+  </p:timing>
+</p:sld>
+</file>
+
+<file path=ppt/slides/slide23.xml><?xml version="1.0" encoding="utf-8"?>
+<p:sld xmlns:a="http://schemas.openxmlformats.org/drawingml/2006/main" xmlns:r="http://schemas.openxmlformats.org/officeDocument/2006/relationships" xmlns:p="http://schemas.openxmlformats.org/presentationml/2006/main">
+  <p:cSld>
+    <p:spTree>
+      <p:nvGrpSpPr>
+        <p:cNvPr id="1" name=""/>
+        <p:cNvGrpSpPr/>
+        <p:nvPr/>
+      </p:nvGrpSpPr>
+      <p:grpSpPr>
+        <a:xfrm>
+          <a:off x="0" y="0"/>
+          <a:ext cx="0" cy="0"/>
+          <a:chOff x="0" y="0"/>
+          <a:chExt cx="0" cy="0"/>
+        </a:xfrm>
+      </p:grpSpPr>
+      <p:sp>
+        <p:nvSpPr>
+          <p:cNvPr id="2" name="Title 1"/>
+          <p:cNvSpPr>
+            <a:spLocks noGrp="1"/>
+          </p:cNvSpPr>
+          <p:nvPr>
+            <p:ph type="title"/>
+          </p:nvPr>
+        </p:nvSpPr>
+        <p:spPr/>
+        <p:txBody>
+          <a:bodyPr/>
+          <a:lstStyle/>
+          <a:p>
+            <a:r>
+              <a:rPr lang="en-US" dirty="0" smtClean="0"/>
+              <a:t>Compile</a:t>
+            </a:r>
+            <a:endParaRPr lang="en-US" dirty="0"/>
+          </a:p>
+        </p:txBody>
+      </p:sp>
+      <p:sp>
+        <p:nvSpPr>
+          <p:cNvPr id="3" name="Content Placeholder 2"/>
+          <p:cNvSpPr>
+            <a:spLocks noGrp="1"/>
+          </p:cNvSpPr>
+          <p:nvPr>
+            <p:ph idx="1"/>
+          </p:nvPr>
+        </p:nvSpPr>
+        <p:spPr/>
+        <p:txBody>
+          <a:bodyPr/>
+          <a:lstStyle/>
+          <a:p>
+            <a:r>
+              <a:rPr lang="en-US" dirty="0" err="1"/>
+              <a:t>model.compile</a:t>
+            </a:r>
+            <a:r>
+              <a:rPr lang="en-US" dirty="0"/>
+              <a:t>(optimizer="</a:t>
+            </a:r>
+            <a:r>
+              <a:rPr lang="en-US" dirty="0" err="1"/>
+              <a:t>adam</a:t>
+            </a:r>
+            <a:r>
+              <a:rPr lang="en-US" dirty="0"/>
+              <a:t>", loss='</a:t>
+            </a:r>
+            <a:r>
+              <a:rPr lang="en-US" dirty="0" err="1"/>
+              <a:t>mse</a:t>
+            </a:r>
+            <a:r>
+              <a:rPr lang="en-US" dirty="0"/>
+              <a:t>', metrics=["</a:t>
+            </a:r>
+            <a:r>
+              <a:rPr lang="en-US" dirty="0" err="1"/>
+              <a:t>mse</a:t>
+            </a:r>
+            <a:r>
+              <a:rPr lang="en-US" dirty="0"/>
+              <a:t>", "accuracy</a:t>
+            </a:r>
+            <a:r>
+              <a:rPr lang="en-US" dirty="0" smtClean="0"/>
+              <a:t>"])</a:t>
+            </a:r>
+          </a:p>
+          <a:p>
+            <a:endParaRPr lang="en-US" dirty="0"/>
+          </a:p>
+          <a:p>
+            <a:r>
+              <a:rPr lang="en-US" dirty="0" smtClean="0"/>
+              <a:t>Optimizer controls learning rate. Adam is an automatic tuner for learning rate</a:t>
+            </a:r>
+          </a:p>
+          <a:p>
+            <a:r>
+              <a:rPr lang="en-US" dirty="0" smtClean="0"/>
+              <a:t>Loss is the function your model will use to determine how close its prediction is to the expected output</a:t>
+            </a:r>
+          </a:p>
+          <a:p>
+            <a:pPr lvl="1"/>
+            <a:r>
+              <a:rPr lang="en-US" dirty="0" smtClean="0"/>
+              <a:t>Note: Loss must be differentiable to be used for the gradient decent</a:t>
+            </a:r>
+          </a:p>
+          <a:p>
+            <a:r>
+              <a:rPr lang="en-US" dirty="0" smtClean="0"/>
+              <a:t>Metrics is just for the human to see how well the model is performing</a:t>
+            </a:r>
+            <a:endParaRPr lang="en-US" dirty="0"/>
+          </a:p>
+        </p:txBody>
+      </p:sp>
+    </p:spTree>
+    <p:extLst>
+      <p:ext uri="{BB962C8B-B14F-4D97-AF65-F5344CB8AC3E}">
+        <p14:creationId xmlns:p14="http://schemas.microsoft.com/office/powerpoint/2010/main" val="1384157121"/>
+      </p:ext>
+    </p:extLst>
+  </p:cSld>
+  <p:clrMapOvr>
+    <a:masterClrMapping/>
+  </p:clrMapOvr>
+  <p:timing>
+    <p:tnLst>
+      <p:par>
+        <p:cTn id="1" dur="indefinite" restart="never" nodeType="tmRoot"/>
+      </p:par>
+    </p:tnLst>
+  </p:timing>
+</p:sld>
+</file>
+
+<file path=ppt/slides/slide24.xml><?xml version="1.0" encoding="utf-8"?>
+<p:sld xmlns:a="http://schemas.openxmlformats.org/drawingml/2006/main" xmlns:r="http://schemas.openxmlformats.org/officeDocument/2006/relationships" xmlns:p="http://schemas.openxmlformats.org/presentationml/2006/main">
+  <p:cSld>
+    <p:spTree>
+      <p:nvGrpSpPr>
+        <p:cNvPr id="1" name=""/>
+        <p:cNvGrpSpPr/>
+        <p:nvPr/>
+      </p:nvGrpSpPr>
+      <p:grpSpPr>
+        <a:xfrm>
+          <a:off x="0" y="0"/>
+          <a:ext cx="0" cy="0"/>
+          <a:chOff x="0" y="0"/>
+          <a:chExt cx="0" cy="0"/>
+        </a:xfrm>
+      </p:grpSpPr>
+      <p:sp>
+        <p:nvSpPr>
+          <p:cNvPr id="2" name="Title 1"/>
+          <p:cNvSpPr>
+            <a:spLocks noGrp="1"/>
+          </p:cNvSpPr>
+          <p:nvPr>
+            <p:ph type="title"/>
+          </p:nvPr>
+        </p:nvSpPr>
+        <p:spPr/>
+        <p:txBody>
+          <a:bodyPr/>
+          <a:lstStyle/>
+          <a:p>
+            <a:r>
+              <a:rPr lang="en-US" dirty="0" smtClean="0"/>
+              <a:t>Fit</a:t>
+            </a:r>
+            <a:endParaRPr lang="en-US" dirty="0"/>
+          </a:p>
+        </p:txBody>
+      </p:sp>
+      <p:sp>
+        <p:nvSpPr>
+          <p:cNvPr id="3" name="Content Placeholder 2"/>
+          <p:cNvSpPr>
+            <a:spLocks noGrp="1"/>
+          </p:cNvSpPr>
+          <p:nvPr>
+            <p:ph idx="1"/>
+          </p:nvPr>
+        </p:nvSpPr>
+        <p:spPr/>
+        <p:txBody>
+          <a:bodyPr/>
+          <a:lstStyle/>
+          <a:p>
+            <a:r>
+              <a:rPr lang="en-US" dirty="0"/>
+              <a:t>history = </a:t>
+            </a:r>
+            <a:r>
+              <a:rPr lang="en-US" dirty="0" err="1"/>
+              <a:t>model.fit</a:t>
+            </a:r>
+            <a:r>
+              <a:rPr lang="en-US" dirty="0"/>
+              <a:t>(predictors, targets, epochs=10) </a:t>
+            </a:r>
+            <a:endParaRPr lang="en-US" dirty="0" smtClean="0"/>
+          </a:p>
+          <a:p>
+            <a:endParaRPr lang="en-US" dirty="0"/>
+          </a:p>
+          <a:p>
+            <a:r>
+              <a:rPr lang="en-US" dirty="0" smtClean="0"/>
+              <a:t>Applies backwards propagation over multiple iterations, called </a:t>
+            </a:r>
+            <a:r>
+              <a:rPr lang="en-US" i="1" dirty="0" smtClean="0"/>
+              <a:t>epochs </a:t>
+            </a:r>
+            <a:r>
+              <a:rPr lang="en-US" dirty="0" smtClean="0"/>
+              <a:t>to tune the weights</a:t>
+            </a:r>
+          </a:p>
+          <a:p>
+            <a:r>
+              <a:rPr lang="en-US" dirty="0" smtClean="0"/>
+              <a:t>Epochs are the iterations to go through in tuning the weights</a:t>
+            </a:r>
+          </a:p>
+          <a:p>
+            <a:endParaRPr lang="en-US" dirty="0" smtClean="0"/>
+          </a:p>
+          <a:p>
+            <a:endParaRPr lang="en-US" i="1" dirty="0"/>
+          </a:p>
+        </p:txBody>
+      </p:sp>
+    </p:spTree>
+    <p:extLst>
+      <p:ext uri="{BB962C8B-B14F-4D97-AF65-F5344CB8AC3E}">
+        <p14:creationId xmlns:p14="http://schemas.microsoft.com/office/powerpoint/2010/main" val="1078646299"/>
+      </p:ext>
+    </p:extLst>
+  </p:cSld>
+  <p:clrMapOvr>
+    <a:masterClrMapping/>
+  </p:clrMapOvr>
+  <p:timing>
+    <p:tnLst>
+      <p:par>
+        <p:cTn id="1" dur="indefinite" restart="never" nodeType="tmRoot"/>
+      </p:par>
+    </p:tnLst>
+  </p:timing>
+</p:sld>
+</file>
+
+<file path=ppt/slides/slide25.xml><?xml version="1.0" encoding="utf-8"?>
+<p:sld xmlns:a="http://schemas.openxmlformats.org/drawingml/2006/main" xmlns:r="http://schemas.openxmlformats.org/officeDocument/2006/relationships" xmlns:p="http://schemas.openxmlformats.org/presentationml/2006/main">
+  <p:cSld>
+    <p:spTree>
+      <p:nvGrpSpPr>
+        <p:cNvPr id="1" name=""/>
+        <p:cNvGrpSpPr/>
+        <p:nvPr/>
+      </p:nvGrpSpPr>
+      <p:grpSpPr>
+        <a:xfrm>
+          <a:off x="0" y="0"/>
+          <a:ext cx="0" cy="0"/>
+          <a:chOff x="0" y="0"/>
+          <a:chExt cx="0" cy="0"/>
+        </a:xfrm>
+      </p:grpSpPr>
+      <p:sp>
+        <p:nvSpPr>
+          <p:cNvPr id="2" name="Title 1"/>
+          <p:cNvSpPr>
+            <a:spLocks noGrp="1"/>
+          </p:cNvSpPr>
+          <p:nvPr>
+            <p:ph type="title"/>
+          </p:nvPr>
+        </p:nvSpPr>
+        <p:spPr/>
+        <p:txBody>
+          <a:bodyPr/>
+          <a:lstStyle/>
+          <a:p>
+            <a:r>
+              <a:rPr lang="en-US" dirty="0" smtClean="0"/>
+              <a:t>Classification</a:t>
+            </a:r>
+            <a:endParaRPr lang="en-US" dirty="0"/>
+          </a:p>
+        </p:txBody>
+      </p:sp>
+      <p:sp>
+        <p:nvSpPr>
+          <p:cNvPr id="3" name="Content Placeholder 2"/>
+          <p:cNvSpPr>
+            <a:spLocks noGrp="1"/>
+          </p:cNvSpPr>
+          <p:nvPr>
+            <p:ph idx="1"/>
+          </p:nvPr>
+        </p:nvSpPr>
+        <p:spPr/>
+        <p:txBody>
+          <a:bodyPr/>
+          <a:lstStyle/>
+          <a:p>
+            <a:endParaRPr lang="en-US"/>
+          </a:p>
+        </p:txBody>
+      </p:sp>
+    </p:spTree>
+    <p:extLst>
+      <p:ext uri="{BB962C8B-B14F-4D97-AF65-F5344CB8AC3E}">
+        <p14:creationId xmlns:p14="http://schemas.microsoft.com/office/powerpoint/2010/main" val="1071028377"/>
+      </p:ext>
+    </p:extLst>
+  </p:cSld>
+  <p:clrMapOvr>
+    <a:masterClrMapping/>
+  </p:clrMapOvr>
+  <p:timing>
+    <p:tnLst>
+      <p:par>
+        <p:cTn id="1" dur="indefinite" restart="never" nodeType="tmRoot"/>
+      </p:par>
+    </p:tnLst>
+  </p:timing>
 </p:sld>
 </file>
 

--- a/Presentations/presentation_chapter1.pptx
+++ b/Presentations/presentation_chapter1.pptx
@@ -14988,7 +14988,7 @@
           <a:bodyPr/>
           <a:lstStyle/>
           <a:p>
-            <a:endParaRPr lang="en-US"/>
+            <a:endParaRPr lang="en-US" dirty="0"/>
           </a:p>
         </p:txBody>
       </p:sp>
@@ -16375,6 +16375,13 @@
   <p:clrMapOvr>
     <a:masterClrMapping/>
   </p:clrMapOvr>
+  <p:timing>
+    <p:tnLst>
+      <p:par>
+        <p:cTn id="1" dur="indefinite" restart="never" nodeType="tmRoot"/>
+      </p:par>
+    </p:tnLst>
+  </p:timing>
 </p:sld>
 </file>
 
@@ -17442,6 +17449,13 @@
   <p:clrMapOvr>
     <a:masterClrMapping/>
   </p:clrMapOvr>
+  <p:timing>
+    <p:tnLst>
+      <p:par>
+        <p:cTn id="1" dur="indefinite" restart="never" nodeType="tmRoot"/>
+      </p:par>
+    </p:tnLst>
+  </p:timing>
 </p:sld>
 </file>
 
@@ -17699,6 +17713,13 @@
   <p:clrMapOvr>
     <a:masterClrMapping/>
   </p:clrMapOvr>
+  <p:timing>
+    <p:tnLst>
+      <p:par>
+        <p:cTn id="1" dur="indefinite" restart="never" nodeType="tmRoot"/>
+      </p:par>
+    </p:tnLst>
+  </p:timing>
 </p:sld>
 </file>
 
@@ -19365,6 +19386,13 @@
   <p:clrMapOvr>
     <a:masterClrMapping/>
   </p:clrMapOvr>
+  <p:timing>
+    <p:tnLst>
+      <p:par>
+        <p:cTn id="1" dur="indefinite" restart="never" nodeType="tmRoot"/>
+      </p:par>
+    </p:tnLst>
+  </p:timing>
 </p:sld>
 </file>
 
